--- a/angular/Frontend.pptx
+++ b/angular/Frontend.pptx
@@ -20,6 +20,20 @@
     <p:sldId id="268" r:id="rId14"/>
     <p:sldId id="269" r:id="rId15"/>
     <p:sldId id="270" r:id="rId16"/>
+    <p:sldId id="271" r:id="rId17"/>
+    <p:sldId id="272" r:id="rId18"/>
+    <p:sldId id="278" r:id="rId19"/>
+    <p:sldId id="277" r:id="rId20"/>
+    <p:sldId id="274" r:id="rId21"/>
+    <p:sldId id="275" r:id="rId22"/>
+    <p:sldId id="276" r:id="rId23"/>
+    <p:sldId id="279" r:id="rId24"/>
+    <p:sldId id="280" r:id="rId25"/>
+    <p:sldId id="281" r:id="rId26"/>
+    <p:sldId id="282" r:id="rId27"/>
+    <p:sldId id="285" r:id="rId28"/>
+    <p:sldId id="283" r:id="rId29"/>
+    <p:sldId id="284" r:id="rId30"/>
   </p:sldIdLst>
   <p:sldSz cx="12192000" cy="6858000"/>
   <p:notesSz cx="6858000" cy="9144000"/>
@@ -118,7 +132,16 @@
       </a:defRPr>
     </a:lvl9pPr>
   </p:defaultTextStyle>
+  <p:extLst>
+    <p:ext uri="{EFAFB233-063F-42B5-8137-9DF3F51BA10A}">
+      <p15:sldGuideLst xmlns:p15="http://schemas.microsoft.com/office/powerpoint/2012/main"/>
+    </p:ext>
+  </p:extLst>
 </p:presentation>
+</file>
+
+<file path=ppt/revisionInfo.xml><?xml version="1.0" encoding="utf-8"?>
+<p1510:revInfo xmlns:a="http://schemas.openxmlformats.org/drawingml/2006/main" xmlns:r="http://schemas.openxmlformats.org/officeDocument/2006/relationships" xmlns:p1510="http://schemas.microsoft.com/office/powerpoint/2015/10/main"/>
 </file>
 
 <file path=ppt/slideLayouts/slideLayout1.xml><?xml version="1.0" encoding="utf-8"?>
@@ -5106,6 +5129,2920 @@
   <p:clrMapOvr>
     <a:masterClrMapping/>
   </p:clrMapOvr>
+  <p:timing>
+    <p:tnLst>
+      <p:par>
+        <p:cTn id="1" dur="indefinite" restart="never" nodeType="tmRoot">
+          <p:childTnLst>
+            <p:seq concurrent="1" nextAc="seek">
+              <p:cTn id="2" dur="indefinite" nodeType="mainSeq">
+                <p:childTnLst>
+                  <p:par>
+                    <p:cTn id="3" fill="hold">
+                      <p:stCondLst>
+                        <p:cond delay="indefinite"/>
+                      </p:stCondLst>
+                      <p:childTnLst>
+                        <p:par>
+                          <p:cTn id="4" fill="hold">
+                            <p:stCondLst>
+                              <p:cond delay="0"/>
+                            </p:stCondLst>
+                            <p:childTnLst>
+                              <p:par>
+                                <p:cTn id="5" presetID="1" presetClass="entr" presetSubtype="0" fill="hold" grpId="0" nodeType="clickEffect">
+                                  <p:stCondLst>
+                                    <p:cond delay="0"/>
+                                  </p:stCondLst>
+                                  <p:childTnLst>
+                                    <p:set>
+                                      <p:cBhvr>
+                                        <p:cTn id="6" dur="1" fill="hold">
+                                          <p:stCondLst>
+                                            <p:cond delay="0"/>
+                                          </p:stCondLst>
+                                        </p:cTn>
+                                        <p:tgtEl>
+                                          <p:spTgt spid="5">
+                                            <p:txEl>
+                                              <p:pRg st="6" end="6"/>
+                                            </p:txEl>
+                                          </p:spTgt>
+                                        </p:tgtEl>
+                                        <p:attrNameLst>
+                                          <p:attrName>style.visibility</p:attrName>
+                                        </p:attrNameLst>
+                                      </p:cBhvr>
+                                      <p:to>
+                                        <p:strVal val="visible"/>
+                                      </p:to>
+                                    </p:set>
+                                  </p:childTnLst>
+                                </p:cTn>
+                              </p:par>
+                            </p:childTnLst>
+                          </p:cTn>
+                        </p:par>
+                      </p:childTnLst>
+                    </p:cTn>
+                  </p:par>
+                </p:childTnLst>
+              </p:cTn>
+              <p:prevCondLst>
+                <p:cond evt="onPrev" delay="0">
+                  <p:tgtEl>
+                    <p:sldTgt/>
+                  </p:tgtEl>
+                </p:cond>
+              </p:prevCondLst>
+              <p:nextCondLst>
+                <p:cond evt="onNext" delay="0">
+                  <p:tgtEl>
+                    <p:sldTgt/>
+                  </p:tgtEl>
+                </p:cond>
+              </p:nextCondLst>
+            </p:seq>
+          </p:childTnLst>
+        </p:cTn>
+      </p:par>
+    </p:tnLst>
+    <p:bldLst>
+      <p:bldP spid="5" grpId="0" uiExpand="1" build="p"/>
+    </p:bldLst>
+  </p:timing>
+</p:sld>
+</file>
+
+<file path=ppt/slides/slide16.xml><?xml version="1.0" encoding="utf-8"?>
+<p:sld xmlns:a="http://schemas.openxmlformats.org/drawingml/2006/main" xmlns:r="http://schemas.openxmlformats.org/officeDocument/2006/relationships" xmlns:p="http://schemas.openxmlformats.org/presentationml/2006/main">
+  <p:cSld>
+    <p:spTree>
+      <p:nvGrpSpPr>
+        <p:cNvPr id="1" name=""/>
+        <p:cNvGrpSpPr/>
+        <p:nvPr/>
+      </p:nvGrpSpPr>
+      <p:grpSpPr>
+        <a:xfrm>
+          <a:off x="0" y="0"/>
+          <a:ext cx="0" cy="0"/>
+          <a:chOff x="0" y="0"/>
+          <a:chExt cx="0" cy="0"/>
+        </a:xfrm>
+      </p:grpSpPr>
+      <p:sp>
+        <p:nvSpPr>
+          <p:cNvPr id="2" name="Title 1">
+            <a:extLst>
+              <a:ext uri="{FF2B5EF4-FFF2-40B4-BE49-F238E27FC236}">
+                <a16:creationId xmlns:a16="http://schemas.microsoft.com/office/drawing/2014/main" id="{6703D8CD-133C-4963-B39D-09E19D710E1E}"/>
+              </a:ext>
+            </a:extLst>
+          </p:cNvPr>
+          <p:cNvSpPr>
+            <a:spLocks noGrp="1"/>
+          </p:cNvSpPr>
+          <p:nvPr>
+            <p:ph type="title"/>
+          </p:nvPr>
+        </p:nvSpPr>
+        <p:spPr/>
+        <p:txBody>
+          <a:bodyPr/>
+          <a:lstStyle/>
+          <a:p>
+            <a:r>
+              <a:rPr lang="en-SG" dirty="0"/>
+              <a:t>Angular</a:t>
+            </a:r>
+          </a:p>
+        </p:txBody>
+      </p:sp>
+      <p:sp>
+        <p:nvSpPr>
+          <p:cNvPr id="3" name="Content Placeholder 2">
+            <a:extLst>
+              <a:ext uri="{FF2B5EF4-FFF2-40B4-BE49-F238E27FC236}">
+                <a16:creationId xmlns:a16="http://schemas.microsoft.com/office/drawing/2014/main" id="{BEAE7255-2088-4FA1-A210-25FBAD2902AD}"/>
+              </a:ext>
+            </a:extLst>
+          </p:cNvPr>
+          <p:cNvSpPr>
+            <a:spLocks noGrp="1"/>
+          </p:cNvSpPr>
+          <p:nvPr>
+            <p:ph idx="1"/>
+          </p:nvPr>
+        </p:nvSpPr>
+        <p:spPr/>
+        <p:txBody>
+          <a:bodyPr>
+            <a:normAutofit/>
+          </a:bodyPr>
+          <a:lstStyle/>
+          <a:p>
+            <a:r>
+              <a:rPr lang="en-SG" dirty="0"/>
+              <a:t>Onion layers</a:t>
+            </a:r>
+          </a:p>
+          <a:p>
+            <a:pPr lvl="1"/>
+            <a:r>
+              <a:rPr lang="en-SG"/>
+              <a:t>Angular component</a:t>
+            </a:r>
+            <a:endParaRPr lang="en-SG" dirty="0"/>
+          </a:p>
+          <a:p>
+            <a:pPr lvl="1"/>
+            <a:r>
+              <a:rPr lang="en-SG" dirty="0"/>
+              <a:t>Layouts</a:t>
+            </a:r>
+          </a:p>
+          <a:p>
+            <a:pPr lvl="1"/>
+            <a:r>
+              <a:rPr lang="en-SG" dirty="0"/>
+              <a:t>Containers</a:t>
+            </a:r>
+          </a:p>
+          <a:p>
+            <a:pPr lvl="1"/>
+            <a:r>
+              <a:rPr lang="en-SG" dirty="0"/>
+              <a:t>Components</a:t>
+            </a:r>
+            <a:br>
+              <a:rPr lang="en-SG" dirty="0"/>
+            </a:br>
+            <a:endParaRPr lang="en-SG" dirty="0"/>
+          </a:p>
+          <a:p>
+            <a:pPr lvl="1"/>
+            <a:endParaRPr lang="en-SG" dirty="0"/>
+          </a:p>
+          <a:p>
+            <a:r>
+              <a:rPr lang="en-SG" dirty="0"/>
+              <a:t>Ensure validity of the context</a:t>
+            </a:r>
+          </a:p>
+          <a:p>
+            <a:pPr lvl="1"/>
+            <a:r>
+              <a:rPr lang="en-SG" dirty="0"/>
+              <a:t>Angular guards</a:t>
+            </a:r>
+          </a:p>
+          <a:p>
+            <a:pPr lvl="1"/>
+            <a:r>
+              <a:rPr lang="en-SG" dirty="0"/>
+              <a:t>Angular router</a:t>
+            </a:r>
+          </a:p>
+        </p:txBody>
+      </p:sp>
+      <p:pic>
+        <p:nvPicPr>
+          <p:cNvPr id="4" name="Picture 3">
+            <a:extLst>
+              <a:ext uri="{FF2B5EF4-FFF2-40B4-BE49-F238E27FC236}">
+                <a16:creationId xmlns:a16="http://schemas.microsoft.com/office/drawing/2014/main" id="{FC10D9B3-5C6B-4FC5-A390-2FF00BF54DAC}"/>
+              </a:ext>
+            </a:extLst>
+          </p:cNvPr>
+          <p:cNvPicPr>
+            <a:picLocks noChangeAspect="1"/>
+          </p:cNvPicPr>
+          <p:nvPr/>
+        </p:nvPicPr>
+        <p:blipFill>
+          <a:blip r:embed="rId2"/>
+          <a:stretch>
+            <a:fillRect/>
+          </a:stretch>
+        </p:blipFill>
+        <p:spPr>
+          <a:xfrm>
+            <a:off x="5305425" y="1122195"/>
+            <a:ext cx="1581150" cy="2800350"/>
+          </a:xfrm>
+          <a:prstGeom prst="rect">
+            <a:avLst/>
+          </a:prstGeom>
+        </p:spPr>
+      </p:pic>
+      <p:pic>
+        <p:nvPicPr>
+          <p:cNvPr id="5" name="Picture 4">
+            <a:extLst>
+              <a:ext uri="{FF2B5EF4-FFF2-40B4-BE49-F238E27FC236}">
+                <a16:creationId xmlns:a16="http://schemas.microsoft.com/office/drawing/2014/main" id="{876C2DF0-3E6B-4A02-95E0-E85859D9A633}"/>
+              </a:ext>
+            </a:extLst>
+          </p:cNvPr>
+          <p:cNvPicPr>
+            <a:picLocks noChangeAspect="1"/>
+          </p:cNvPicPr>
+          <p:nvPr/>
+        </p:nvPicPr>
+        <p:blipFill>
+          <a:blip r:embed="rId3"/>
+          <a:stretch>
+            <a:fillRect/>
+          </a:stretch>
+        </p:blipFill>
+        <p:spPr>
+          <a:xfrm>
+            <a:off x="8986305" y="2839244"/>
+            <a:ext cx="2575296" cy="3806031"/>
+          </a:xfrm>
+          <a:prstGeom prst="rect">
+            <a:avLst/>
+          </a:prstGeom>
+        </p:spPr>
+      </p:pic>
+      <p:sp>
+        <p:nvSpPr>
+          <p:cNvPr id="6" name="Arrow: Right 5">
+            <a:extLst>
+              <a:ext uri="{FF2B5EF4-FFF2-40B4-BE49-F238E27FC236}">
+                <a16:creationId xmlns:a16="http://schemas.microsoft.com/office/drawing/2014/main" id="{135436FD-4A03-45E7-ADA6-94E300DE0113}"/>
+              </a:ext>
+            </a:extLst>
+          </p:cNvPr>
+          <p:cNvSpPr/>
+          <p:nvPr/>
+        </p:nvSpPr>
+        <p:spPr>
+          <a:xfrm rot="20940698">
+            <a:off x="8030190" y="5155419"/>
+            <a:ext cx="1320058" cy="222835"/>
+          </a:xfrm>
+          <a:prstGeom prst="rightArrow">
+            <a:avLst/>
+          </a:prstGeom>
+        </p:spPr>
+        <p:style>
+          <a:lnRef idx="2">
+            <a:schemeClr val="accent1">
+              <a:shade val="50000"/>
+            </a:schemeClr>
+          </a:lnRef>
+          <a:fillRef idx="1">
+            <a:schemeClr val="accent1"/>
+          </a:fillRef>
+          <a:effectRef idx="0">
+            <a:schemeClr val="accent1"/>
+          </a:effectRef>
+          <a:fontRef idx="minor">
+            <a:schemeClr val="lt1"/>
+          </a:fontRef>
+        </p:style>
+        <p:txBody>
+          <a:bodyPr rtlCol="0" anchor="ctr"/>
+          <a:lstStyle/>
+          <a:p>
+            <a:pPr algn="ctr"/>
+            <a:endParaRPr lang="en-SG"/>
+          </a:p>
+        </p:txBody>
+      </p:sp>
+      <p:sp>
+        <p:nvSpPr>
+          <p:cNvPr id="7" name="Arrow: Right 6">
+            <a:extLst>
+              <a:ext uri="{FF2B5EF4-FFF2-40B4-BE49-F238E27FC236}">
+                <a16:creationId xmlns:a16="http://schemas.microsoft.com/office/drawing/2014/main" id="{49C74E7D-59DD-42EB-88A3-3143D742C17F}"/>
+              </a:ext>
+            </a:extLst>
+          </p:cNvPr>
+          <p:cNvSpPr/>
+          <p:nvPr/>
+        </p:nvSpPr>
+        <p:spPr>
+          <a:xfrm rot="20940698">
+            <a:off x="7935891" y="3369969"/>
+            <a:ext cx="1320058" cy="222835"/>
+          </a:xfrm>
+          <a:prstGeom prst="rightArrow">
+            <a:avLst/>
+          </a:prstGeom>
+        </p:spPr>
+        <p:style>
+          <a:lnRef idx="2">
+            <a:schemeClr val="accent1">
+              <a:shade val="50000"/>
+            </a:schemeClr>
+          </a:lnRef>
+          <a:fillRef idx="1">
+            <a:schemeClr val="accent1"/>
+          </a:fillRef>
+          <a:effectRef idx="0">
+            <a:schemeClr val="accent1"/>
+          </a:effectRef>
+          <a:fontRef idx="minor">
+            <a:schemeClr val="lt1"/>
+          </a:fontRef>
+        </p:style>
+        <p:txBody>
+          <a:bodyPr rtlCol="0" anchor="ctr"/>
+          <a:lstStyle/>
+          <a:p>
+            <a:pPr algn="ctr"/>
+            <a:endParaRPr lang="en-SG"/>
+          </a:p>
+        </p:txBody>
+      </p:sp>
+      <p:sp>
+        <p:nvSpPr>
+          <p:cNvPr id="8" name="Left Brace 7">
+            <a:extLst>
+              <a:ext uri="{FF2B5EF4-FFF2-40B4-BE49-F238E27FC236}">
+                <a16:creationId xmlns:a16="http://schemas.microsoft.com/office/drawing/2014/main" id="{E6D1B31F-607C-4298-AF3D-E3DF2B4DCC81}"/>
+              </a:ext>
+            </a:extLst>
+          </p:cNvPr>
+          <p:cNvSpPr/>
+          <p:nvPr/>
+        </p:nvSpPr>
+        <p:spPr>
+          <a:xfrm>
+            <a:off x="4302408" y="1232881"/>
+            <a:ext cx="946484" cy="2578977"/>
+          </a:xfrm>
+          <a:prstGeom prst="leftBrace">
+            <a:avLst/>
+          </a:prstGeom>
+        </p:spPr>
+        <p:style>
+          <a:lnRef idx="1">
+            <a:schemeClr val="accent1"/>
+          </a:lnRef>
+          <a:fillRef idx="0">
+            <a:schemeClr val="accent1"/>
+          </a:fillRef>
+          <a:effectRef idx="0">
+            <a:schemeClr val="accent1"/>
+          </a:effectRef>
+          <a:fontRef idx="minor">
+            <a:schemeClr val="tx1"/>
+          </a:fontRef>
+        </p:style>
+        <p:txBody>
+          <a:bodyPr rtlCol="0" anchor="ctr"/>
+          <a:lstStyle/>
+          <a:p>
+            <a:pPr algn="ctr"/>
+            <a:endParaRPr lang="en-SG"/>
+          </a:p>
+        </p:txBody>
+      </p:sp>
+    </p:spTree>
+    <p:extLst>
+      <p:ext uri="{BB962C8B-B14F-4D97-AF65-F5344CB8AC3E}">
+        <p14:creationId xmlns:p14="http://schemas.microsoft.com/office/powerpoint/2010/main" val="1597319640"/>
+      </p:ext>
+    </p:extLst>
+  </p:cSld>
+  <p:clrMapOvr>
+    <a:masterClrMapping/>
+  </p:clrMapOvr>
+  <p:timing>
+    <p:tnLst>
+      <p:par>
+        <p:cTn id="1" dur="indefinite" restart="never" nodeType="tmRoot">
+          <p:childTnLst>
+            <p:seq concurrent="1" nextAc="seek">
+              <p:cTn id="2" dur="indefinite" nodeType="mainSeq">
+                <p:childTnLst>
+                  <p:par>
+                    <p:cTn id="3" fill="hold">
+                      <p:stCondLst>
+                        <p:cond delay="indefinite"/>
+                      </p:stCondLst>
+                      <p:childTnLst>
+                        <p:par>
+                          <p:cTn id="4" fill="hold">
+                            <p:stCondLst>
+                              <p:cond delay="0"/>
+                            </p:stCondLst>
+                            <p:childTnLst>
+                              <p:par>
+                                <p:cTn id="5" presetID="1" presetClass="entr" presetSubtype="0" fill="hold" grpId="0" nodeType="clickEffect">
+                                  <p:stCondLst>
+                                    <p:cond delay="0"/>
+                                  </p:stCondLst>
+                                  <p:childTnLst>
+                                    <p:set>
+                                      <p:cBhvr>
+                                        <p:cTn id="6" dur="1" fill="hold">
+                                          <p:stCondLst>
+                                            <p:cond delay="0"/>
+                                          </p:stCondLst>
+                                        </p:cTn>
+                                        <p:tgtEl>
+                                          <p:spTgt spid="3">
+                                            <p:txEl>
+                                              <p:pRg st="0" end="0"/>
+                                            </p:txEl>
+                                          </p:spTgt>
+                                        </p:tgtEl>
+                                        <p:attrNameLst>
+                                          <p:attrName>style.visibility</p:attrName>
+                                        </p:attrNameLst>
+                                      </p:cBhvr>
+                                      <p:to>
+                                        <p:strVal val="visible"/>
+                                      </p:to>
+                                    </p:set>
+                                  </p:childTnLst>
+                                </p:cTn>
+                              </p:par>
+                              <p:par>
+                                <p:cTn id="7" presetID="1" presetClass="entr" presetSubtype="0" fill="hold" grpId="0" nodeType="withEffect">
+                                  <p:stCondLst>
+                                    <p:cond delay="0"/>
+                                  </p:stCondLst>
+                                  <p:childTnLst>
+                                    <p:set>
+                                      <p:cBhvr>
+                                        <p:cTn id="8" dur="1" fill="hold">
+                                          <p:stCondLst>
+                                            <p:cond delay="0"/>
+                                          </p:stCondLst>
+                                        </p:cTn>
+                                        <p:tgtEl>
+                                          <p:spTgt spid="3">
+                                            <p:txEl>
+                                              <p:pRg st="1" end="1"/>
+                                            </p:txEl>
+                                          </p:spTgt>
+                                        </p:tgtEl>
+                                        <p:attrNameLst>
+                                          <p:attrName>style.visibility</p:attrName>
+                                        </p:attrNameLst>
+                                      </p:cBhvr>
+                                      <p:to>
+                                        <p:strVal val="visible"/>
+                                      </p:to>
+                                    </p:set>
+                                  </p:childTnLst>
+                                </p:cTn>
+                              </p:par>
+                              <p:par>
+                                <p:cTn id="9" presetID="1" presetClass="entr" presetSubtype="0" fill="hold" grpId="0" nodeType="withEffect">
+                                  <p:stCondLst>
+                                    <p:cond delay="0"/>
+                                  </p:stCondLst>
+                                  <p:childTnLst>
+                                    <p:set>
+                                      <p:cBhvr>
+                                        <p:cTn id="10" dur="1" fill="hold">
+                                          <p:stCondLst>
+                                            <p:cond delay="0"/>
+                                          </p:stCondLst>
+                                        </p:cTn>
+                                        <p:tgtEl>
+                                          <p:spTgt spid="3">
+                                            <p:txEl>
+                                              <p:pRg st="2" end="2"/>
+                                            </p:txEl>
+                                          </p:spTgt>
+                                        </p:tgtEl>
+                                        <p:attrNameLst>
+                                          <p:attrName>style.visibility</p:attrName>
+                                        </p:attrNameLst>
+                                      </p:cBhvr>
+                                      <p:to>
+                                        <p:strVal val="visible"/>
+                                      </p:to>
+                                    </p:set>
+                                  </p:childTnLst>
+                                </p:cTn>
+                              </p:par>
+                              <p:par>
+                                <p:cTn id="11" presetID="1" presetClass="entr" presetSubtype="0" fill="hold" grpId="0" nodeType="withEffect">
+                                  <p:stCondLst>
+                                    <p:cond delay="0"/>
+                                  </p:stCondLst>
+                                  <p:childTnLst>
+                                    <p:set>
+                                      <p:cBhvr>
+                                        <p:cTn id="12" dur="1" fill="hold">
+                                          <p:stCondLst>
+                                            <p:cond delay="0"/>
+                                          </p:stCondLst>
+                                        </p:cTn>
+                                        <p:tgtEl>
+                                          <p:spTgt spid="3">
+                                            <p:txEl>
+                                              <p:pRg st="3" end="3"/>
+                                            </p:txEl>
+                                          </p:spTgt>
+                                        </p:tgtEl>
+                                        <p:attrNameLst>
+                                          <p:attrName>style.visibility</p:attrName>
+                                        </p:attrNameLst>
+                                      </p:cBhvr>
+                                      <p:to>
+                                        <p:strVal val="visible"/>
+                                      </p:to>
+                                    </p:set>
+                                  </p:childTnLst>
+                                </p:cTn>
+                              </p:par>
+                              <p:par>
+                                <p:cTn id="13" presetID="1" presetClass="entr" presetSubtype="0" fill="hold" grpId="0" nodeType="withEffect">
+                                  <p:stCondLst>
+                                    <p:cond delay="0"/>
+                                  </p:stCondLst>
+                                  <p:childTnLst>
+                                    <p:set>
+                                      <p:cBhvr>
+                                        <p:cTn id="14" dur="1" fill="hold">
+                                          <p:stCondLst>
+                                            <p:cond delay="0"/>
+                                          </p:stCondLst>
+                                        </p:cTn>
+                                        <p:tgtEl>
+                                          <p:spTgt spid="3">
+                                            <p:txEl>
+                                              <p:pRg st="4" end="4"/>
+                                            </p:txEl>
+                                          </p:spTgt>
+                                        </p:tgtEl>
+                                        <p:attrNameLst>
+                                          <p:attrName>style.visibility</p:attrName>
+                                        </p:attrNameLst>
+                                      </p:cBhvr>
+                                      <p:to>
+                                        <p:strVal val="visible"/>
+                                      </p:to>
+                                    </p:set>
+                                  </p:childTnLst>
+                                </p:cTn>
+                              </p:par>
+                            </p:childTnLst>
+                          </p:cTn>
+                        </p:par>
+                      </p:childTnLst>
+                    </p:cTn>
+                  </p:par>
+                  <p:par>
+                    <p:cTn id="15" fill="hold">
+                      <p:stCondLst>
+                        <p:cond delay="indefinite"/>
+                      </p:stCondLst>
+                      <p:childTnLst>
+                        <p:par>
+                          <p:cTn id="16" fill="hold">
+                            <p:stCondLst>
+                              <p:cond delay="0"/>
+                            </p:stCondLst>
+                            <p:childTnLst>
+                              <p:par>
+                                <p:cTn id="17" presetID="1" presetClass="entr" presetSubtype="0" fill="hold" nodeType="clickEffect">
+                                  <p:stCondLst>
+                                    <p:cond delay="0"/>
+                                  </p:stCondLst>
+                                  <p:childTnLst>
+                                    <p:set>
+                                      <p:cBhvr>
+                                        <p:cTn id="18" dur="1" fill="hold">
+                                          <p:stCondLst>
+                                            <p:cond delay="0"/>
+                                          </p:stCondLst>
+                                        </p:cTn>
+                                        <p:tgtEl>
+                                          <p:spTgt spid="4"/>
+                                        </p:tgtEl>
+                                        <p:attrNameLst>
+                                          <p:attrName>style.visibility</p:attrName>
+                                        </p:attrNameLst>
+                                      </p:cBhvr>
+                                      <p:to>
+                                        <p:strVal val="visible"/>
+                                      </p:to>
+                                    </p:set>
+                                  </p:childTnLst>
+                                </p:cTn>
+                              </p:par>
+                              <p:par>
+                                <p:cTn id="19" presetID="1" presetClass="entr" presetSubtype="0" fill="hold" grpId="0" nodeType="withEffect">
+                                  <p:stCondLst>
+                                    <p:cond delay="0"/>
+                                  </p:stCondLst>
+                                  <p:childTnLst>
+                                    <p:set>
+                                      <p:cBhvr>
+                                        <p:cTn id="20" dur="1" fill="hold">
+                                          <p:stCondLst>
+                                            <p:cond delay="0"/>
+                                          </p:stCondLst>
+                                        </p:cTn>
+                                        <p:tgtEl>
+                                          <p:spTgt spid="8"/>
+                                        </p:tgtEl>
+                                        <p:attrNameLst>
+                                          <p:attrName>style.visibility</p:attrName>
+                                        </p:attrNameLst>
+                                      </p:cBhvr>
+                                      <p:to>
+                                        <p:strVal val="visible"/>
+                                      </p:to>
+                                    </p:set>
+                                  </p:childTnLst>
+                                </p:cTn>
+                              </p:par>
+                            </p:childTnLst>
+                          </p:cTn>
+                        </p:par>
+                      </p:childTnLst>
+                    </p:cTn>
+                  </p:par>
+                  <p:par>
+                    <p:cTn id="21" fill="hold">
+                      <p:stCondLst>
+                        <p:cond delay="indefinite"/>
+                      </p:stCondLst>
+                      <p:childTnLst>
+                        <p:par>
+                          <p:cTn id="22" fill="hold">
+                            <p:stCondLst>
+                              <p:cond delay="0"/>
+                            </p:stCondLst>
+                            <p:childTnLst>
+                              <p:par>
+                                <p:cTn id="23" presetID="1" presetClass="entr" presetSubtype="0" fill="hold" grpId="0" nodeType="clickEffect">
+                                  <p:stCondLst>
+                                    <p:cond delay="0"/>
+                                  </p:stCondLst>
+                                  <p:childTnLst>
+                                    <p:set>
+                                      <p:cBhvr>
+                                        <p:cTn id="24" dur="1" fill="hold">
+                                          <p:stCondLst>
+                                            <p:cond delay="0"/>
+                                          </p:stCondLst>
+                                        </p:cTn>
+                                        <p:tgtEl>
+                                          <p:spTgt spid="3">
+                                            <p:txEl>
+                                              <p:pRg st="6" end="6"/>
+                                            </p:txEl>
+                                          </p:spTgt>
+                                        </p:tgtEl>
+                                        <p:attrNameLst>
+                                          <p:attrName>style.visibility</p:attrName>
+                                        </p:attrNameLst>
+                                      </p:cBhvr>
+                                      <p:to>
+                                        <p:strVal val="visible"/>
+                                      </p:to>
+                                    </p:set>
+                                  </p:childTnLst>
+                                </p:cTn>
+                              </p:par>
+                              <p:par>
+                                <p:cTn id="25" presetID="1" presetClass="entr" presetSubtype="0" fill="hold" grpId="0" nodeType="withEffect">
+                                  <p:stCondLst>
+                                    <p:cond delay="0"/>
+                                  </p:stCondLst>
+                                  <p:childTnLst>
+                                    <p:set>
+                                      <p:cBhvr>
+                                        <p:cTn id="26" dur="1" fill="hold">
+                                          <p:stCondLst>
+                                            <p:cond delay="0"/>
+                                          </p:stCondLst>
+                                        </p:cTn>
+                                        <p:tgtEl>
+                                          <p:spTgt spid="3">
+                                            <p:txEl>
+                                              <p:pRg st="7" end="7"/>
+                                            </p:txEl>
+                                          </p:spTgt>
+                                        </p:tgtEl>
+                                        <p:attrNameLst>
+                                          <p:attrName>style.visibility</p:attrName>
+                                        </p:attrNameLst>
+                                      </p:cBhvr>
+                                      <p:to>
+                                        <p:strVal val="visible"/>
+                                      </p:to>
+                                    </p:set>
+                                  </p:childTnLst>
+                                </p:cTn>
+                              </p:par>
+                              <p:par>
+                                <p:cTn id="27" presetID="1" presetClass="entr" presetSubtype="0" fill="hold" grpId="0" nodeType="withEffect">
+                                  <p:stCondLst>
+                                    <p:cond delay="0"/>
+                                  </p:stCondLst>
+                                  <p:childTnLst>
+                                    <p:set>
+                                      <p:cBhvr>
+                                        <p:cTn id="28" dur="1" fill="hold">
+                                          <p:stCondLst>
+                                            <p:cond delay="0"/>
+                                          </p:stCondLst>
+                                        </p:cTn>
+                                        <p:tgtEl>
+                                          <p:spTgt spid="3">
+                                            <p:txEl>
+                                              <p:pRg st="8" end="8"/>
+                                            </p:txEl>
+                                          </p:spTgt>
+                                        </p:tgtEl>
+                                        <p:attrNameLst>
+                                          <p:attrName>style.visibility</p:attrName>
+                                        </p:attrNameLst>
+                                      </p:cBhvr>
+                                      <p:to>
+                                        <p:strVal val="visible"/>
+                                      </p:to>
+                                    </p:set>
+                                  </p:childTnLst>
+                                </p:cTn>
+                              </p:par>
+                            </p:childTnLst>
+                          </p:cTn>
+                        </p:par>
+                      </p:childTnLst>
+                    </p:cTn>
+                  </p:par>
+                  <p:par>
+                    <p:cTn id="29" fill="hold">
+                      <p:stCondLst>
+                        <p:cond delay="indefinite"/>
+                      </p:stCondLst>
+                      <p:childTnLst>
+                        <p:par>
+                          <p:cTn id="30" fill="hold">
+                            <p:stCondLst>
+                              <p:cond delay="0"/>
+                            </p:stCondLst>
+                            <p:childTnLst>
+                              <p:par>
+                                <p:cTn id="31" presetID="1" presetClass="entr" presetSubtype="0" fill="hold" nodeType="clickEffect">
+                                  <p:stCondLst>
+                                    <p:cond delay="0"/>
+                                  </p:stCondLst>
+                                  <p:childTnLst>
+                                    <p:set>
+                                      <p:cBhvr>
+                                        <p:cTn id="32" dur="1" fill="hold">
+                                          <p:stCondLst>
+                                            <p:cond delay="0"/>
+                                          </p:stCondLst>
+                                        </p:cTn>
+                                        <p:tgtEl>
+                                          <p:spTgt spid="5"/>
+                                        </p:tgtEl>
+                                        <p:attrNameLst>
+                                          <p:attrName>style.visibility</p:attrName>
+                                        </p:attrNameLst>
+                                      </p:cBhvr>
+                                      <p:to>
+                                        <p:strVal val="visible"/>
+                                      </p:to>
+                                    </p:set>
+                                  </p:childTnLst>
+                                </p:cTn>
+                              </p:par>
+                            </p:childTnLst>
+                          </p:cTn>
+                        </p:par>
+                      </p:childTnLst>
+                    </p:cTn>
+                  </p:par>
+                  <p:par>
+                    <p:cTn id="33" fill="hold">
+                      <p:stCondLst>
+                        <p:cond delay="indefinite"/>
+                      </p:stCondLst>
+                      <p:childTnLst>
+                        <p:par>
+                          <p:cTn id="34" fill="hold">
+                            <p:stCondLst>
+                              <p:cond delay="0"/>
+                            </p:stCondLst>
+                            <p:childTnLst>
+                              <p:par>
+                                <p:cTn id="35" presetID="1" presetClass="entr" presetSubtype="0" fill="hold" grpId="0" nodeType="clickEffect">
+                                  <p:stCondLst>
+                                    <p:cond delay="0"/>
+                                  </p:stCondLst>
+                                  <p:childTnLst>
+                                    <p:set>
+                                      <p:cBhvr>
+                                        <p:cTn id="36" dur="1" fill="hold">
+                                          <p:stCondLst>
+                                            <p:cond delay="0"/>
+                                          </p:stCondLst>
+                                        </p:cTn>
+                                        <p:tgtEl>
+                                          <p:spTgt spid="6"/>
+                                        </p:tgtEl>
+                                        <p:attrNameLst>
+                                          <p:attrName>style.visibility</p:attrName>
+                                        </p:attrNameLst>
+                                      </p:cBhvr>
+                                      <p:to>
+                                        <p:strVal val="visible"/>
+                                      </p:to>
+                                    </p:set>
+                                  </p:childTnLst>
+                                </p:cTn>
+                              </p:par>
+                              <p:par>
+                                <p:cTn id="37" presetID="1" presetClass="entr" presetSubtype="0" fill="hold" grpId="0" nodeType="withEffect">
+                                  <p:stCondLst>
+                                    <p:cond delay="0"/>
+                                  </p:stCondLst>
+                                  <p:childTnLst>
+                                    <p:set>
+                                      <p:cBhvr>
+                                        <p:cTn id="38" dur="1" fill="hold">
+                                          <p:stCondLst>
+                                            <p:cond delay="0"/>
+                                          </p:stCondLst>
+                                        </p:cTn>
+                                        <p:tgtEl>
+                                          <p:spTgt spid="7"/>
+                                        </p:tgtEl>
+                                        <p:attrNameLst>
+                                          <p:attrName>style.visibility</p:attrName>
+                                        </p:attrNameLst>
+                                      </p:cBhvr>
+                                      <p:to>
+                                        <p:strVal val="visible"/>
+                                      </p:to>
+                                    </p:set>
+                                  </p:childTnLst>
+                                </p:cTn>
+                              </p:par>
+                            </p:childTnLst>
+                          </p:cTn>
+                        </p:par>
+                      </p:childTnLst>
+                    </p:cTn>
+                  </p:par>
+                </p:childTnLst>
+              </p:cTn>
+              <p:prevCondLst>
+                <p:cond evt="onPrev" delay="0">
+                  <p:tgtEl>
+                    <p:sldTgt/>
+                  </p:tgtEl>
+                </p:cond>
+              </p:prevCondLst>
+              <p:nextCondLst>
+                <p:cond evt="onNext" delay="0">
+                  <p:tgtEl>
+                    <p:sldTgt/>
+                  </p:tgtEl>
+                </p:cond>
+              </p:nextCondLst>
+            </p:seq>
+          </p:childTnLst>
+        </p:cTn>
+      </p:par>
+    </p:tnLst>
+    <p:bldLst>
+      <p:bldP spid="3" grpId="0" uiExpand="1" build="p"/>
+      <p:bldP spid="6" grpId="0" animBg="1"/>
+      <p:bldP spid="7" grpId="0" animBg="1"/>
+      <p:bldP spid="8" grpId="0" uiExpand="1" animBg="1"/>
+    </p:bldLst>
+  </p:timing>
+</p:sld>
+</file>
+
+<file path=ppt/slides/slide17.xml><?xml version="1.0" encoding="utf-8"?>
+<p:sld xmlns:a="http://schemas.openxmlformats.org/drawingml/2006/main" xmlns:r="http://schemas.openxmlformats.org/officeDocument/2006/relationships" xmlns:p="http://schemas.openxmlformats.org/presentationml/2006/main">
+  <p:cSld>
+    <p:spTree>
+      <p:nvGrpSpPr>
+        <p:cNvPr id="1" name=""/>
+        <p:cNvGrpSpPr/>
+        <p:nvPr/>
+      </p:nvGrpSpPr>
+      <p:grpSpPr>
+        <a:xfrm>
+          <a:off x="0" y="0"/>
+          <a:ext cx="0" cy="0"/>
+          <a:chOff x="0" y="0"/>
+          <a:chExt cx="0" cy="0"/>
+        </a:xfrm>
+      </p:grpSpPr>
+      <p:sp>
+        <p:nvSpPr>
+          <p:cNvPr id="2" name="Title 1">
+            <a:extLst>
+              <a:ext uri="{FF2B5EF4-FFF2-40B4-BE49-F238E27FC236}">
+                <a16:creationId xmlns:a16="http://schemas.microsoft.com/office/drawing/2014/main" id="{C926CFAA-0E83-4978-9FEA-28B3984281B5}"/>
+              </a:ext>
+            </a:extLst>
+          </p:cNvPr>
+          <p:cNvSpPr>
+            <a:spLocks noGrp="1"/>
+          </p:cNvSpPr>
+          <p:nvPr>
+            <p:ph type="title"/>
+          </p:nvPr>
+        </p:nvSpPr>
+        <p:spPr/>
+        <p:txBody>
+          <a:bodyPr/>
+          <a:lstStyle/>
+          <a:p>
+            <a:r>
+              <a:rPr lang="en-SG" dirty="0"/>
+              <a:t>The advent of the reactive movement</a:t>
+            </a:r>
+          </a:p>
+        </p:txBody>
+      </p:sp>
+      <p:sp>
+        <p:nvSpPr>
+          <p:cNvPr id="3" name="Content Placeholder 2">
+            <a:extLst>
+              <a:ext uri="{FF2B5EF4-FFF2-40B4-BE49-F238E27FC236}">
+                <a16:creationId xmlns:a16="http://schemas.microsoft.com/office/drawing/2014/main" id="{9ABE4E43-08C2-48E4-96D7-69B566477848}"/>
+              </a:ext>
+            </a:extLst>
+          </p:cNvPr>
+          <p:cNvSpPr>
+            <a:spLocks noGrp="1"/>
+          </p:cNvSpPr>
+          <p:nvPr>
+            <p:ph idx="1"/>
+          </p:nvPr>
+        </p:nvSpPr>
+        <p:spPr/>
+        <p:txBody>
+          <a:bodyPr/>
+          <a:lstStyle/>
+          <a:p>
+            <a:r>
+              <a:rPr lang="en-SG" dirty="0" err="1"/>
+              <a:t>Rxjs</a:t>
+            </a:r>
+            <a:endParaRPr lang="en-SG" dirty="0"/>
+          </a:p>
+          <a:p>
+            <a:pPr lvl="1"/>
+            <a:r>
+              <a:rPr lang="en-SG" dirty="0"/>
+              <a:t>Reactive combinators</a:t>
+            </a:r>
+          </a:p>
+          <a:p>
+            <a:r>
+              <a:rPr lang="en-SG" dirty="0" err="1"/>
+              <a:t>Async</a:t>
+            </a:r>
+            <a:r>
+              <a:rPr lang="en-SG" dirty="0"/>
+              <a:t> pipe</a:t>
+            </a:r>
+          </a:p>
+          <a:p>
+            <a:pPr lvl="1"/>
+            <a:r>
+              <a:rPr lang="en-SG" dirty="0"/>
+              <a:t>{{ data$ | </a:t>
+            </a:r>
+            <a:r>
+              <a:rPr lang="en-SG" dirty="0" err="1"/>
+              <a:t>async</a:t>
+            </a:r>
+            <a:r>
+              <a:rPr lang="en-SG" dirty="0"/>
+              <a:t> }}</a:t>
+            </a:r>
+          </a:p>
+          <a:p>
+            <a:pPr lvl="1"/>
+            <a:r>
+              <a:rPr lang="en-SG" dirty="0"/>
+              <a:t>Reactive variables – Observable</a:t>
+            </a:r>
+          </a:p>
+          <a:p>
+            <a:r>
+              <a:rPr lang="en-SG" dirty="0"/>
+              <a:t>Redux and </a:t>
+            </a:r>
+            <a:r>
+              <a:rPr lang="en-SG" dirty="0" err="1"/>
+              <a:t>ngrx</a:t>
+            </a:r>
+            <a:r>
+              <a:rPr lang="en-SG" dirty="0"/>
+              <a:t> Store</a:t>
+            </a:r>
+          </a:p>
+          <a:p>
+            <a:r>
+              <a:rPr lang="en-SG" dirty="0"/>
+              <a:t>Segregation Read/Write</a:t>
+            </a:r>
+          </a:p>
+          <a:p>
+            <a:pPr lvl="1"/>
+            <a:r>
+              <a:rPr lang="en-SG" dirty="0"/>
+              <a:t>Update of application State</a:t>
+            </a:r>
+          </a:p>
+          <a:p>
+            <a:pPr lvl="1"/>
+            <a:r>
+              <a:rPr lang="en-SG" dirty="0"/>
+              <a:t>Propagation of State changes</a:t>
+            </a:r>
+          </a:p>
+        </p:txBody>
+      </p:sp>
+    </p:spTree>
+    <p:extLst>
+      <p:ext uri="{BB962C8B-B14F-4D97-AF65-F5344CB8AC3E}">
+        <p14:creationId xmlns:p14="http://schemas.microsoft.com/office/powerpoint/2010/main" val="3255879089"/>
+      </p:ext>
+    </p:extLst>
+  </p:cSld>
+  <p:clrMapOvr>
+    <a:masterClrMapping/>
+  </p:clrMapOvr>
+  <p:timing>
+    <p:tnLst>
+      <p:par>
+        <p:cTn id="1" dur="indefinite" restart="never" nodeType="tmRoot">
+          <p:childTnLst>
+            <p:seq concurrent="1" nextAc="seek">
+              <p:cTn id="2" dur="indefinite" nodeType="mainSeq">
+                <p:childTnLst>
+                  <p:par>
+                    <p:cTn id="3" fill="hold">
+                      <p:stCondLst>
+                        <p:cond delay="indefinite"/>
+                      </p:stCondLst>
+                      <p:childTnLst>
+                        <p:par>
+                          <p:cTn id="4" fill="hold">
+                            <p:stCondLst>
+                              <p:cond delay="0"/>
+                            </p:stCondLst>
+                            <p:childTnLst>
+                              <p:par>
+                                <p:cTn id="5" presetID="1" presetClass="entr" presetSubtype="0" fill="hold" grpId="0" nodeType="clickEffect">
+                                  <p:stCondLst>
+                                    <p:cond delay="0"/>
+                                  </p:stCondLst>
+                                  <p:childTnLst>
+                                    <p:set>
+                                      <p:cBhvr>
+                                        <p:cTn id="6" dur="1" fill="hold">
+                                          <p:stCondLst>
+                                            <p:cond delay="0"/>
+                                          </p:stCondLst>
+                                        </p:cTn>
+                                        <p:tgtEl>
+                                          <p:spTgt spid="3">
+                                            <p:txEl>
+                                              <p:pRg st="0" end="0"/>
+                                            </p:txEl>
+                                          </p:spTgt>
+                                        </p:tgtEl>
+                                        <p:attrNameLst>
+                                          <p:attrName>style.visibility</p:attrName>
+                                        </p:attrNameLst>
+                                      </p:cBhvr>
+                                      <p:to>
+                                        <p:strVal val="visible"/>
+                                      </p:to>
+                                    </p:set>
+                                  </p:childTnLst>
+                                </p:cTn>
+                              </p:par>
+                              <p:par>
+                                <p:cTn id="7" presetID="1" presetClass="entr" presetSubtype="0" fill="hold" grpId="0" nodeType="withEffect">
+                                  <p:stCondLst>
+                                    <p:cond delay="0"/>
+                                  </p:stCondLst>
+                                  <p:childTnLst>
+                                    <p:set>
+                                      <p:cBhvr>
+                                        <p:cTn id="8" dur="1" fill="hold">
+                                          <p:stCondLst>
+                                            <p:cond delay="0"/>
+                                          </p:stCondLst>
+                                        </p:cTn>
+                                        <p:tgtEl>
+                                          <p:spTgt spid="3">
+                                            <p:txEl>
+                                              <p:pRg st="1" end="1"/>
+                                            </p:txEl>
+                                          </p:spTgt>
+                                        </p:tgtEl>
+                                        <p:attrNameLst>
+                                          <p:attrName>style.visibility</p:attrName>
+                                        </p:attrNameLst>
+                                      </p:cBhvr>
+                                      <p:to>
+                                        <p:strVal val="visible"/>
+                                      </p:to>
+                                    </p:set>
+                                  </p:childTnLst>
+                                </p:cTn>
+                              </p:par>
+                            </p:childTnLst>
+                          </p:cTn>
+                        </p:par>
+                      </p:childTnLst>
+                    </p:cTn>
+                  </p:par>
+                  <p:par>
+                    <p:cTn id="9" fill="hold">
+                      <p:stCondLst>
+                        <p:cond delay="indefinite"/>
+                      </p:stCondLst>
+                      <p:childTnLst>
+                        <p:par>
+                          <p:cTn id="10" fill="hold">
+                            <p:stCondLst>
+                              <p:cond delay="0"/>
+                            </p:stCondLst>
+                            <p:childTnLst>
+                              <p:par>
+                                <p:cTn id="11" presetID="1" presetClass="entr" presetSubtype="0" fill="hold" grpId="0" nodeType="clickEffect">
+                                  <p:stCondLst>
+                                    <p:cond delay="0"/>
+                                  </p:stCondLst>
+                                  <p:childTnLst>
+                                    <p:set>
+                                      <p:cBhvr>
+                                        <p:cTn id="12" dur="1" fill="hold">
+                                          <p:stCondLst>
+                                            <p:cond delay="0"/>
+                                          </p:stCondLst>
+                                        </p:cTn>
+                                        <p:tgtEl>
+                                          <p:spTgt spid="3">
+                                            <p:txEl>
+                                              <p:pRg st="2" end="2"/>
+                                            </p:txEl>
+                                          </p:spTgt>
+                                        </p:tgtEl>
+                                        <p:attrNameLst>
+                                          <p:attrName>style.visibility</p:attrName>
+                                        </p:attrNameLst>
+                                      </p:cBhvr>
+                                      <p:to>
+                                        <p:strVal val="visible"/>
+                                      </p:to>
+                                    </p:set>
+                                  </p:childTnLst>
+                                </p:cTn>
+                              </p:par>
+                              <p:par>
+                                <p:cTn id="13" presetID="1" presetClass="entr" presetSubtype="0" fill="hold" grpId="0" nodeType="withEffect">
+                                  <p:stCondLst>
+                                    <p:cond delay="0"/>
+                                  </p:stCondLst>
+                                  <p:childTnLst>
+                                    <p:set>
+                                      <p:cBhvr>
+                                        <p:cTn id="14" dur="1" fill="hold">
+                                          <p:stCondLst>
+                                            <p:cond delay="0"/>
+                                          </p:stCondLst>
+                                        </p:cTn>
+                                        <p:tgtEl>
+                                          <p:spTgt spid="3">
+                                            <p:txEl>
+                                              <p:pRg st="3" end="3"/>
+                                            </p:txEl>
+                                          </p:spTgt>
+                                        </p:tgtEl>
+                                        <p:attrNameLst>
+                                          <p:attrName>style.visibility</p:attrName>
+                                        </p:attrNameLst>
+                                      </p:cBhvr>
+                                      <p:to>
+                                        <p:strVal val="visible"/>
+                                      </p:to>
+                                    </p:set>
+                                  </p:childTnLst>
+                                </p:cTn>
+                              </p:par>
+                              <p:par>
+                                <p:cTn id="15" presetID="1" presetClass="entr" presetSubtype="0" fill="hold" grpId="0" nodeType="withEffect">
+                                  <p:stCondLst>
+                                    <p:cond delay="0"/>
+                                  </p:stCondLst>
+                                  <p:childTnLst>
+                                    <p:set>
+                                      <p:cBhvr>
+                                        <p:cTn id="16" dur="1" fill="hold">
+                                          <p:stCondLst>
+                                            <p:cond delay="0"/>
+                                          </p:stCondLst>
+                                        </p:cTn>
+                                        <p:tgtEl>
+                                          <p:spTgt spid="3">
+                                            <p:txEl>
+                                              <p:pRg st="4" end="4"/>
+                                            </p:txEl>
+                                          </p:spTgt>
+                                        </p:tgtEl>
+                                        <p:attrNameLst>
+                                          <p:attrName>style.visibility</p:attrName>
+                                        </p:attrNameLst>
+                                      </p:cBhvr>
+                                      <p:to>
+                                        <p:strVal val="visible"/>
+                                      </p:to>
+                                    </p:set>
+                                  </p:childTnLst>
+                                </p:cTn>
+                              </p:par>
+                            </p:childTnLst>
+                          </p:cTn>
+                        </p:par>
+                      </p:childTnLst>
+                    </p:cTn>
+                  </p:par>
+                  <p:par>
+                    <p:cTn id="17" fill="hold">
+                      <p:stCondLst>
+                        <p:cond delay="indefinite"/>
+                      </p:stCondLst>
+                      <p:childTnLst>
+                        <p:par>
+                          <p:cTn id="18" fill="hold">
+                            <p:stCondLst>
+                              <p:cond delay="0"/>
+                            </p:stCondLst>
+                            <p:childTnLst>
+                              <p:par>
+                                <p:cTn id="19" presetID="1" presetClass="entr" presetSubtype="0" fill="hold" grpId="0" nodeType="clickEffect">
+                                  <p:stCondLst>
+                                    <p:cond delay="0"/>
+                                  </p:stCondLst>
+                                  <p:childTnLst>
+                                    <p:set>
+                                      <p:cBhvr>
+                                        <p:cTn id="20" dur="1" fill="hold">
+                                          <p:stCondLst>
+                                            <p:cond delay="0"/>
+                                          </p:stCondLst>
+                                        </p:cTn>
+                                        <p:tgtEl>
+                                          <p:spTgt spid="3">
+                                            <p:txEl>
+                                              <p:pRg st="5" end="5"/>
+                                            </p:txEl>
+                                          </p:spTgt>
+                                        </p:tgtEl>
+                                        <p:attrNameLst>
+                                          <p:attrName>style.visibility</p:attrName>
+                                        </p:attrNameLst>
+                                      </p:cBhvr>
+                                      <p:to>
+                                        <p:strVal val="visible"/>
+                                      </p:to>
+                                    </p:set>
+                                  </p:childTnLst>
+                                </p:cTn>
+                              </p:par>
+                            </p:childTnLst>
+                          </p:cTn>
+                        </p:par>
+                      </p:childTnLst>
+                    </p:cTn>
+                  </p:par>
+                  <p:par>
+                    <p:cTn id="21" fill="hold">
+                      <p:stCondLst>
+                        <p:cond delay="indefinite"/>
+                      </p:stCondLst>
+                      <p:childTnLst>
+                        <p:par>
+                          <p:cTn id="22" fill="hold">
+                            <p:stCondLst>
+                              <p:cond delay="0"/>
+                            </p:stCondLst>
+                            <p:childTnLst>
+                              <p:par>
+                                <p:cTn id="23" presetID="1" presetClass="entr" presetSubtype="0" fill="hold" grpId="0" nodeType="clickEffect">
+                                  <p:stCondLst>
+                                    <p:cond delay="0"/>
+                                  </p:stCondLst>
+                                  <p:childTnLst>
+                                    <p:set>
+                                      <p:cBhvr>
+                                        <p:cTn id="24" dur="1" fill="hold">
+                                          <p:stCondLst>
+                                            <p:cond delay="0"/>
+                                          </p:stCondLst>
+                                        </p:cTn>
+                                        <p:tgtEl>
+                                          <p:spTgt spid="3">
+                                            <p:txEl>
+                                              <p:pRg st="6" end="6"/>
+                                            </p:txEl>
+                                          </p:spTgt>
+                                        </p:tgtEl>
+                                        <p:attrNameLst>
+                                          <p:attrName>style.visibility</p:attrName>
+                                        </p:attrNameLst>
+                                      </p:cBhvr>
+                                      <p:to>
+                                        <p:strVal val="visible"/>
+                                      </p:to>
+                                    </p:set>
+                                  </p:childTnLst>
+                                </p:cTn>
+                              </p:par>
+                              <p:par>
+                                <p:cTn id="25" presetID="1" presetClass="entr" presetSubtype="0" fill="hold" grpId="0" nodeType="withEffect">
+                                  <p:stCondLst>
+                                    <p:cond delay="0"/>
+                                  </p:stCondLst>
+                                  <p:childTnLst>
+                                    <p:set>
+                                      <p:cBhvr>
+                                        <p:cTn id="26" dur="1" fill="hold">
+                                          <p:stCondLst>
+                                            <p:cond delay="0"/>
+                                          </p:stCondLst>
+                                        </p:cTn>
+                                        <p:tgtEl>
+                                          <p:spTgt spid="3">
+                                            <p:txEl>
+                                              <p:pRg st="7" end="7"/>
+                                            </p:txEl>
+                                          </p:spTgt>
+                                        </p:tgtEl>
+                                        <p:attrNameLst>
+                                          <p:attrName>style.visibility</p:attrName>
+                                        </p:attrNameLst>
+                                      </p:cBhvr>
+                                      <p:to>
+                                        <p:strVal val="visible"/>
+                                      </p:to>
+                                    </p:set>
+                                  </p:childTnLst>
+                                </p:cTn>
+                              </p:par>
+                              <p:par>
+                                <p:cTn id="27" presetID="1" presetClass="entr" presetSubtype="0" fill="hold" grpId="0" nodeType="withEffect">
+                                  <p:stCondLst>
+                                    <p:cond delay="0"/>
+                                  </p:stCondLst>
+                                  <p:childTnLst>
+                                    <p:set>
+                                      <p:cBhvr>
+                                        <p:cTn id="28" dur="1" fill="hold">
+                                          <p:stCondLst>
+                                            <p:cond delay="0"/>
+                                          </p:stCondLst>
+                                        </p:cTn>
+                                        <p:tgtEl>
+                                          <p:spTgt spid="3">
+                                            <p:txEl>
+                                              <p:pRg st="8" end="8"/>
+                                            </p:txEl>
+                                          </p:spTgt>
+                                        </p:tgtEl>
+                                        <p:attrNameLst>
+                                          <p:attrName>style.visibility</p:attrName>
+                                        </p:attrNameLst>
+                                      </p:cBhvr>
+                                      <p:to>
+                                        <p:strVal val="visible"/>
+                                      </p:to>
+                                    </p:set>
+                                  </p:childTnLst>
+                                </p:cTn>
+                              </p:par>
+                            </p:childTnLst>
+                          </p:cTn>
+                        </p:par>
+                      </p:childTnLst>
+                    </p:cTn>
+                  </p:par>
+                </p:childTnLst>
+              </p:cTn>
+              <p:prevCondLst>
+                <p:cond evt="onPrev" delay="0">
+                  <p:tgtEl>
+                    <p:sldTgt/>
+                  </p:tgtEl>
+                </p:cond>
+              </p:prevCondLst>
+              <p:nextCondLst>
+                <p:cond evt="onNext" delay="0">
+                  <p:tgtEl>
+                    <p:sldTgt/>
+                  </p:tgtEl>
+                </p:cond>
+              </p:nextCondLst>
+            </p:seq>
+          </p:childTnLst>
+        </p:cTn>
+      </p:par>
+    </p:tnLst>
+    <p:bldLst>
+      <p:bldP spid="3" grpId="0" build="p"/>
+    </p:bldLst>
+  </p:timing>
+</p:sld>
+</file>
+
+<file path=ppt/slides/slide18.xml><?xml version="1.0" encoding="utf-8"?>
+<p:sld xmlns:a="http://schemas.openxmlformats.org/drawingml/2006/main" xmlns:r="http://schemas.openxmlformats.org/officeDocument/2006/relationships" xmlns:p="http://schemas.openxmlformats.org/presentationml/2006/main">
+  <p:cSld>
+    <p:spTree>
+      <p:nvGrpSpPr>
+        <p:cNvPr id="1" name=""/>
+        <p:cNvGrpSpPr/>
+        <p:nvPr/>
+      </p:nvGrpSpPr>
+      <p:grpSpPr>
+        <a:xfrm>
+          <a:off x="0" y="0"/>
+          <a:ext cx="0" cy="0"/>
+          <a:chOff x="0" y="0"/>
+          <a:chExt cx="0" cy="0"/>
+        </a:xfrm>
+      </p:grpSpPr>
+      <p:sp>
+        <p:nvSpPr>
+          <p:cNvPr id="2" name="Title 1">
+            <a:extLst>
+              <a:ext uri="{FF2B5EF4-FFF2-40B4-BE49-F238E27FC236}">
+                <a16:creationId xmlns:a16="http://schemas.microsoft.com/office/drawing/2014/main" id="{A54EDE97-F1CC-42F4-A89B-DB8919C8C5AB}"/>
+              </a:ext>
+            </a:extLst>
+          </p:cNvPr>
+          <p:cNvSpPr>
+            <a:spLocks noGrp="1"/>
+          </p:cNvSpPr>
+          <p:nvPr>
+            <p:ph type="title"/>
+          </p:nvPr>
+        </p:nvSpPr>
+        <p:spPr/>
+        <p:txBody>
+          <a:bodyPr/>
+          <a:lstStyle/>
+          <a:p>
+            <a:r>
+              <a:rPr lang="en-US" dirty="0"/>
+              <a:t>Redux with </a:t>
+            </a:r>
+            <a:r>
+              <a:rPr lang="en-US" dirty="0" err="1"/>
+              <a:t>ngrx</a:t>
+            </a:r>
+            <a:r>
+              <a:rPr lang="en-US" dirty="0"/>
+              <a:t> store</a:t>
+            </a:r>
+            <a:endParaRPr lang="en-SG" dirty="0"/>
+          </a:p>
+        </p:txBody>
+      </p:sp>
+      <p:sp>
+        <p:nvSpPr>
+          <p:cNvPr id="7" name="Rectangle 6">
+            <a:extLst>
+              <a:ext uri="{FF2B5EF4-FFF2-40B4-BE49-F238E27FC236}">
+                <a16:creationId xmlns:a16="http://schemas.microsoft.com/office/drawing/2014/main" id="{AD16B56C-D73C-4622-B309-052CC56F4D75}"/>
+              </a:ext>
+            </a:extLst>
+          </p:cNvPr>
+          <p:cNvSpPr/>
+          <p:nvPr/>
+        </p:nvSpPr>
+        <p:spPr>
+          <a:xfrm>
+            <a:off x="878330" y="5606364"/>
+            <a:ext cx="1694576" cy="855677"/>
+          </a:xfrm>
+          <a:prstGeom prst="rect">
+            <a:avLst/>
+          </a:prstGeom>
+        </p:spPr>
+        <p:style>
+          <a:lnRef idx="2">
+            <a:schemeClr val="accent1">
+              <a:shade val="50000"/>
+            </a:schemeClr>
+          </a:lnRef>
+          <a:fillRef idx="1">
+            <a:schemeClr val="accent1"/>
+          </a:fillRef>
+          <a:effectRef idx="0">
+            <a:schemeClr val="accent1"/>
+          </a:effectRef>
+          <a:fontRef idx="minor">
+            <a:schemeClr val="lt1"/>
+          </a:fontRef>
+        </p:style>
+        <p:txBody>
+          <a:bodyPr rtlCol="0" anchor="ctr"/>
+          <a:lstStyle/>
+          <a:p>
+            <a:pPr algn="ctr"/>
+            <a:r>
+              <a:rPr lang="en-SG" dirty="0"/>
+              <a:t>Component</a:t>
+            </a:r>
+          </a:p>
+        </p:txBody>
+      </p:sp>
+      <p:sp>
+        <p:nvSpPr>
+          <p:cNvPr id="11" name="Rectangle 10">
+            <a:extLst>
+              <a:ext uri="{FF2B5EF4-FFF2-40B4-BE49-F238E27FC236}">
+                <a16:creationId xmlns:a16="http://schemas.microsoft.com/office/drawing/2014/main" id="{34315048-B98E-4B36-9EFB-80C5D4E2136C}"/>
+              </a:ext>
+            </a:extLst>
+          </p:cNvPr>
+          <p:cNvSpPr/>
+          <p:nvPr/>
+        </p:nvSpPr>
+        <p:spPr>
+          <a:xfrm>
+            <a:off x="2913319" y="5629012"/>
+            <a:ext cx="1694576" cy="855677"/>
+          </a:xfrm>
+          <a:prstGeom prst="rect">
+            <a:avLst/>
+          </a:prstGeom>
+        </p:spPr>
+        <p:style>
+          <a:lnRef idx="2">
+            <a:schemeClr val="accent1">
+              <a:shade val="50000"/>
+            </a:schemeClr>
+          </a:lnRef>
+          <a:fillRef idx="1">
+            <a:schemeClr val="accent1"/>
+          </a:fillRef>
+          <a:effectRef idx="0">
+            <a:schemeClr val="accent1"/>
+          </a:effectRef>
+          <a:fontRef idx="minor">
+            <a:schemeClr val="lt1"/>
+          </a:fontRef>
+        </p:style>
+        <p:txBody>
+          <a:bodyPr rtlCol="0" anchor="ctr"/>
+          <a:lstStyle/>
+          <a:p>
+            <a:pPr algn="ctr"/>
+            <a:r>
+              <a:rPr lang="en-SG" dirty="0"/>
+              <a:t>Component</a:t>
+            </a:r>
+          </a:p>
+        </p:txBody>
+      </p:sp>
+      <p:cxnSp>
+        <p:nvCxnSpPr>
+          <p:cNvPr id="13" name="Straight Arrow Connector 12">
+            <a:extLst>
+              <a:ext uri="{FF2B5EF4-FFF2-40B4-BE49-F238E27FC236}">
+                <a16:creationId xmlns:a16="http://schemas.microsoft.com/office/drawing/2014/main" id="{C932641E-CFE0-42DA-8237-0D255451AE1C}"/>
+              </a:ext>
+            </a:extLst>
+          </p:cNvPr>
+          <p:cNvCxnSpPr>
+            <a:cxnSpLocks/>
+          </p:cNvCxnSpPr>
+          <p:nvPr/>
+        </p:nvCxnSpPr>
+        <p:spPr>
+          <a:xfrm flipH="1">
+            <a:off x="4001723" y="3022078"/>
+            <a:ext cx="1007694" cy="2413988"/>
+          </a:xfrm>
+          <a:prstGeom prst="straightConnector1">
+            <a:avLst/>
+          </a:prstGeom>
+          <a:ln>
+            <a:tailEnd type="triangle"/>
+          </a:ln>
+        </p:spPr>
+        <p:style>
+          <a:lnRef idx="1">
+            <a:schemeClr val="accent1"/>
+          </a:lnRef>
+          <a:fillRef idx="0">
+            <a:schemeClr val="accent1"/>
+          </a:fillRef>
+          <a:effectRef idx="0">
+            <a:schemeClr val="accent1"/>
+          </a:effectRef>
+          <a:fontRef idx="minor">
+            <a:schemeClr val="tx1"/>
+          </a:fontRef>
+        </p:style>
+      </p:cxnSp>
+      <p:cxnSp>
+        <p:nvCxnSpPr>
+          <p:cNvPr id="15" name="Straight Arrow Connector 14">
+            <a:extLst>
+              <a:ext uri="{FF2B5EF4-FFF2-40B4-BE49-F238E27FC236}">
+                <a16:creationId xmlns:a16="http://schemas.microsoft.com/office/drawing/2014/main" id="{0E3C3D48-5BC2-4E04-A469-B474BD3E8B18}"/>
+              </a:ext>
+            </a:extLst>
+          </p:cNvPr>
+          <p:cNvCxnSpPr>
+            <a:cxnSpLocks/>
+          </p:cNvCxnSpPr>
+          <p:nvPr/>
+        </p:nvCxnSpPr>
+        <p:spPr>
+          <a:xfrm flipH="1">
+            <a:off x="1921079" y="2774811"/>
+            <a:ext cx="2709188" cy="2661255"/>
+          </a:xfrm>
+          <a:prstGeom prst="straightConnector1">
+            <a:avLst/>
+          </a:prstGeom>
+          <a:ln>
+            <a:tailEnd type="triangle"/>
+          </a:ln>
+        </p:spPr>
+        <p:style>
+          <a:lnRef idx="1">
+            <a:schemeClr val="accent1"/>
+          </a:lnRef>
+          <a:fillRef idx="0">
+            <a:schemeClr val="accent1"/>
+          </a:fillRef>
+          <a:effectRef idx="0">
+            <a:schemeClr val="accent1"/>
+          </a:effectRef>
+          <a:fontRef idx="minor">
+            <a:schemeClr val="tx1"/>
+          </a:fontRef>
+        </p:style>
+      </p:cxnSp>
+      <p:sp>
+        <p:nvSpPr>
+          <p:cNvPr id="16" name="TextBox 15">
+            <a:extLst>
+              <a:ext uri="{FF2B5EF4-FFF2-40B4-BE49-F238E27FC236}">
+                <a16:creationId xmlns:a16="http://schemas.microsoft.com/office/drawing/2014/main" id="{10BF77A2-09AB-4273-B901-B470BC2095A5}"/>
+              </a:ext>
+            </a:extLst>
+          </p:cNvPr>
+          <p:cNvSpPr txBox="1"/>
+          <p:nvPr/>
+        </p:nvSpPr>
+        <p:spPr>
+          <a:xfrm>
+            <a:off x="1541929" y="3385694"/>
+            <a:ext cx="2157450" cy="369332"/>
+          </a:xfrm>
+          <a:prstGeom prst="rect">
+            <a:avLst/>
+          </a:prstGeom>
+          <a:noFill/>
+        </p:spPr>
+        <p:txBody>
+          <a:bodyPr wrap="none" rtlCol="0">
+            <a:spAutoFit/>
+          </a:bodyPr>
+          <a:lstStyle/>
+          <a:p>
+            <a:r>
+              <a:rPr lang="en-SG" dirty="0"/>
+              <a:t>Subscribe to changes</a:t>
+            </a:r>
+          </a:p>
+        </p:txBody>
+      </p:sp>
+      <p:sp>
+        <p:nvSpPr>
+          <p:cNvPr id="18" name="Rectangle 17">
+            <a:extLst>
+              <a:ext uri="{FF2B5EF4-FFF2-40B4-BE49-F238E27FC236}">
+                <a16:creationId xmlns:a16="http://schemas.microsoft.com/office/drawing/2014/main" id="{00E96D8F-F836-4232-A3C2-5D63A5AAE434}"/>
+              </a:ext>
+            </a:extLst>
+          </p:cNvPr>
+          <p:cNvSpPr/>
+          <p:nvPr/>
+        </p:nvSpPr>
+        <p:spPr>
+          <a:xfrm>
+            <a:off x="7714794" y="5575165"/>
+            <a:ext cx="1940653" cy="963369"/>
+          </a:xfrm>
+          <a:prstGeom prst="rect">
+            <a:avLst/>
+          </a:prstGeom>
+        </p:spPr>
+        <p:style>
+          <a:lnRef idx="2">
+            <a:schemeClr val="accent2">
+              <a:shade val="50000"/>
+            </a:schemeClr>
+          </a:lnRef>
+          <a:fillRef idx="1">
+            <a:schemeClr val="accent2"/>
+          </a:fillRef>
+          <a:effectRef idx="0">
+            <a:schemeClr val="accent2"/>
+          </a:effectRef>
+          <a:fontRef idx="minor">
+            <a:schemeClr val="lt1"/>
+          </a:fontRef>
+        </p:style>
+        <p:txBody>
+          <a:bodyPr rtlCol="0" anchor="ctr"/>
+          <a:lstStyle/>
+          <a:p>
+            <a:pPr algn="ctr"/>
+            <a:r>
+              <a:rPr lang="en-SG" dirty="0"/>
+              <a:t>Container</a:t>
+            </a:r>
+          </a:p>
+        </p:txBody>
+      </p:sp>
+      <p:sp>
+        <p:nvSpPr>
+          <p:cNvPr id="19" name="Rectangle 18">
+            <a:extLst>
+              <a:ext uri="{FF2B5EF4-FFF2-40B4-BE49-F238E27FC236}">
+                <a16:creationId xmlns:a16="http://schemas.microsoft.com/office/drawing/2014/main" id="{A4C2D97A-84B0-4F23-B238-1E190189CA2C}"/>
+              </a:ext>
+            </a:extLst>
+          </p:cNvPr>
+          <p:cNvSpPr/>
+          <p:nvPr/>
+        </p:nvSpPr>
+        <p:spPr>
+          <a:xfrm>
+            <a:off x="9055417" y="1570884"/>
+            <a:ext cx="1990047" cy="1075264"/>
+          </a:xfrm>
+          <a:prstGeom prst="rect">
+            <a:avLst/>
+          </a:prstGeom>
+        </p:spPr>
+        <p:style>
+          <a:lnRef idx="2">
+            <a:schemeClr val="accent2">
+              <a:shade val="50000"/>
+            </a:schemeClr>
+          </a:lnRef>
+          <a:fillRef idx="1">
+            <a:schemeClr val="accent2"/>
+          </a:fillRef>
+          <a:effectRef idx="0">
+            <a:schemeClr val="accent2"/>
+          </a:effectRef>
+          <a:fontRef idx="minor">
+            <a:schemeClr val="lt1"/>
+          </a:fontRef>
+        </p:style>
+        <p:txBody>
+          <a:bodyPr rtlCol="0" anchor="ctr"/>
+          <a:lstStyle/>
+          <a:p>
+            <a:pPr algn="ctr"/>
+            <a:r>
+              <a:rPr lang="en-SG" dirty="0"/>
+              <a:t>Effects</a:t>
+            </a:r>
+          </a:p>
+        </p:txBody>
+      </p:sp>
+      <p:sp>
+        <p:nvSpPr>
+          <p:cNvPr id="20" name="Flowchart: Magnetic Disk 19">
+            <a:extLst>
+              <a:ext uri="{FF2B5EF4-FFF2-40B4-BE49-F238E27FC236}">
+                <a16:creationId xmlns:a16="http://schemas.microsoft.com/office/drawing/2014/main" id="{B3F7B1DE-F898-4E36-AA75-1ADCD1616055}"/>
+              </a:ext>
+            </a:extLst>
+          </p:cNvPr>
+          <p:cNvSpPr/>
+          <p:nvPr/>
+        </p:nvSpPr>
+        <p:spPr>
+          <a:xfrm>
+            <a:off x="7246443" y="3549617"/>
+            <a:ext cx="534664" cy="855677"/>
+          </a:xfrm>
+          <a:prstGeom prst="flowChartMagneticDisk">
+            <a:avLst/>
+          </a:prstGeom>
+        </p:spPr>
+        <p:style>
+          <a:lnRef idx="2">
+            <a:schemeClr val="accent1">
+              <a:shade val="50000"/>
+            </a:schemeClr>
+          </a:lnRef>
+          <a:fillRef idx="1">
+            <a:schemeClr val="accent1"/>
+          </a:fillRef>
+          <a:effectRef idx="0">
+            <a:schemeClr val="accent1"/>
+          </a:effectRef>
+          <a:fontRef idx="minor">
+            <a:schemeClr val="lt1"/>
+          </a:fontRef>
+        </p:style>
+        <p:txBody>
+          <a:bodyPr rtlCol="0" anchor="ctr"/>
+          <a:lstStyle/>
+          <a:p>
+            <a:pPr algn="ctr"/>
+            <a:endParaRPr lang="en-SG" dirty="0"/>
+          </a:p>
+        </p:txBody>
+      </p:sp>
+      <p:sp>
+        <p:nvSpPr>
+          <p:cNvPr id="21" name="TextBox 20">
+            <a:extLst>
+              <a:ext uri="{FF2B5EF4-FFF2-40B4-BE49-F238E27FC236}">
+                <a16:creationId xmlns:a16="http://schemas.microsoft.com/office/drawing/2014/main" id="{F1043EBE-FD28-4A12-8468-50F4DF72DBC1}"/>
+              </a:ext>
+            </a:extLst>
+          </p:cNvPr>
+          <p:cNvSpPr txBox="1"/>
+          <p:nvPr/>
+        </p:nvSpPr>
+        <p:spPr>
+          <a:xfrm>
+            <a:off x="7910818" y="3736106"/>
+            <a:ext cx="878767" cy="369332"/>
+          </a:xfrm>
+          <a:prstGeom prst="rect">
+            <a:avLst/>
+          </a:prstGeom>
+          <a:noFill/>
+        </p:spPr>
+        <p:txBody>
+          <a:bodyPr wrap="none" rtlCol="0">
+            <a:spAutoFit/>
+          </a:bodyPr>
+          <a:lstStyle/>
+          <a:p>
+            <a:r>
+              <a:rPr lang="en-SG" dirty="0"/>
+              <a:t>Actions</a:t>
+            </a:r>
+          </a:p>
+        </p:txBody>
+      </p:sp>
+      <p:cxnSp>
+        <p:nvCxnSpPr>
+          <p:cNvPr id="23" name="Straight Arrow Connector 22">
+            <a:extLst>
+              <a:ext uri="{FF2B5EF4-FFF2-40B4-BE49-F238E27FC236}">
+                <a16:creationId xmlns:a16="http://schemas.microsoft.com/office/drawing/2014/main" id="{A4D47A94-F210-45D3-BA7F-5EC56A94F360}"/>
+              </a:ext>
+            </a:extLst>
+          </p:cNvPr>
+          <p:cNvCxnSpPr>
+            <a:cxnSpLocks/>
+          </p:cNvCxnSpPr>
+          <p:nvPr/>
+        </p:nvCxnSpPr>
+        <p:spPr>
+          <a:xfrm flipH="1" flipV="1">
+            <a:off x="7513775" y="4521412"/>
+            <a:ext cx="397043" cy="753897"/>
+          </a:xfrm>
+          <a:prstGeom prst="straightConnector1">
+            <a:avLst/>
+          </a:prstGeom>
+          <a:ln>
+            <a:tailEnd type="triangle"/>
+          </a:ln>
+        </p:spPr>
+        <p:style>
+          <a:lnRef idx="1">
+            <a:schemeClr val="accent1"/>
+          </a:lnRef>
+          <a:fillRef idx="0">
+            <a:schemeClr val="accent1"/>
+          </a:fillRef>
+          <a:effectRef idx="0">
+            <a:schemeClr val="accent1"/>
+          </a:effectRef>
+          <a:fontRef idx="minor">
+            <a:schemeClr val="tx1"/>
+          </a:fontRef>
+        </p:style>
+      </p:cxnSp>
+      <p:cxnSp>
+        <p:nvCxnSpPr>
+          <p:cNvPr id="25" name="Straight Arrow Connector 24">
+            <a:extLst>
+              <a:ext uri="{FF2B5EF4-FFF2-40B4-BE49-F238E27FC236}">
+                <a16:creationId xmlns:a16="http://schemas.microsoft.com/office/drawing/2014/main" id="{7F96647E-2757-4E0A-9C69-E12F5E4282B9}"/>
+              </a:ext>
+            </a:extLst>
+          </p:cNvPr>
+          <p:cNvCxnSpPr>
+            <a:cxnSpLocks/>
+          </p:cNvCxnSpPr>
+          <p:nvPr/>
+        </p:nvCxnSpPr>
+        <p:spPr>
+          <a:xfrm flipH="1" flipV="1">
+            <a:off x="6518247" y="2801924"/>
+            <a:ext cx="728196" cy="747693"/>
+          </a:xfrm>
+          <a:prstGeom prst="straightConnector1">
+            <a:avLst/>
+          </a:prstGeom>
+          <a:ln>
+            <a:tailEnd type="triangle"/>
+          </a:ln>
+        </p:spPr>
+        <p:style>
+          <a:lnRef idx="1">
+            <a:schemeClr val="accent1"/>
+          </a:lnRef>
+          <a:fillRef idx="0">
+            <a:schemeClr val="accent1"/>
+          </a:fillRef>
+          <a:effectRef idx="0">
+            <a:schemeClr val="accent1"/>
+          </a:effectRef>
+          <a:fontRef idx="minor">
+            <a:schemeClr val="tx1"/>
+          </a:fontRef>
+        </p:style>
+      </p:cxnSp>
+      <p:cxnSp>
+        <p:nvCxnSpPr>
+          <p:cNvPr id="27" name="Straight Arrow Connector 26">
+            <a:extLst>
+              <a:ext uri="{FF2B5EF4-FFF2-40B4-BE49-F238E27FC236}">
+                <a16:creationId xmlns:a16="http://schemas.microsoft.com/office/drawing/2014/main" id="{4FB83757-4E00-4B7C-92BB-BD2498F6EC5C}"/>
+              </a:ext>
+            </a:extLst>
+          </p:cNvPr>
+          <p:cNvCxnSpPr>
+            <a:cxnSpLocks/>
+          </p:cNvCxnSpPr>
+          <p:nvPr/>
+        </p:nvCxnSpPr>
+        <p:spPr>
+          <a:xfrm flipV="1">
+            <a:off x="7910818" y="2801924"/>
+            <a:ext cx="878767" cy="810074"/>
+          </a:xfrm>
+          <a:prstGeom prst="straightConnector1">
+            <a:avLst/>
+          </a:prstGeom>
+          <a:ln>
+            <a:headEnd type="arrow" w="med" len="med"/>
+            <a:tailEnd type="arrow" w="med" len="med"/>
+          </a:ln>
+        </p:spPr>
+        <p:style>
+          <a:lnRef idx="3">
+            <a:schemeClr val="accent5"/>
+          </a:lnRef>
+          <a:fillRef idx="0">
+            <a:schemeClr val="accent5"/>
+          </a:fillRef>
+          <a:effectRef idx="2">
+            <a:schemeClr val="accent5"/>
+          </a:effectRef>
+          <a:fontRef idx="minor">
+            <a:schemeClr val="tx1"/>
+          </a:fontRef>
+        </p:style>
+      </p:cxnSp>
+      <p:cxnSp>
+        <p:nvCxnSpPr>
+          <p:cNvPr id="22" name="Straight Connector 21">
+            <a:extLst>
+              <a:ext uri="{FF2B5EF4-FFF2-40B4-BE49-F238E27FC236}">
+                <a16:creationId xmlns:a16="http://schemas.microsoft.com/office/drawing/2014/main" id="{492D3A4D-CA79-447B-97CC-8CC5946D6EE6}"/>
+              </a:ext>
+            </a:extLst>
+          </p:cNvPr>
+          <p:cNvCxnSpPr/>
+          <p:nvPr/>
+        </p:nvCxnSpPr>
+        <p:spPr>
+          <a:xfrm>
+            <a:off x="5656106" y="1300294"/>
+            <a:ext cx="0" cy="5327009"/>
+          </a:xfrm>
+          <a:prstGeom prst="line">
+            <a:avLst/>
+          </a:prstGeom>
+          <a:ln w="9525" cap="flat" cmpd="sng" algn="ctr">
+            <a:solidFill>
+              <a:schemeClr val="dk1"/>
+            </a:solidFill>
+            <a:prstDash val="dash"/>
+            <a:round/>
+            <a:headEnd type="none" w="med" len="med"/>
+            <a:tailEnd type="none" w="med" len="med"/>
+          </a:ln>
+        </p:spPr>
+        <p:style>
+          <a:lnRef idx="0">
+            <a:scrgbClr r="0" g="0" b="0"/>
+          </a:lnRef>
+          <a:fillRef idx="0">
+            <a:scrgbClr r="0" g="0" b="0"/>
+          </a:fillRef>
+          <a:effectRef idx="0">
+            <a:scrgbClr r="0" g="0" b="0"/>
+          </a:effectRef>
+          <a:fontRef idx="minor">
+            <a:schemeClr val="tx1"/>
+          </a:fontRef>
+        </p:style>
+      </p:cxnSp>
+      <p:sp>
+        <p:nvSpPr>
+          <p:cNvPr id="26" name="Oval 25">
+            <a:extLst>
+              <a:ext uri="{FF2B5EF4-FFF2-40B4-BE49-F238E27FC236}">
+                <a16:creationId xmlns:a16="http://schemas.microsoft.com/office/drawing/2014/main" id="{F647ECC8-9DA6-473E-8444-05DEA496FC25}"/>
+              </a:ext>
+            </a:extLst>
+          </p:cNvPr>
+          <p:cNvSpPr/>
+          <p:nvPr/>
+        </p:nvSpPr>
+        <p:spPr>
+          <a:xfrm>
+            <a:off x="4671726" y="1416541"/>
+            <a:ext cx="1968760" cy="1632857"/>
+          </a:xfrm>
+          <a:prstGeom prst="ellipse">
+            <a:avLst/>
+          </a:prstGeom>
+        </p:spPr>
+        <p:style>
+          <a:lnRef idx="2">
+            <a:schemeClr val="accent1">
+              <a:shade val="50000"/>
+            </a:schemeClr>
+          </a:lnRef>
+          <a:fillRef idx="1">
+            <a:schemeClr val="accent1"/>
+          </a:fillRef>
+          <a:effectRef idx="0">
+            <a:schemeClr val="accent1"/>
+          </a:effectRef>
+          <a:fontRef idx="minor">
+            <a:schemeClr val="lt1"/>
+          </a:fontRef>
+        </p:style>
+        <p:txBody>
+          <a:bodyPr rtlCol="0" anchor="ctr"/>
+          <a:lstStyle/>
+          <a:p>
+            <a:pPr algn="ctr"/>
+            <a:r>
+              <a:rPr lang="en-SG" dirty="0"/>
+              <a:t>Global State</a:t>
+            </a:r>
+          </a:p>
+        </p:txBody>
+      </p:sp>
+      <p:sp>
+        <p:nvSpPr>
+          <p:cNvPr id="24" name="TextBox 23">
+            <a:extLst>
+              <a:ext uri="{FF2B5EF4-FFF2-40B4-BE49-F238E27FC236}">
+                <a16:creationId xmlns:a16="http://schemas.microsoft.com/office/drawing/2014/main" id="{98A77D8A-06EF-4A6E-B314-53AE979795E8}"/>
+              </a:ext>
+            </a:extLst>
+          </p:cNvPr>
+          <p:cNvSpPr txBox="1"/>
+          <p:nvPr/>
+        </p:nvSpPr>
+        <p:spPr>
+          <a:xfrm>
+            <a:off x="4745468" y="6398124"/>
+            <a:ext cx="709233" cy="369332"/>
+          </a:xfrm>
+          <a:prstGeom prst="rect">
+            <a:avLst/>
+          </a:prstGeom>
+          <a:noFill/>
+        </p:spPr>
+        <p:txBody>
+          <a:bodyPr wrap="none" rtlCol="0">
+            <a:spAutoFit/>
+          </a:bodyPr>
+          <a:lstStyle/>
+          <a:p>
+            <a:r>
+              <a:rPr lang="en-SG" b="1" dirty="0"/>
+              <a:t>READ</a:t>
+            </a:r>
+          </a:p>
+        </p:txBody>
+      </p:sp>
+      <p:sp>
+        <p:nvSpPr>
+          <p:cNvPr id="28" name="TextBox 27">
+            <a:extLst>
+              <a:ext uri="{FF2B5EF4-FFF2-40B4-BE49-F238E27FC236}">
+                <a16:creationId xmlns:a16="http://schemas.microsoft.com/office/drawing/2014/main" id="{085AE2AF-4257-4498-A6BB-C512E69A8CA3}"/>
+              </a:ext>
+            </a:extLst>
+          </p:cNvPr>
+          <p:cNvSpPr txBox="1"/>
+          <p:nvPr/>
+        </p:nvSpPr>
+        <p:spPr>
+          <a:xfrm>
+            <a:off x="5874009" y="6398124"/>
+            <a:ext cx="811441" cy="369332"/>
+          </a:xfrm>
+          <a:prstGeom prst="rect">
+            <a:avLst/>
+          </a:prstGeom>
+          <a:noFill/>
+        </p:spPr>
+        <p:txBody>
+          <a:bodyPr wrap="none" rtlCol="0">
+            <a:spAutoFit/>
+          </a:bodyPr>
+          <a:lstStyle/>
+          <a:p>
+            <a:r>
+              <a:rPr lang="en-SG" b="1" dirty="0"/>
+              <a:t>WRITE</a:t>
+            </a:r>
+          </a:p>
+        </p:txBody>
+      </p:sp>
+    </p:spTree>
+    <p:extLst>
+      <p:ext uri="{BB962C8B-B14F-4D97-AF65-F5344CB8AC3E}">
+        <p14:creationId xmlns:p14="http://schemas.microsoft.com/office/powerpoint/2010/main" val="3990099070"/>
+      </p:ext>
+    </p:extLst>
+  </p:cSld>
+  <p:clrMapOvr>
+    <a:masterClrMapping/>
+  </p:clrMapOvr>
+  <p:timing>
+    <p:tnLst>
+      <p:par>
+        <p:cTn id="1" dur="indefinite" restart="never" nodeType="tmRoot">
+          <p:childTnLst>
+            <p:seq concurrent="1" nextAc="seek">
+              <p:cTn id="2" dur="indefinite" nodeType="mainSeq">
+                <p:childTnLst>
+                  <p:par>
+                    <p:cTn id="3" fill="hold">
+                      <p:stCondLst>
+                        <p:cond delay="indefinite"/>
+                      </p:stCondLst>
+                      <p:childTnLst>
+                        <p:par>
+                          <p:cTn id="4" fill="hold">
+                            <p:stCondLst>
+                              <p:cond delay="0"/>
+                            </p:stCondLst>
+                            <p:childTnLst>
+                              <p:par>
+                                <p:cTn id="5" presetID="1" presetClass="entr" presetSubtype="0" fill="hold" grpId="0" nodeType="clickEffect">
+                                  <p:stCondLst>
+                                    <p:cond delay="0"/>
+                                  </p:stCondLst>
+                                  <p:childTnLst>
+                                    <p:set>
+                                      <p:cBhvr>
+                                        <p:cTn id="6" dur="1" fill="hold">
+                                          <p:stCondLst>
+                                            <p:cond delay="0"/>
+                                          </p:stCondLst>
+                                        </p:cTn>
+                                        <p:tgtEl>
+                                          <p:spTgt spid="26"/>
+                                        </p:tgtEl>
+                                        <p:attrNameLst>
+                                          <p:attrName>style.visibility</p:attrName>
+                                        </p:attrNameLst>
+                                      </p:cBhvr>
+                                      <p:to>
+                                        <p:strVal val="visible"/>
+                                      </p:to>
+                                    </p:set>
+                                  </p:childTnLst>
+                                </p:cTn>
+                              </p:par>
+                            </p:childTnLst>
+                          </p:cTn>
+                        </p:par>
+                      </p:childTnLst>
+                    </p:cTn>
+                  </p:par>
+                  <p:par>
+                    <p:cTn id="7" fill="hold">
+                      <p:stCondLst>
+                        <p:cond delay="indefinite"/>
+                      </p:stCondLst>
+                      <p:childTnLst>
+                        <p:par>
+                          <p:cTn id="8" fill="hold">
+                            <p:stCondLst>
+                              <p:cond delay="0"/>
+                            </p:stCondLst>
+                            <p:childTnLst>
+                              <p:par>
+                                <p:cTn id="9" presetID="1" presetClass="entr" presetSubtype="0" fill="hold" grpId="0" nodeType="clickEffect">
+                                  <p:stCondLst>
+                                    <p:cond delay="0"/>
+                                  </p:stCondLst>
+                                  <p:childTnLst>
+                                    <p:set>
+                                      <p:cBhvr>
+                                        <p:cTn id="10" dur="1" fill="hold">
+                                          <p:stCondLst>
+                                            <p:cond delay="0"/>
+                                          </p:stCondLst>
+                                        </p:cTn>
+                                        <p:tgtEl>
+                                          <p:spTgt spid="7"/>
+                                        </p:tgtEl>
+                                        <p:attrNameLst>
+                                          <p:attrName>style.visibility</p:attrName>
+                                        </p:attrNameLst>
+                                      </p:cBhvr>
+                                      <p:to>
+                                        <p:strVal val="visible"/>
+                                      </p:to>
+                                    </p:set>
+                                  </p:childTnLst>
+                                </p:cTn>
+                              </p:par>
+                              <p:par>
+                                <p:cTn id="11" presetID="1" presetClass="entr" presetSubtype="0" fill="hold" grpId="0" nodeType="withEffect">
+                                  <p:stCondLst>
+                                    <p:cond delay="0"/>
+                                  </p:stCondLst>
+                                  <p:childTnLst>
+                                    <p:set>
+                                      <p:cBhvr>
+                                        <p:cTn id="12" dur="1" fill="hold">
+                                          <p:stCondLst>
+                                            <p:cond delay="0"/>
+                                          </p:stCondLst>
+                                        </p:cTn>
+                                        <p:tgtEl>
+                                          <p:spTgt spid="11"/>
+                                        </p:tgtEl>
+                                        <p:attrNameLst>
+                                          <p:attrName>style.visibility</p:attrName>
+                                        </p:attrNameLst>
+                                      </p:cBhvr>
+                                      <p:to>
+                                        <p:strVal val="visible"/>
+                                      </p:to>
+                                    </p:set>
+                                  </p:childTnLst>
+                                </p:cTn>
+                              </p:par>
+                              <p:par>
+                                <p:cTn id="13" presetID="1" presetClass="entr" presetSubtype="0" fill="hold" nodeType="withEffect">
+                                  <p:stCondLst>
+                                    <p:cond delay="0"/>
+                                  </p:stCondLst>
+                                  <p:childTnLst>
+                                    <p:set>
+                                      <p:cBhvr>
+                                        <p:cTn id="14" dur="1" fill="hold">
+                                          <p:stCondLst>
+                                            <p:cond delay="0"/>
+                                          </p:stCondLst>
+                                        </p:cTn>
+                                        <p:tgtEl>
+                                          <p:spTgt spid="15"/>
+                                        </p:tgtEl>
+                                        <p:attrNameLst>
+                                          <p:attrName>style.visibility</p:attrName>
+                                        </p:attrNameLst>
+                                      </p:cBhvr>
+                                      <p:to>
+                                        <p:strVal val="visible"/>
+                                      </p:to>
+                                    </p:set>
+                                  </p:childTnLst>
+                                </p:cTn>
+                              </p:par>
+                              <p:par>
+                                <p:cTn id="15" presetID="1" presetClass="entr" presetSubtype="0" fill="hold" grpId="0" nodeType="withEffect">
+                                  <p:stCondLst>
+                                    <p:cond delay="0"/>
+                                  </p:stCondLst>
+                                  <p:childTnLst>
+                                    <p:set>
+                                      <p:cBhvr>
+                                        <p:cTn id="16" dur="1" fill="hold">
+                                          <p:stCondLst>
+                                            <p:cond delay="0"/>
+                                          </p:stCondLst>
+                                        </p:cTn>
+                                        <p:tgtEl>
+                                          <p:spTgt spid="16"/>
+                                        </p:tgtEl>
+                                        <p:attrNameLst>
+                                          <p:attrName>style.visibility</p:attrName>
+                                        </p:attrNameLst>
+                                      </p:cBhvr>
+                                      <p:to>
+                                        <p:strVal val="visible"/>
+                                      </p:to>
+                                    </p:set>
+                                  </p:childTnLst>
+                                </p:cTn>
+                              </p:par>
+                              <p:par>
+                                <p:cTn id="17" presetID="1" presetClass="entr" presetSubtype="0" fill="hold" nodeType="withEffect">
+                                  <p:stCondLst>
+                                    <p:cond delay="0"/>
+                                  </p:stCondLst>
+                                  <p:childTnLst>
+                                    <p:set>
+                                      <p:cBhvr>
+                                        <p:cTn id="18" dur="1" fill="hold">
+                                          <p:stCondLst>
+                                            <p:cond delay="0"/>
+                                          </p:stCondLst>
+                                        </p:cTn>
+                                        <p:tgtEl>
+                                          <p:spTgt spid="13"/>
+                                        </p:tgtEl>
+                                        <p:attrNameLst>
+                                          <p:attrName>style.visibility</p:attrName>
+                                        </p:attrNameLst>
+                                      </p:cBhvr>
+                                      <p:to>
+                                        <p:strVal val="visible"/>
+                                      </p:to>
+                                    </p:set>
+                                  </p:childTnLst>
+                                </p:cTn>
+                              </p:par>
+                            </p:childTnLst>
+                          </p:cTn>
+                        </p:par>
+                      </p:childTnLst>
+                    </p:cTn>
+                  </p:par>
+                  <p:par>
+                    <p:cTn id="19" fill="hold">
+                      <p:stCondLst>
+                        <p:cond delay="indefinite"/>
+                      </p:stCondLst>
+                      <p:childTnLst>
+                        <p:par>
+                          <p:cTn id="20" fill="hold">
+                            <p:stCondLst>
+                              <p:cond delay="0"/>
+                            </p:stCondLst>
+                            <p:childTnLst>
+                              <p:par>
+                                <p:cTn id="21" presetID="1" presetClass="entr" presetSubtype="0" fill="hold" grpId="0" nodeType="clickEffect">
+                                  <p:stCondLst>
+                                    <p:cond delay="0"/>
+                                  </p:stCondLst>
+                                  <p:childTnLst>
+                                    <p:set>
+                                      <p:cBhvr>
+                                        <p:cTn id="22" dur="1" fill="hold">
+                                          <p:stCondLst>
+                                            <p:cond delay="0"/>
+                                          </p:stCondLst>
+                                        </p:cTn>
+                                        <p:tgtEl>
+                                          <p:spTgt spid="18"/>
+                                        </p:tgtEl>
+                                        <p:attrNameLst>
+                                          <p:attrName>style.visibility</p:attrName>
+                                        </p:attrNameLst>
+                                      </p:cBhvr>
+                                      <p:to>
+                                        <p:strVal val="visible"/>
+                                      </p:to>
+                                    </p:set>
+                                  </p:childTnLst>
+                                </p:cTn>
+                              </p:par>
+                            </p:childTnLst>
+                          </p:cTn>
+                        </p:par>
+                      </p:childTnLst>
+                    </p:cTn>
+                  </p:par>
+                  <p:par>
+                    <p:cTn id="23" fill="hold">
+                      <p:stCondLst>
+                        <p:cond delay="indefinite"/>
+                      </p:stCondLst>
+                      <p:childTnLst>
+                        <p:par>
+                          <p:cTn id="24" fill="hold">
+                            <p:stCondLst>
+                              <p:cond delay="0"/>
+                            </p:stCondLst>
+                            <p:childTnLst>
+                              <p:par>
+                                <p:cTn id="25" presetID="1" presetClass="entr" presetSubtype="0" fill="hold" nodeType="clickEffect">
+                                  <p:stCondLst>
+                                    <p:cond delay="0"/>
+                                  </p:stCondLst>
+                                  <p:childTnLst>
+                                    <p:set>
+                                      <p:cBhvr>
+                                        <p:cTn id="26" dur="1" fill="hold">
+                                          <p:stCondLst>
+                                            <p:cond delay="0"/>
+                                          </p:stCondLst>
+                                        </p:cTn>
+                                        <p:tgtEl>
+                                          <p:spTgt spid="23"/>
+                                        </p:tgtEl>
+                                        <p:attrNameLst>
+                                          <p:attrName>style.visibility</p:attrName>
+                                        </p:attrNameLst>
+                                      </p:cBhvr>
+                                      <p:to>
+                                        <p:strVal val="visible"/>
+                                      </p:to>
+                                    </p:set>
+                                  </p:childTnLst>
+                                </p:cTn>
+                              </p:par>
+                              <p:par>
+                                <p:cTn id="27" presetID="1" presetClass="entr" presetSubtype="0" fill="hold" grpId="0" nodeType="withEffect">
+                                  <p:stCondLst>
+                                    <p:cond delay="0"/>
+                                  </p:stCondLst>
+                                  <p:childTnLst>
+                                    <p:set>
+                                      <p:cBhvr>
+                                        <p:cTn id="28" dur="1" fill="hold">
+                                          <p:stCondLst>
+                                            <p:cond delay="0"/>
+                                          </p:stCondLst>
+                                        </p:cTn>
+                                        <p:tgtEl>
+                                          <p:spTgt spid="20"/>
+                                        </p:tgtEl>
+                                        <p:attrNameLst>
+                                          <p:attrName>style.visibility</p:attrName>
+                                        </p:attrNameLst>
+                                      </p:cBhvr>
+                                      <p:to>
+                                        <p:strVal val="visible"/>
+                                      </p:to>
+                                    </p:set>
+                                  </p:childTnLst>
+                                </p:cTn>
+                              </p:par>
+                              <p:par>
+                                <p:cTn id="29" presetID="1" presetClass="entr" presetSubtype="0" fill="hold" nodeType="withEffect">
+                                  <p:stCondLst>
+                                    <p:cond delay="0"/>
+                                  </p:stCondLst>
+                                  <p:childTnLst>
+                                    <p:set>
+                                      <p:cBhvr>
+                                        <p:cTn id="30" dur="1" fill="hold">
+                                          <p:stCondLst>
+                                            <p:cond delay="0"/>
+                                          </p:stCondLst>
+                                        </p:cTn>
+                                        <p:tgtEl>
+                                          <p:spTgt spid="25"/>
+                                        </p:tgtEl>
+                                        <p:attrNameLst>
+                                          <p:attrName>style.visibility</p:attrName>
+                                        </p:attrNameLst>
+                                      </p:cBhvr>
+                                      <p:to>
+                                        <p:strVal val="visible"/>
+                                      </p:to>
+                                    </p:set>
+                                  </p:childTnLst>
+                                </p:cTn>
+                              </p:par>
+                              <p:par>
+                                <p:cTn id="31" presetID="1" presetClass="entr" presetSubtype="0" fill="hold" grpId="0" nodeType="withEffect">
+                                  <p:stCondLst>
+                                    <p:cond delay="0"/>
+                                  </p:stCondLst>
+                                  <p:childTnLst>
+                                    <p:set>
+                                      <p:cBhvr>
+                                        <p:cTn id="32" dur="1" fill="hold">
+                                          <p:stCondLst>
+                                            <p:cond delay="0"/>
+                                          </p:stCondLst>
+                                        </p:cTn>
+                                        <p:tgtEl>
+                                          <p:spTgt spid="21"/>
+                                        </p:tgtEl>
+                                        <p:attrNameLst>
+                                          <p:attrName>style.visibility</p:attrName>
+                                        </p:attrNameLst>
+                                      </p:cBhvr>
+                                      <p:to>
+                                        <p:strVal val="visible"/>
+                                      </p:to>
+                                    </p:set>
+                                  </p:childTnLst>
+                                </p:cTn>
+                              </p:par>
+                            </p:childTnLst>
+                          </p:cTn>
+                        </p:par>
+                      </p:childTnLst>
+                    </p:cTn>
+                  </p:par>
+                  <p:par>
+                    <p:cTn id="33" fill="hold">
+                      <p:stCondLst>
+                        <p:cond delay="indefinite"/>
+                      </p:stCondLst>
+                      <p:childTnLst>
+                        <p:par>
+                          <p:cTn id="34" fill="hold">
+                            <p:stCondLst>
+                              <p:cond delay="0"/>
+                            </p:stCondLst>
+                            <p:childTnLst>
+                              <p:par>
+                                <p:cTn id="35" presetID="1" presetClass="entr" presetSubtype="0" fill="hold" nodeType="clickEffect">
+                                  <p:stCondLst>
+                                    <p:cond delay="0"/>
+                                  </p:stCondLst>
+                                  <p:childTnLst>
+                                    <p:set>
+                                      <p:cBhvr>
+                                        <p:cTn id="36" dur="1" fill="hold">
+                                          <p:stCondLst>
+                                            <p:cond delay="0"/>
+                                          </p:stCondLst>
+                                        </p:cTn>
+                                        <p:tgtEl>
+                                          <p:spTgt spid="27"/>
+                                        </p:tgtEl>
+                                        <p:attrNameLst>
+                                          <p:attrName>style.visibility</p:attrName>
+                                        </p:attrNameLst>
+                                      </p:cBhvr>
+                                      <p:to>
+                                        <p:strVal val="visible"/>
+                                      </p:to>
+                                    </p:set>
+                                  </p:childTnLst>
+                                </p:cTn>
+                              </p:par>
+                              <p:par>
+                                <p:cTn id="37" presetID="1" presetClass="entr" presetSubtype="0" fill="hold" grpId="0" nodeType="withEffect">
+                                  <p:stCondLst>
+                                    <p:cond delay="0"/>
+                                  </p:stCondLst>
+                                  <p:childTnLst>
+                                    <p:set>
+                                      <p:cBhvr>
+                                        <p:cTn id="38" dur="1" fill="hold">
+                                          <p:stCondLst>
+                                            <p:cond delay="0"/>
+                                          </p:stCondLst>
+                                        </p:cTn>
+                                        <p:tgtEl>
+                                          <p:spTgt spid="19"/>
+                                        </p:tgtEl>
+                                        <p:attrNameLst>
+                                          <p:attrName>style.visibility</p:attrName>
+                                        </p:attrNameLst>
+                                      </p:cBhvr>
+                                      <p:to>
+                                        <p:strVal val="visible"/>
+                                      </p:to>
+                                    </p:set>
+                                  </p:childTnLst>
+                                </p:cTn>
+                              </p:par>
+                            </p:childTnLst>
+                          </p:cTn>
+                        </p:par>
+                      </p:childTnLst>
+                    </p:cTn>
+                  </p:par>
+                </p:childTnLst>
+              </p:cTn>
+              <p:prevCondLst>
+                <p:cond evt="onPrev" delay="0">
+                  <p:tgtEl>
+                    <p:sldTgt/>
+                  </p:tgtEl>
+                </p:cond>
+              </p:prevCondLst>
+              <p:nextCondLst>
+                <p:cond evt="onNext" delay="0">
+                  <p:tgtEl>
+                    <p:sldTgt/>
+                  </p:tgtEl>
+                </p:cond>
+              </p:nextCondLst>
+            </p:seq>
+          </p:childTnLst>
+        </p:cTn>
+      </p:par>
+    </p:tnLst>
+    <p:bldLst>
+      <p:bldP spid="7" grpId="0" animBg="1"/>
+      <p:bldP spid="11" grpId="0" animBg="1"/>
+      <p:bldP spid="16" grpId="0"/>
+      <p:bldP spid="18" grpId="0" animBg="1"/>
+      <p:bldP spid="19" grpId="0" animBg="1"/>
+      <p:bldP spid="20" grpId="0" animBg="1"/>
+      <p:bldP spid="21" grpId="0"/>
+      <p:bldP spid="26" grpId="0" animBg="1"/>
+    </p:bldLst>
+  </p:timing>
+</p:sld>
+</file>
+
+<file path=ppt/slides/slide19.xml><?xml version="1.0" encoding="utf-8"?>
+<p:sld xmlns:a="http://schemas.openxmlformats.org/drawingml/2006/main" xmlns:r="http://schemas.openxmlformats.org/officeDocument/2006/relationships" xmlns:p="http://schemas.openxmlformats.org/presentationml/2006/main">
+  <p:cSld>
+    <p:spTree>
+      <p:nvGrpSpPr>
+        <p:cNvPr id="1" name=""/>
+        <p:cNvGrpSpPr/>
+        <p:nvPr/>
+      </p:nvGrpSpPr>
+      <p:grpSpPr>
+        <a:xfrm>
+          <a:off x="0" y="0"/>
+          <a:ext cx="0" cy="0"/>
+          <a:chOff x="0" y="0"/>
+          <a:chExt cx="0" cy="0"/>
+        </a:xfrm>
+      </p:grpSpPr>
+      <p:sp>
+        <p:nvSpPr>
+          <p:cNvPr id="2" name="Title 1">
+            <a:extLst>
+              <a:ext uri="{FF2B5EF4-FFF2-40B4-BE49-F238E27FC236}">
+                <a16:creationId xmlns:a16="http://schemas.microsoft.com/office/drawing/2014/main" id="{A54EDE97-F1CC-42F4-A89B-DB8919C8C5AB}"/>
+              </a:ext>
+            </a:extLst>
+          </p:cNvPr>
+          <p:cNvSpPr>
+            <a:spLocks noGrp="1"/>
+          </p:cNvSpPr>
+          <p:nvPr>
+            <p:ph type="title"/>
+          </p:nvPr>
+        </p:nvSpPr>
+        <p:spPr/>
+        <p:txBody>
+          <a:bodyPr/>
+          <a:lstStyle/>
+          <a:p>
+            <a:r>
+              <a:rPr lang="en-US" dirty="0"/>
+              <a:t>Redux with </a:t>
+            </a:r>
+            <a:r>
+              <a:rPr lang="en-US" dirty="0" err="1"/>
+              <a:t>ngrx</a:t>
+            </a:r>
+            <a:r>
+              <a:rPr lang="en-US" dirty="0"/>
+              <a:t> store</a:t>
+            </a:r>
+            <a:endParaRPr lang="en-SG" dirty="0"/>
+          </a:p>
+        </p:txBody>
+      </p:sp>
+      <p:sp>
+        <p:nvSpPr>
+          <p:cNvPr id="3" name="Content Placeholder 2">
+            <a:extLst>
+              <a:ext uri="{FF2B5EF4-FFF2-40B4-BE49-F238E27FC236}">
+                <a16:creationId xmlns:a16="http://schemas.microsoft.com/office/drawing/2014/main" id="{2A631B42-6ECC-43BB-A53D-2153FA7922CC}"/>
+              </a:ext>
+            </a:extLst>
+          </p:cNvPr>
+          <p:cNvSpPr>
+            <a:spLocks noGrp="1"/>
+          </p:cNvSpPr>
+          <p:nvPr>
+            <p:ph idx="1"/>
+          </p:nvPr>
+        </p:nvSpPr>
+        <p:spPr/>
+        <p:txBody>
+          <a:bodyPr>
+            <a:normAutofit/>
+          </a:bodyPr>
+          <a:lstStyle/>
+          <a:p>
+            <a:r>
+              <a:rPr lang="en-SG" dirty="0"/>
+              <a:t>Action</a:t>
+            </a:r>
+          </a:p>
+          <a:p>
+            <a:endParaRPr lang="en-SG" dirty="0"/>
+          </a:p>
+        </p:txBody>
+      </p:sp>
+      <p:pic>
+        <p:nvPicPr>
+          <p:cNvPr id="4" name="Picture 3">
+            <a:extLst>
+              <a:ext uri="{FF2B5EF4-FFF2-40B4-BE49-F238E27FC236}">
+                <a16:creationId xmlns:a16="http://schemas.microsoft.com/office/drawing/2014/main" id="{D6B004F3-34FB-4C0F-9893-B5C0B6F65915}"/>
+              </a:ext>
+            </a:extLst>
+          </p:cNvPr>
+          <p:cNvPicPr>
+            <a:picLocks noChangeAspect="1"/>
+          </p:cNvPicPr>
+          <p:nvPr/>
+        </p:nvPicPr>
+        <p:blipFill>
+          <a:blip r:embed="rId2"/>
+          <a:stretch>
+            <a:fillRect/>
+          </a:stretch>
+        </p:blipFill>
+        <p:spPr>
+          <a:xfrm>
+            <a:off x="3184645" y="1825625"/>
+            <a:ext cx="4352925" cy="2524125"/>
+          </a:xfrm>
+          <a:prstGeom prst="rect">
+            <a:avLst/>
+          </a:prstGeom>
+        </p:spPr>
+      </p:pic>
+    </p:spTree>
+    <p:extLst>
+      <p:ext uri="{BB962C8B-B14F-4D97-AF65-F5344CB8AC3E}">
+        <p14:creationId xmlns:p14="http://schemas.microsoft.com/office/powerpoint/2010/main" val="780084057"/>
+      </p:ext>
+    </p:extLst>
+  </p:cSld>
+  <p:clrMapOvr>
+    <a:masterClrMapping/>
+  </p:clrMapOvr>
+  <p:timing>
+    <p:tnLst>
+      <p:par>
+        <p:cTn id="1" dur="indefinite" restart="never" nodeType="tmRoot">
+          <p:childTnLst>
+            <p:seq concurrent="1" nextAc="seek">
+              <p:cTn id="2" dur="indefinite" nodeType="mainSeq">
+                <p:childTnLst>
+                  <p:par>
+                    <p:cTn id="3" fill="hold">
+                      <p:stCondLst>
+                        <p:cond delay="indefinite"/>
+                        <p:cond evt="onBegin" delay="0">
+                          <p:tn val="2"/>
+                        </p:cond>
+                      </p:stCondLst>
+                      <p:childTnLst>
+                        <p:par>
+                          <p:cTn id="4" fill="hold">
+                            <p:stCondLst>
+                              <p:cond delay="0"/>
+                            </p:stCondLst>
+                            <p:childTnLst>
+                              <p:par>
+                                <p:cTn id="5" presetID="1" presetClass="entr" presetSubtype="0" fill="hold" nodeType="withEffect">
+                                  <p:stCondLst>
+                                    <p:cond delay="0"/>
+                                  </p:stCondLst>
+                                  <p:childTnLst>
+                                    <p:set>
+                                      <p:cBhvr>
+                                        <p:cTn id="6" dur="1" fill="hold">
+                                          <p:stCondLst>
+                                            <p:cond delay="0"/>
+                                          </p:stCondLst>
+                                        </p:cTn>
+                                        <p:tgtEl>
+                                          <p:spTgt spid="4"/>
+                                        </p:tgtEl>
+                                        <p:attrNameLst>
+                                          <p:attrName>style.visibility</p:attrName>
+                                        </p:attrNameLst>
+                                      </p:cBhvr>
+                                      <p:to>
+                                        <p:strVal val="visible"/>
+                                      </p:to>
+                                    </p:set>
+                                  </p:childTnLst>
+                                </p:cTn>
+                              </p:par>
+                            </p:childTnLst>
+                          </p:cTn>
+                        </p:par>
+                      </p:childTnLst>
+                    </p:cTn>
+                  </p:par>
+                </p:childTnLst>
+              </p:cTn>
+              <p:prevCondLst>
+                <p:cond evt="onPrev" delay="0">
+                  <p:tgtEl>
+                    <p:sldTgt/>
+                  </p:tgtEl>
+                </p:cond>
+              </p:prevCondLst>
+              <p:nextCondLst>
+                <p:cond evt="onNext" delay="0">
+                  <p:tgtEl>
+                    <p:sldTgt/>
+                  </p:tgtEl>
+                </p:cond>
+              </p:nextCondLst>
+            </p:seq>
+          </p:childTnLst>
+        </p:cTn>
+      </p:par>
+    </p:tnLst>
+  </p:timing>
 </p:sld>
 </file>
 
@@ -5173,7 +8110,9 @@
         </p:nvSpPr>
         <p:spPr/>
         <p:txBody>
-          <a:bodyPr/>
+          <a:bodyPr>
+            <a:normAutofit lnSpcReduction="10000"/>
+          </a:bodyPr>
           <a:lstStyle/>
           <a:p>
             <a:pPr marL="514350" indent="-514350">
@@ -5222,7 +8161,7 @@
             </a:pPr>
             <a:r>
               <a:rPr lang="en-US" dirty="0"/>
-              <a:t>The advent of reactive movement</a:t>
+              <a:t>The advent of the reactive movement</a:t>
             </a:r>
           </a:p>
           <a:p>
@@ -5250,7 +8189,7 @@
             </a:pPr>
             <a:r>
               <a:rPr lang="en-US" dirty="0"/>
-              <a:t>The structure of an application</a:t>
+              <a:t>Structure</a:t>
             </a:r>
           </a:p>
           <a:p>
@@ -5258,7 +8197,26 @@
               <a:buFont typeface="+mj-lt"/>
               <a:buAutoNum type="arabicPeriod"/>
             </a:pPr>
-            <a:endParaRPr lang="en-SG" dirty="0"/>
+            <a:r>
+              <a:rPr lang="en-US" dirty="0"/>
+              <a:t>Environments</a:t>
+            </a:r>
+          </a:p>
+          <a:p>
+            <a:pPr marL="514350" indent="-514350">
+              <a:buFont typeface="+mj-lt"/>
+              <a:buAutoNum type="arabicPeriod"/>
+            </a:pPr>
+            <a:r>
+              <a:rPr lang="en-US" dirty="0"/>
+              <a:t>Publishing</a:t>
+            </a:r>
+          </a:p>
+          <a:p>
+            <a:pPr marL="0" indent="0">
+              <a:buNone/>
+            </a:pPr>
+            <a:endParaRPr lang="en-US" dirty="0"/>
           </a:p>
         </p:txBody>
       </p:sp>
@@ -5623,6 +8581,104 @@
                       </p:childTnLst>
                     </p:cTn>
                   </p:par>
+                  <p:par>
+                    <p:cTn id="31" fill="hold">
+                      <p:stCondLst>
+                        <p:cond delay="indefinite"/>
+                      </p:stCondLst>
+                      <p:childTnLst>
+                        <p:par>
+                          <p:cTn id="32" fill="hold">
+                            <p:stCondLst>
+                              <p:cond delay="0"/>
+                            </p:stCondLst>
+                            <p:childTnLst>
+                              <p:par>
+                                <p:cTn id="33" presetID="1" presetClass="entr" presetSubtype="0" fill="hold" grpId="0" nodeType="clickEffect">
+                                  <p:stCondLst>
+                                    <p:cond delay="0"/>
+                                  </p:stCondLst>
+                                  <p:childTnLst>
+                                    <p:set>
+                                      <p:cBhvr>
+                                        <p:cTn id="34" dur="1" fill="hold">
+                                          <p:stCondLst>
+                                            <p:cond delay="0"/>
+                                          </p:stCondLst>
+                                        </p:cTn>
+                                        <p:tgtEl>
+                                          <p:spTgt spid="3">
+                                            <p:txEl>
+                                              <p:pRg st="7" end="7"/>
+                                            </p:txEl>
+                                          </p:spTgt>
+                                        </p:tgtEl>
+                                        <p:attrNameLst>
+                                          <p:attrName>style.visibility</p:attrName>
+                                        </p:attrNameLst>
+                                      </p:cBhvr>
+                                      <p:to>
+                                        <p:strVal val="visible"/>
+                                      </p:to>
+                                    </p:set>
+                                  </p:childTnLst>
+                                </p:cTn>
+                              </p:par>
+                            </p:childTnLst>
+                          </p:cTn>
+                        </p:par>
+                      </p:childTnLst>
+                    </p:cTn>
+                  </p:par>
+                  <p:par>
+                    <p:cTn id="35" fill="hold">
+                      <p:stCondLst>
+                        <p:cond delay="indefinite"/>
+                      </p:stCondLst>
+                      <p:childTnLst>
+                        <p:par>
+                          <p:cTn id="36" fill="hold">
+                            <p:stCondLst>
+                              <p:cond delay="0"/>
+                            </p:stCondLst>
+                            <p:childTnLst>
+                              <p:par>
+                                <p:cTn id="37" presetID="1" presetClass="entr" presetSubtype="0" fill="hold" grpId="0" nodeType="clickEffect">
+                                  <p:stCondLst>
+                                    <p:cond delay="0"/>
+                                  </p:stCondLst>
+                                  <p:childTnLst>
+                                    <p:set>
+                                      <p:cBhvr>
+                                        <p:cTn id="38" dur="1" fill="hold">
+                                          <p:stCondLst>
+                                            <p:cond delay="0"/>
+                                          </p:stCondLst>
+                                        </p:cTn>
+                                        <p:tgtEl>
+                                          <p:spTgt spid="3">
+                                            <p:txEl>
+                                              <p:pRg st="8" end="8"/>
+                                            </p:txEl>
+                                          </p:spTgt>
+                                        </p:tgtEl>
+                                        <p:attrNameLst>
+                                          <p:attrName>style.visibility</p:attrName>
+                                        </p:attrNameLst>
+                                      </p:cBhvr>
+                                      <p:to>
+                                        <p:strVal val="visible"/>
+                                      </p:to>
+                                    </p:set>
+                                  </p:childTnLst>
+                                </p:cTn>
+                              </p:par>
+                            </p:childTnLst>
+                          </p:cTn>
+                        </p:par>
+                      </p:childTnLst>
+                    </p:cTn>
+                  </p:par>
                 </p:childTnLst>
               </p:cTn>
               <p:prevCondLst>
@@ -5648,6 +8704,4881 @@
       <p:bldP spid="3" grpId="0" build="p"/>
     </p:bldLst>
   </p:timing>
+</p:sld>
+</file>
+
+<file path=ppt/slides/slide20.xml><?xml version="1.0" encoding="utf-8"?>
+<p:sld xmlns:a="http://schemas.openxmlformats.org/drawingml/2006/main" xmlns:r="http://schemas.openxmlformats.org/officeDocument/2006/relationships" xmlns:p="http://schemas.openxmlformats.org/presentationml/2006/main">
+  <p:cSld>
+    <p:spTree>
+      <p:nvGrpSpPr>
+        <p:cNvPr id="1" name=""/>
+        <p:cNvGrpSpPr/>
+        <p:nvPr/>
+      </p:nvGrpSpPr>
+      <p:grpSpPr>
+        <a:xfrm>
+          <a:off x="0" y="0"/>
+          <a:ext cx="0" cy="0"/>
+          <a:chOff x="0" y="0"/>
+          <a:chExt cx="0" cy="0"/>
+        </a:xfrm>
+      </p:grpSpPr>
+      <p:sp>
+        <p:nvSpPr>
+          <p:cNvPr id="2" name="Title 1">
+            <a:extLst>
+              <a:ext uri="{FF2B5EF4-FFF2-40B4-BE49-F238E27FC236}">
+                <a16:creationId xmlns:a16="http://schemas.microsoft.com/office/drawing/2014/main" id="{A54EDE97-F1CC-42F4-A89B-DB8919C8C5AB}"/>
+              </a:ext>
+            </a:extLst>
+          </p:cNvPr>
+          <p:cNvSpPr>
+            <a:spLocks noGrp="1"/>
+          </p:cNvSpPr>
+          <p:nvPr>
+            <p:ph type="title"/>
+          </p:nvPr>
+        </p:nvSpPr>
+        <p:spPr/>
+        <p:txBody>
+          <a:bodyPr/>
+          <a:lstStyle/>
+          <a:p>
+            <a:r>
+              <a:rPr lang="en-US" dirty="0"/>
+              <a:t>Redux with </a:t>
+            </a:r>
+            <a:r>
+              <a:rPr lang="en-US" dirty="0" err="1"/>
+              <a:t>ngrx</a:t>
+            </a:r>
+            <a:r>
+              <a:rPr lang="en-US" dirty="0"/>
+              <a:t> store</a:t>
+            </a:r>
+            <a:endParaRPr lang="en-SG" dirty="0"/>
+          </a:p>
+        </p:txBody>
+      </p:sp>
+      <p:sp>
+        <p:nvSpPr>
+          <p:cNvPr id="3" name="Content Placeholder 2">
+            <a:extLst>
+              <a:ext uri="{FF2B5EF4-FFF2-40B4-BE49-F238E27FC236}">
+                <a16:creationId xmlns:a16="http://schemas.microsoft.com/office/drawing/2014/main" id="{2A631B42-6ECC-43BB-A53D-2153FA7922CC}"/>
+              </a:ext>
+            </a:extLst>
+          </p:cNvPr>
+          <p:cNvSpPr>
+            <a:spLocks noGrp="1"/>
+          </p:cNvSpPr>
+          <p:nvPr>
+            <p:ph idx="1"/>
+          </p:nvPr>
+        </p:nvSpPr>
+        <p:spPr>
+          <a:xfrm>
+            <a:off x="838200" y="1825625"/>
+            <a:ext cx="6113106" cy="4351338"/>
+          </a:xfrm>
+        </p:spPr>
+        <p:txBody>
+          <a:bodyPr>
+            <a:normAutofit/>
+          </a:bodyPr>
+          <a:lstStyle/>
+          <a:p>
+            <a:r>
+              <a:rPr lang="en-SG" dirty="0"/>
+              <a:t>Reducer </a:t>
+            </a:r>
+          </a:p>
+          <a:p>
+            <a:pPr lvl="1"/>
+            <a:r>
+              <a:rPr lang="en-SG" dirty="0"/>
+              <a:t>State represents what the view needs</a:t>
+            </a:r>
+          </a:p>
+          <a:p>
+            <a:pPr lvl="1"/>
+            <a:r>
+              <a:rPr lang="en-SG" dirty="0"/>
+              <a:t>At each stage, the context can be viewed in the State</a:t>
+            </a:r>
+          </a:p>
+        </p:txBody>
+      </p:sp>
+      <p:pic>
+        <p:nvPicPr>
+          <p:cNvPr id="5" name="Picture 4">
+            <a:extLst>
+              <a:ext uri="{FF2B5EF4-FFF2-40B4-BE49-F238E27FC236}">
+                <a16:creationId xmlns:a16="http://schemas.microsoft.com/office/drawing/2014/main" id="{4A8AF3CF-1190-4053-A88C-C6F142166832}"/>
+              </a:ext>
+            </a:extLst>
+          </p:cNvPr>
+          <p:cNvPicPr>
+            <a:picLocks noChangeAspect="1"/>
+          </p:cNvPicPr>
+          <p:nvPr/>
+        </p:nvPicPr>
+        <p:blipFill>
+          <a:blip r:embed="rId2"/>
+          <a:stretch>
+            <a:fillRect/>
+          </a:stretch>
+        </p:blipFill>
+        <p:spPr>
+          <a:xfrm>
+            <a:off x="7335028" y="1825625"/>
+            <a:ext cx="3734308" cy="3176587"/>
+          </a:xfrm>
+          <a:prstGeom prst="rect">
+            <a:avLst/>
+          </a:prstGeom>
+        </p:spPr>
+      </p:pic>
+    </p:spTree>
+    <p:extLst>
+      <p:ext uri="{BB962C8B-B14F-4D97-AF65-F5344CB8AC3E}">
+        <p14:creationId xmlns:p14="http://schemas.microsoft.com/office/powerpoint/2010/main" val="3725809611"/>
+      </p:ext>
+    </p:extLst>
+  </p:cSld>
+  <p:clrMapOvr>
+    <a:masterClrMapping/>
+  </p:clrMapOvr>
+</p:sld>
+</file>
+
+<file path=ppt/slides/slide21.xml><?xml version="1.0" encoding="utf-8"?>
+<p:sld xmlns:a="http://schemas.openxmlformats.org/drawingml/2006/main" xmlns:r="http://schemas.openxmlformats.org/officeDocument/2006/relationships" xmlns:p="http://schemas.openxmlformats.org/presentationml/2006/main">
+  <p:cSld>
+    <p:spTree>
+      <p:nvGrpSpPr>
+        <p:cNvPr id="1" name=""/>
+        <p:cNvGrpSpPr/>
+        <p:nvPr/>
+      </p:nvGrpSpPr>
+      <p:grpSpPr>
+        <a:xfrm>
+          <a:off x="0" y="0"/>
+          <a:ext cx="0" cy="0"/>
+          <a:chOff x="0" y="0"/>
+          <a:chExt cx="0" cy="0"/>
+        </a:xfrm>
+      </p:grpSpPr>
+      <p:sp>
+        <p:nvSpPr>
+          <p:cNvPr id="2" name="Title 1">
+            <a:extLst>
+              <a:ext uri="{FF2B5EF4-FFF2-40B4-BE49-F238E27FC236}">
+                <a16:creationId xmlns:a16="http://schemas.microsoft.com/office/drawing/2014/main" id="{A54EDE97-F1CC-42F4-A89B-DB8919C8C5AB}"/>
+              </a:ext>
+            </a:extLst>
+          </p:cNvPr>
+          <p:cNvSpPr>
+            <a:spLocks noGrp="1"/>
+          </p:cNvSpPr>
+          <p:nvPr>
+            <p:ph type="title"/>
+          </p:nvPr>
+        </p:nvSpPr>
+        <p:spPr/>
+        <p:txBody>
+          <a:bodyPr/>
+          <a:lstStyle/>
+          <a:p>
+            <a:r>
+              <a:rPr lang="en-US" dirty="0"/>
+              <a:t>Redux with </a:t>
+            </a:r>
+            <a:r>
+              <a:rPr lang="en-US" dirty="0" err="1"/>
+              <a:t>ngrx</a:t>
+            </a:r>
+            <a:r>
+              <a:rPr lang="en-US" dirty="0"/>
+              <a:t> store</a:t>
+            </a:r>
+            <a:endParaRPr lang="en-SG" dirty="0"/>
+          </a:p>
+        </p:txBody>
+      </p:sp>
+      <p:sp>
+        <p:nvSpPr>
+          <p:cNvPr id="3" name="Content Placeholder 2">
+            <a:extLst>
+              <a:ext uri="{FF2B5EF4-FFF2-40B4-BE49-F238E27FC236}">
+                <a16:creationId xmlns:a16="http://schemas.microsoft.com/office/drawing/2014/main" id="{2A631B42-6ECC-43BB-A53D-2153FA7922CC}"/>
+              </a:ext>
+            </a:extLst>
+          </p:cNvPr>
+          <p:cNvSpPr>
+            <a:spLocks noGrp="1"/>
+          </p:cNvSpPr>
+          <p:nvPr>
+            <p:ph idx="1"/>
+          </p:nvPr>
+        </p:nvSpPr>
+        <p:spPr>
+          <a:xfrm>
+            <a:off x="838200" y="1825625"/>
+            <a:ext cx="6113106" cy="4351338"/>
+          </a:xfrm>
+        </p:spPr>
+        <p:txBody>
+          <a:bodyPr>
+            <a:normAutofit/>
+          </a:bodyPr>
+          <a:lstStyle/>
+          <a:p>
+            <a:r>
+              <a:rPr lang="en-SG" dirty="0"/>
+              <a:t>Selectors</a:t>
+            </a:r>
+          </a:p>
+          <a:p>
+            <a:pPr lvl="1"/>
+            <a:r>
+              <a:rPr lang="en-SG" dirty="0"/>
+              <a:t>Category reducer selectors</a:t>
+            </a:r>
+          </a:p>
+          <a:p>
+            <a:pPr lvl="1"/>
+            <a:endParaRPr lang="en-SG" dirty="0"/>
+          </a:p>
+          <a:p>
+            <a:pPr lvl="1"/>
+            <a:endParaRPr lang="en-SG" dirty="0"/>
+          </a:p>
+          <a:p>
+            <a:pPr lvl="1"/>
+            <a:endParaRPr lang="en-SG" dirty="0"/>
+          </a:p>
+          <a:p>
+            <a:pPr lvl="1"/>
+            <a:endParaRPr lang="en-SG" dirty="0"/>
+          </a:p>
+          <a:p>
+            <a:pPr lvl="1"/>
+            <a:endParaRPr lang="en-SG" dirty="0"/>
+          </a:p>
+          <a:p>
+            <a:pPr lvl="1"/>
+            <a:r>
+              <a:rPr lang="en-SG" dirty="0"/>
+              <a:t>Common reducer from root</a:t>
+            </a:r>
+          </a:p>
+        </p:txBody>
+      </p:sp>
+      <p:pic>
+        <p:nvPicPr>
+          <p:cNvPr id="6" name="Picture 5">
+            <a:extLst>
+              <a:ext uri="{FF2B5EF4-FFF2-40B4-BE49-F238E27FC236}">
+                <a16:creationId xmlns:a16="http://schemas.microsoft.com/office/drawing/2014/main" id="{07FD6AC3-6458-4B7A-9BC0-B36ED79DB391}"/>
+              </a:ext>
+            </a:extLst>
+          </p:cNvPr>
+          <p:cNvPicPr>
+            <a:picLocks noChangeAspect="1"/>
+          </p:cNvPicPr>
+          <p:nvPr/>
+        </p:nvPicPr>
+        <p:blipFill>
+          <a:blip r:embed="rId2"/>
+          <a:stretch>
+            <a:fillRect/>
+          </a:stretch>
+        </p:blipFill>
+        <p:spPr>
+          <a:xfrm>
+            <a:off x="1620222" y="2784312"/>
+            <a:ext cx="7943850" cy="1457325"/>
+          </a:xfrm>
+          <a:prstGeom prst="rect">
+            <a:avLst/>
+          </a:prstGeom>
+        </p:spPr>
+      </p:pic>
+      <p:pic>
+        <p:nvPicPr>
+          <p:cNvPr id="9" name="Picture 8">
+            <a:extLst>
+              <a:ext uri="{FF2B5EF4-FFF2-40B4-BE49-F238E27FC236}">
+                <a16:creationId xmlns:a16="http://schemas.microsoft.com/office/drawing/2014/main" id="{8FC925FA-2AE1-4B01-BC9E-4B15DF7F7F57}"/>
+              </a:ext>
+            </a:extLst>
+          </p:cNvPr>
+          <p:cNvPicPr>
+            <a:picLocks noChangeAspect="1"/>
+          </p:cNvPicPr>
+          <p:nvPr/>
+        </p:nvPicPr>
+        <p:blipFill>
+          <a:blip r:embed="rId3"/>
+          <a:stretch>
+            <a:fillRect/>
+          </a:stretch>
+        </p:blipFill>
+        <p:spPr>
+          <a:xfrm>
+            <a:off x="1620222" y="5311934"/>
+            <a:ext cx="5848350" cy="581025"/>
+          </a:xfrm>
+          <a:prstGeom prst="rect">
+            <a:avLst/>
+          </a:prstGeom>
+        </p:spPr>
+      </p:pic>
+    </p:spTree>
+    <p:extLst>
+      <p:ext uri="{BB962C8B-B14F-4D97-AF65-F5344CB8AC3E}">
+        <p14:creationId xmlns:p14="http://schemas.microsoft.com/office/powerpoint/2010/main" val="49878023"/>
+      </p:ext>
+    </p:extLst>
+  </p:cSld>
+  <p:clrMapOvr>
+    <a:masterClrMapping/>
+  </p:clrMapOvr>
+</p:sld>
+</file>
+
+<file path=ppt/slides/slide22.xml><?xml version="1.0" encoding="utf-8"?>
+<p:sld xmlns:a="http://schemas.openxmlformats.org/drawingml/2006/main" xmlns:r="http://schemas.openxmlformats.org/officeDocument/2006/relationships" xmlns:p="http://schemas.openxmlformats.org/presentationml/2006/main">
+  <p:cSld>
+    <p:spTree>
+      <p:nvGrpSpPr>
+        <p:cNvPr id="1" name=""/>
+        <p:cNvGrpSpPr/>
+        <p:nvPr/>
+      </p:nvGrpSpPr>
+      <p:grpSpPr>
+        <a:xfrm>
+          <a:off x="0" y="0"/>
+          <a:ext cx="0" cy="0"/>
+          <a:chOff x="0" y="0"/>
+          <a:chExt cx="0" cy="0"/>
+        </a:xfrm>
+      </p:grpSpPr>
+      <p:sp>
+        <p:nvSpPr>
+          <p:cNvPr id="2" name="Title 1">
+            <a:extLst>
+              <a:ext uri="{FF2B5EF4-FFF2-40B4-BE49-F238E27FC236}">
+                <a16:creationId xmlns:a16="http://schemas.microsoft.com/office/drawing/2014/main" id="{A54EDE97-F1CC-42F4-A89B-DB8919C8C5AB}"/>
+              </a:ext>
+            </a:extLst>
+          </p:cNvPr>
+          <p:cNvSpPr>
+            <a:spLocks noGrp="1"/>
+          </p:cNvSpPr>
+          <p:nvPr>
+            <p:ph type="title"/>
+          </p:nvPr>
+        </p:nvSpPr>
+        <p:spPr/>
+        <p:txBody>
+          <a:bodyPr/>
+          <a:lstStyle/>
+          <a:p>
+            <a:r>
+              <a:rPr lang="en-US" dirty="0"/>
+              <a:t>Redux with </a:t>
+            </a:r>
+            <a:r>
+              <a:rPr lang="en-US" dirty="0" err="1"/>
+              <a:t>ngrx</a:t>
+            </a:r>
+            <a:r>
+              <a:rPr lang="en-US" dirty="0"/>
+              <a:t> store</a:t>
+            </a:r>
+            <a:endParaRPr lang="en-SG" dirty="0"/>
+          </a:p>
+        </p:txBody>
+      </p:sp>
+      <p:sp>
+        <p:nvSpPr>
+          <p:cNvPr id="3" name="Content Placeholder 2">
+            <a:extLst>
+              <a:ext uri="{FF2B5EF4-FFF2-40B4-BE49-F238E27FC236}">
+                <a16:creationId xmlns:a16="http://schemas.microsoft.com/office/drawing/2014/main" id="{2A631B42-6ECC-43BB-A53D-2153FA7922CC}"/>
+              </a:ext>
+            </a:extLst>
+          </p:cNvPr>
+          <p:cNvSpPr>
+            <a:spLocks noGrp="1"/>
+          </p:cNvSpPr>
+          <p:nvPr>
+            <p:ph idx="1"/>
+          </p:nvPr>
+        </p:nvSpPr>
+        <p:spPr>
+          <a:xfrm>
+            <a:off x="838200" y="1825625"/>
+            <a:ext cx="6113106" cy="4351338"/>
+          </a:xfrm>
+        </p:spPr>
+        <p:txBody>
+          <a:bodyPr>
+            <a:normAutofit/>
+          </a:bodyPr>
+          <a:lstStyle/>
+          <a:p>
+            <a:r>
+              <a:rPr lang="en-SG" dirty="0"/>
+              <a:t>Effects</a:t>
+            </a:r>
+          </a:p>
+        </p:txBody>
+      </p:sp>
+      <p:pic>
+        <p:nvPicPr>
+          <p:cNvPr id="4" name="Picture 3">
+            <a:extLst>
+              <a:ext uri="{FF2B5EF4-FFF2-40B4-BE49-F238E27FC236}">
+                <a16:creationId xmlns:a16="http://schemas.microsoft.com/office/drawing/2014/main" id="{71978154-B262-4E5B-9A22-95525D6E5AF2}"/>
+              </a:ext>
+            </a:extLst>
+          </p:cNvPr>
+          <p:cNvPicPr>
+            <a:picLocks noChangeAspect="1"/>
+          </p:cNvPicPr>
+          <p:nvPr/>
+        </p:nvPicPr>
+        <p:blipFill>
+          <a:blip r:embed="rId2"/>
+          <a:stretch>
+            <a:fillRect/>
+          </a:stretch>
+        </p:blipFill>
+        <p:spPr>
+          <a:xfrm>
+            <a:off x="2003749" y="2607613"/>
+            <a:ext cx="7848600" cy="3228975"/>
+          </a:xfrm>
+          <a:prstGeom prst="rect">
+            <a:avLst/>
+          </a:prstGeom>
+        </p:spPr>
+      </p:pic>
+    </p:spTree>
+    <p:extLst>
+      <p:ext uri="{BB962C8B-B14F-4D97-AF65-F5344CB8AC3E}">
+        <p14:creationId xmlns:p14="http://schemas.microsoft.com/office/powerpoint/2010/main" val="3479382175"/>
+      </p:ext>
+    </p:extLst>
+  </p:cSld>
+  <p:clrMapOvr>
+    <a:masterClrMapping/>
+  </p:clrMapOvr>
+</p:sld>
+</file>
+
+<file path=ppt/slides/slide23.xml><?xml version="1.0" encoding="utf-8"?>
+<p:sld xmlns:a="http://schemas.openxmlformats.org/drawingml/2006/main" xmlns:r="http://schemas.openxmlformats.org/officeDocument/2006/relationships" xmlns:p="http://schemas.openxmlformats.org/presentationml/2006/main">
+  <p:cSld>
+    <p:spTree>
+      <p:nvGrpSpPr>
+        <p:cNvPr id="1" name=""/>
+        <p:cNvGrpSpPr/>
+        <p:nvPr/>
+      </p:nvGrpSpPr>
+      <p:grpSpPr>
+        <a:xfrm>
+          <a:off x="0" y="0"/>
+          <a:ext cx="0" cy="0"/>
+          <a:chOff x="0" y="0"/>
+          <a:chExt cx="0" cy="0"/>
+        </a:xfrm>
+      </p:grpSpPr>
+      <p:sp>
+        <p:nvSpPr>
+          <p:cNvPr id="2" name="Title 1">
+            <a:extLst>
+              <a:ext uri="{FF2B5EF4-FFF2-40B4-BE49-F238E27FC236}">
+                <a16:creationId xmlns:a16="http://schemas.microsoft.com/office/drawing/2014/main" id="{A54EDE97-F1CC-42F4-A89B-DB8919C8C5AB}"/>
+              </a:ext>
+            </a:extLst>
+          </p:cNvPr>
+          <p:cNvSpPr>
+            <a:spLocks noGrp="1"/>
+          </p:cNvSpPr>
+          <p:nvPr>
+            <p:ph type="title"/>
+          </p:nvPr>
+        </p:nvSpPr>
+        <p:spPr/>
+        <p:txBody>
+          <a:bodyPr/>
+          <a:lstStyle/>
+          <a:p>
+            <a:r>
+              <a:rPr lang="en-US" dirty="0"/>
+              <a:t>Redux with </a:t>
+            </a:r>
+            <a:r>
+              <a:rPr lang="en-US" dirty="0" err="1"/>
+              <a:t>ngrx</a:t>
+            </a:r>
+            <a:r>
+              <a:rPr lang="en-US" dirty="0"/>
+              <a:t> store</a:t>
+            </a:r>
+            <a:endParaRPr lang="en-SG" dirty="0"/>
+          </a:p>
+        </p:txBody>
+      </p:sp>
+      <p:sp>
+        <p:nvSpPr>
+          <p:cNvPr id="7" name="Rectangle 6">
+            <a:extLst>
+              <a:ext uri="{FF2B5EF4-FFF2-40B4-BE49-F238E27FC236}">
+                <a16:creationId xmlns:a16="http://schemas.microsoft.com/office/drawing/2014/main" id="{AD16B56C-D73C-4622-B309-052CC56F4D75}"/>
+              </a:ext>
+            </a:extLst>
+          </p:cNvPr>
+          <p:cNvSpPr/>
+          <p:nvPr/>
+        </p:nvSpPr>
+        <p:spPr>
+          <a:xfrm>
+            <a:off x="878330" y="5606364"/>
+            <a:ext cx="1694576" cy="855677"/>
+          </a:xfrm>
+          <a:prstGeom prst="rect">
+            <a:avLst/>
+          </a:prstGeom>
+        </p:spPr>
+        <p:style>
+          <a:lnRef idx="2">
+            <a:schemeClr val="accent1">
+              <a:shade val="50000"/>
+            </a:schemeClr>
+          </a:lnRef>
+          <a:fillRef idx="1">
+            <a:schemeClr val="accent1"/>
+          </a:fillRef>
+          <a:effectRef idx="0">
+            <a:schemeClr val="accent1"/>
+          </a:effectRef>
+          <a:fontRef idx="minor">
+            <a:schemeClr val="lt1"/>
+          </a:fontRef>
+        </p:style>
+        <p:txBody>
+          <a:bodyPr rtlCol="0" anchor="ctr"/>
+          <a:lstStyle/>
+          <a:p>
+            <a:pPr algn="ctr"/>
+            <a:r>
+              <a:rPr lang="en-SG" dirty="0"/>
+              <a:t>Component</a:t>
+            </a:r>
+          </a:p>
+        </p:txBody>
+      </p:sp>
+      <p:sp>
+        <p:nvSpPr>
+          <p:cNvPr id="11" name="Rectangle 10">
+            <a:extLst>
+              <a:ext uri="{FF2B5EF4-FFF2-40B4-BE49-F238E27FC236}">
+                <a16:creationId xmlns:a16="http://schemas.microsoft.com/office/drawing/2014/main" id="{34315048-B98E-4B36-9EFB-80C5D4E2136C}"/>
+              </a:ext>
+            </a:extLst>
+          </p:cNvPr>
+          <p:cNvSpPr/>
+          <p:nvPr/>
+        </p:nvSpPr>
+        <p:spPr>
+          <a:xfrm>
+            <a:off x="2913319" y="5629012"/>
+            <a:ext cx="1694576" cy="855677"/>
+          </a:xfrm>
+          <a:prstGeom prst="rect">
+            <a:avLst/>
+          </a:prstGeom>
+        </p:spPr>
+        <p:style>
+          <a:lnRef idx="2">
+            <a:schemeClr val="accent1">
+              <a:shade val="50000"/>
+            </a:schemeClr>
+          </a:lnRef>
+          <a:fillRef idx="1">
+            <a:schemeClr val="accent1"/>
+          </a:fillRef>
+          <a:effectRef idx="0">
+            <a:schemeClr val="accent1"/>
+          </a:effectRef>
+          <a:fontRef idx="minor">
+            <a:schemeClr val="lt1"/>
+          </a:fontRef>
+        </p:style>
+        <p:txBody>
+          <a:bodyPr rtlCol="0" anchor="ctr"/>
+          <a:lstStyle/>
+          <a:p>
+            <a:pPr algn="ctr"/>
+            <a:r>
+              <a:rPr lang="en-SG" dirty="0"/>
+              <a:t>Component</a:t>
+            </a:r>
+          </a:p>
+        </p:txBody>
+      </p:sp>
+      <p:cxnSp>
+        <p:nvCxnSpPr>
+          <p:cNvPr id="13" name="Straight Arrow Connector 12">
+            <a:extLst>
+              <a:ext uri="{FF2B5EF4-FFF2-40B4-BE49-F238E27FC236}">
+                <a16:creationId xmlns:a16="http://schemas.microsoft.com/office/drawing/2014/main" id="{C932641E-CFE0-42DA-8237-0D255451AE1C}"/>
+              </a:ext>
+            </a:extLst>
+          </p:cNvPr>
+          <p:cNvCxnSpPr>
+            <a:cxnSpLocks/>
+          </p:cNvCxnSpPr>
+          <p:nvPr/>
+        </p:nvCxnSpPr>
+        <p:spPr>
+          <a:xfrm flipH="1">
+            <a:off x="4001723" y="3022078"/>
+            <a:ext cx="1007694" cy="2413988"/>
+          </a:xfrm>
+          <a:prstGeom prst="straightConnector1">
+            <a:avLst/>
+          </a:prstGeom>
+          <a:ln>
+            <a:tailEnd type="triangle"/>
+          </a:ln>
+        </p:spPr>
+        <p:style>
+          <a:lnRef idx="1">
+            <a:schemeClr val="accent1"/>
+          </a:lnRef>
+          <a:fillRef idx="0">
+            <a:schemeClr val="accent1"/>
+          </a:fillRef>
+          <a:effectRef idx="0">
+            <a:schemeClr val="accent1"/>
+          </a:effectRef>
+          <a:fontRef idx="minor">
+            <a:schemeClr val="tx1"/>
+          </a:fontRef>
+        </p:style>
+      </p:cxnSp>
+      <p:cxnSp>
+        <p:nvCxnSpPr>
+          <p:cNvPr id="15" name="Straight Arrow Connector 14">
+            <a:extLst>
+              <a:ext uri="{FF2B5EF4-FFF2-40B4-BE49-F238E27FC236}">
+                <a16:creationId xmlns:a16="http://schemas.microsoft.com/office/drawing/2014/main" id="{0E3C3D48-5BC2-4E04-A469-B474BD3E8B18}"/>
+              </a:ext>
+            </a:extLst>
+          </p:cNvPr>
+          <p:cNvCxnSpPr>
+            <a:cxnSpLocks/>
+          </p:cNvCxnSpPr>
+          <p:nvPr/>
+        </p:nvCxnSpPr>
+        <p:spPr>
+          <a:xfrm flipH="1">
+            <a:off x="1921079" y="2774811"/>
+            <a:ext cx="2709188" cy="2661255"/>
+          </a:xfrm>
+          <a:prstGeom prst="straightConnector1">
+            <a:avLst/>
+          </a:prstGeom>
+          <a:ln>
+            <a:tailEnd type="triangle"/>
+          </a:ln>
+        </p:spPr>
+        <p:style>
+          <a:lnRef idx="1">
+            <a:schemeClr val="accent1"/>
+          </a:lnRef>
+          <a:fillRef idx="0">
+            <a:schemeClr val="accent1"/>
+          </a:fillRef>
+          <a:effectRef idx="0">
+            <a:schemeClr val="accent1"/>
+          </a:effectRef>
+          <a:fontRef idx="minor">
+            <a:schemeClr val="tx1"/>
+          </a:fontRef>
+        </p:style>
+      </p:cxnSp>
+      <p:sp>
+        <p:nvSpPr>
+          <p:cNvPr id="16" name="TextBox 15">
+            <a:extLst>
+              <a:ext uri="{FF2B5EF4-FFF2-40B4-BE49-F238E27FC236}">
+                <a16:creationId xmlns:a16="http://schemas.microsoft.com/office/drawing/2014/main" id="{10BF77A2-09AB-4273-B901-B470BC2095A5}"/>
+              </a:ext>
+            </a:extLst>
+          </p:cNvPr>
+          <p:cNvSpPr txBox="1"/>
+          <p:nvPr/>
+        </p:nvSpPr>
+        <p:spPr>
+          <a:xfrm>
+            <a:off x="1541929" y="3385694"/>
+            <a:ext cx="2157450" cy="369332"/>
+          </a:xfrm>
+          <a:prstGeom prst="rect">
+            <a:avLst/>
+          </a:prstGeom>
+          <a:noFill/>
+        </p:spPr>
+        <p:txBody>
+          <a:bodyPr wrap="none" rtlCol="0">
+            <a:spAutoFit/>
+          </a:bodyPr>
+          <a:lstStyle/>
+          <a:p>
+            <a:r>
+              <a:rPr lang="en-SG" dirty="0"/>
+              <a:t>Subscribe to changes</a:t>
+            </a:r>
+          </a:p>
+        </p:txBody>
+      </p:sp>
+      <p:sp>
+        <p:nvSpPr>
+          <p:cNvPr id="18" name="Rectangle 17">
+            <a:extLst>
+              <a:ext uri="{FF2B5EF4-FFF2-40B4-BE49-F238E27FC236}">
+                <a16:creationId xmlns:a16="http://schemas.microsoft.com/office/drawing/2014/main" id="{00E96D8F-F836-4232-A3C2-5D63A5AAE434}"/>
+              </a:ext>
+            </a:extLst>
+          </p:cNvPr>
+          <p:cNvSpPr/>
+          <p:nvPr/>
+        </p:nvSpPr>
+        <p:spPr>
+          <a:xfrm>
+            <a:off x="7714794" y="5575165"/>
+            <a:ext cx="1940653" cy="963369"/>
+          </a:xfrm>
+          <a:prstGeom prst="rect">
+            <a:avLst/>
+          </a:prstGeom>
+        </p:spPr>
+        <p:style>
+          <a:lnRef idx="2">
+            <a:schemeClr val="accent2">
+              <a:shade val="50000"/>
+            </a:schemeClr>
+          </a:lnRef>
+          <a:fillRef idx="1">
+            <a:schemeClr val="accent2"/>
+          </a:fillRef>
+          <a:effectRef idx="0">
+            <a:schemeClr val="accent2"/>
+          </a:effectRef>
+          <a:fontRef idx="minor">
+            <a:schemeClr val="lt1"/>
+          </a:fontRef>
+        </p:style>
+        <p:txBody>
+          <a:bodyPr rtlCol="0" anchor="ctr"/>
+          <a:lstStyle/>
+          <a:p>
+            <a:pPr algn="ctr"/>
+            <a:r>
+              <a:rPr lang="en-SG" dirty="0"/>
+              <a:t>Container</a:t>
+            </a:r>
+          </a:p>
+        </p:txBody>
+      </p:sp>
+      <p:sp>
+        <p:nvSpPr>
+          <p:cNvPr id="19" name="Rectangle 18">
+            <a:extLst>
+              <a:ext uri="{FF2B5EF4-FFF2-40B4-BE49-F238E27FC236}">
+                <a16:creationId xmlns:a16="http://schemas.microsoft.com/office/drawing/2014/main" id="{A4C2D97A-84B0-4F23-B238-1E190189CA2C}"/>
+              </a:ext>
+            </a:extLst>
+          </p:cNvPr>
+          <p:cNvSpPr/>
+          <p:nvPr/>
+        </p:nvSpPr>
+        <p:spPr>
+          <a:xfrm>
+            <a:off x="9055417" y="1570884"/>
+            <a:ext cx="1990047" cy="1075264"/>
+          </a:xfrm>
+          <a:prstGeom prst="rect">
+            <a:avLst/>
+          </a:prstGeom>
+        </p:spPr>
+        <p:style>
+          <a:lnRef idx="2">
+            <a:schemeClr val="accent2">
+              <a:shade val="50000"/>
+            </a:schemeClr>
+          </a:lnRef>
+          <a:fillRef idx="1">
+            <a:schemeClr val="accent2"/>
+          </a:fillRef>
+          <a:effectRef idx="0">
+            <a:schemeClr val="accent2"/>
+          </a:effectRef>
+          <a:fontRef idx="minor">
+            <a:schemeClr val="lt1"/>
+          </a:fontRef>
+        </p:style>
+        <p:txBody>
+          <a:bodyPr rtlCol="0" anchor="ctr"/>
+          <a:lstStyle/>
+          <a:p>
+            <a:pPr algn="ctr"/>
+            <a:r>
+              <a:rPr lang="en-SG" dirty="0"/>
+              <a:t>Effects</a:t>
+            </a:r>
+          </a:p>
+        </p:txBody>
+      </p:sp>
+      <p:sp>
+        <p:nvSpPr>
+          <p:cNvPr id="20" name="Flowchart: Magnetic Disk 19">
+            <a:extLst>
+              <a:ext uri="{FF2B5EF4-FFF2-40B4-BE49-F238E27FC236}">
+                <a16:creationId xmlns:a16="http://schemas.microsoft.com/office/drawing/2014/main" id="{B3F7B1DE-F898-4E36-AA75-1ADCD1616055}"/>
+              </a:ext>
+            </a:extLst>
+          </p:cNvPr>
+          <p:cNvSpPr/>
+          <p:nvPr/>
+        </p:nvSpPr>
+        <p:spPr>
+          <a:xfrm>
+            <a:off x="7246443" y="3549617"/>
+            <a:ext cx="534664" cy="855677"/>
+          </a:xfrm>
+          <a:prstGeom prst="flowChartMagneticDisk">
+            <a:avLst/>
+          </a:prstGeom>
+        </p:spPr>
+        <p:style>
+          <a:lnRef idx="2">
+            <a:schemeClr val="accent1">
+              <a:shade val="50000"/>
+            </a:schemeClr>
+          </a:lnRef>
+          <a:fillRef idx="1">
+            <a:schemeClr val="accent1"/>
+          </a:fillRef>
+          <a:effectRef idx="0">
+            <a:schemeClr val="accent1"/>
+          </a:effectRef>
+          <a:fontRef idx="minor">
+            <a:schemeClr val="lt1"/>
+          </a:fontRef>
+        </p:style>
+        <p:txBody>
+          <a:bodyPr rtlCol="0" anchor="ctr"/>
+          <a:lstStyle/>
+          <a:p>
+            <a:pPr algn="ctr"/>
+            <a:endParaRPr lang="en-SG" dirty="0"/>
+          </a:p>
+        </p:txBody>
+      </p:sp>
+      <p:sp>
+        <p:nvSpPr>
+          <p:cNvPr id="21" name="TextBox 20">
+            <a:extLst>
+              <a:ext uri="{FF2B5EF4-FFF2-40B4-BE49-F238E27FC236}">
+                <a16:creationId xmlns:a16="http://schemas.microsoft.com/office/drawing/2014/main" id="{F1043EBE-FD28-4A12-8468-50F4DF72DBC1}"/>
+              </a:ext>
+            </a:extLst>
+          </p:cNvPr>
+          <p:cNvSpPr txBox="1"/>
+          <p:nvPr/>
+        </p:nvSpPr>
+        <p:spPr>
+          <a:xfrm>
+            <a:off x="7910818" y="3736106"/>
+            <a:ext cx="878767" cy="369332"/>
+          </a:xfrm>
+          <a:prstGeom prst="rect">
+            <a:avLst/>
+          </a:prstGeom>
+          <a:noFill/>
+        </p:spPr>
+        <p:txBody>
+          <a:bodyPr wrap="none" rtlCol="0">
+            <a:spAutoFit/>
+          </a:bodyPr>
+          <a:lstStyle/>
+          <a:p>
+            <a:r>
+              <a:rPr lang="en-SG" dirty="0"/>
+              <a:t>Actions</a:t>
+            </a:r>
+          </a:p>
+        </p:txBody>
+      </p:sp>
+      <p:cxnSp>
+        <p:nvCxnSpPr>
+          <p:cNvPr id="23" name="Straight Arrow Connector 22">
+            <a:extLst>
+              <a:ext uri="{FF2B5EF4-FFF2-40B4-BE49-F238E27FC236}">
+                <a16:creationId xmlns:a16="http://schemas.microsoft.com/office/drawing/2014/main" id="{A4D47A94-F210-45D3-BA7F-5EC56A94F360}"/>
+              </a:ext>
+            </a:extLst>
+          </p:cNvPr>
+          <p:cNvCxnSpPr>
+            <a:cxnSpLocks/>
+          </p:cNvCxnSpPr>
+          <p:nvPr/>
+        </p:nvCxnSpPr>
+        <p:spPr>
+          <a:xfrm flipH="1" flipV="1">
+            <a:off x="7513775" y="4521412"/>
+            <a:ext cx="397043" cy="753897"/>
+          </a:xfrm>
+          <a:prstGeom prst="straightConnector1">
+            <a:avLst/>
+          </a:prstGeom>
+          <a:ln>
+            <a:tailEnd type="triangle"/>
+          </a:ln>
+        </p:spPr>
+        <p:style>
+          <a:lnRef idx="1">
+            <a:schemeClr val="accent1"/>
+          </a:lnRef>
+          <a:fillRef idx="0">
+            <a:schemeClr val="accent1"/>
+          </a:fillRef>
+          <a:effectRef idx="0">
+            <a:schemeClr val="accent1"/>
+          </a:effectRef>
+          <a:fontRef idx="minor">
+            <a:schemeClr val="tx1"/>
+          </a:fontRef>
+        </p:style>
+      </p:cxnSp>
+      <p:cxnSp>
+        <p:nvCxnSpPr>
+          <p:cNvPr id="25" name="Straight Arrow Connector 24">
+            <a:extLst>
+              <a:ext uri="{FF2B5EF4-FFF2-40B4-BE49-F238E27FC236}">
+                <a16:creationId xmlns:a16="http://schemas.microsoft.com/office/drawing/2014/main" id="{7F96647E-2757-4E0A-9C69-E12F5E4282B9}"/>
+              </a:ext>
+            </a:extLst>
+          </p:cNvPr>
+          <p:cNvCxnSpPr>
+            <a:cxnSpLocks/>
+          </p:cNvCxnSpPr>
+          <p:nvPr/>
+        </p:nvCxnSpPr>
+        <p:spPr>
+          <a:xfrm flipH="1" flipV="1">
+            <a:off x="6518247" y="2801924"/>
+            <a:ext cx="728196" cy="747693"/>
+          </a:xfrm>
+          <a:prstGeom prst="straightConnector1">
+            <a:avLst/>
+          </a:prstGeom>
+          <a:ln>
+            <a:tailEnd type="triangle"/>
+          </a:ln>
+        </p:spPr>
+        <p:style>
+          <a:lnRef idx="1">
+            <a:schemeClr val="accent1"/>
+          </a:lnRef>
+          <a:fillRef idx="0">
+            <a:schemeClr val="accent1"/>
+          </a:fillRef>
+          <a:effectRef idx="0">
+            <a:schemeClr val="accent1"/>
+          </a:effectRef>
+          <a:fontRef idx="minor">
+            <a:schemeClr val="tx1"/>
+          </a:fontRef>
+        </p:style>
+      </p:cxnSp>
+      <p:cxnSp>
+        <p:nvCxnSpPr>
+          <p:cNvPr id="27" name="Straight Arrow Connector 26">
+            <a:extLst>
+              <a:ext uri="{FF2B5EF4-FFF2-40B4-BE49-F238E27FC236}">
+                <a16:creationId xmlns:a16="http://schemas.microsoft.com/office/drawing/2014/main" id="{4FB83757-4E00-4B7C-92BB-BD2498F6EC5C}"/>
+              </a:ext>
+            </a:extLst>
+          </p:cNvPr>
+          <p:cNvCxnSpPr>
+            <a:cxnSpLocks/>
+          </p:cNvCxnSpPr>
+          <p:nvPr/>
+        </p:nvCxnSpPr>
+        <p:spPr>
+          <a:xfrm flipV="1">
+            <a:off x="7910818" y="2801924"/>
+            <a:ext cx="878767" cy="810074"/>
+          </a:xfrm>
+          <a:prstGeom prst="straightConnector1">
+            <a:avLst/>
+          </a:prstGeom>
+          <a:ln>
+            <a:headEnd type="arrow" w="med" len="med"/>
+            <a:tailEnd type="arrow" w="med" len="med"/>
+          </a:ln>
+        </p:spPr>
+        <p:style>
+          <a:lnRef idx="3">
+            <a:schemeClr val="accent5"/>
+          </a:lnRef>
+          <a:fillRef idx="0">
+            <a:schemeClr val="accent5"/>
+          </a:fillRef>
+          <a:effectRef idx="2">
+            <a:schemeClr val="accent5"/>
+          </a:effectRef>
+          <a:fontRef idx="minor">
+            <a:schemeClr val="tx1"/>
+          </a:fontRef>
+        </p:style>
+      </p:cxnSp>
+      <p:cxnSp>
+        <p:nvCxnSpPr>
+          <p:cNvPr id="22" name="Straight Connector 21">
+            <a:extLst>
+              <a:ext uri="{FF2B5EF4-FFF2-40B4-BE49-F238E27FC236}">
+                <a16:creationId xmlns:a16="http://schemas.microsoft.com/office/drawing/2014/main" id="{492D3A4D-CA79-447B-97CC-8CC5946D6EE6}"/>
+              </a:ext>
+            </a:extLst>
+          </p:cNvPr>
+          <p:cNvCxnSpPr/>
+          <p:nvPr/>
+        </p:nvCxnSpPr>
+        <p:spPr>
+          <a:xfrm>
+            <a:off x="5656106" y="1300294"/>
+            <a:ext cx="0" cy="5327009"/>
+          </a:xfrm>
+          <a:prstGeom prst="line">
+            <a:avLst/>
+          </a:prstGeom>
+          <a:ln w="9525" cap="flat" cmpd="sng" algn="ctr">
+            <a:solidFill>
+              <a:schemeClr val="dk1"/>
+            </a:solidFill>
+            <a:prstDash val="dash"/>
+            <a:round/>
+            <a:headEnd type="none" w="med" len="med"/>
+            <a:tailEnd type="none" w="med" len="med"/>
+          </a:ln>
+        </p:spPr>
+        <p:style>
+          <a:lnRef idx="0">
+            <a:scrgbClr r="0" g="0" b="0"/>
+          </a:lnRef>
+          <a:fillRef idx="0">
+            <a:scrgbClr r="0" g="0" b="0"/>
+          </a:fillRef>
+          <a:effectRef idx="0">
+            <a:scrgbClr r="0" g="0" b="0"/>
+          </a:effectRef>
+          <a:fontRef idx="minor">
+            <a:schemeClr val="tx1"/>
+          </a:fontRef>
+        </p:style>
+      </p:cxnSp>
+      <p:sp>
+        <p:nvSpPr>
+          <p:cNvPr id="26" name="Oval 25">
+            <a:extLst>
+              <a:ext uri="{FF2B5EF4-FFF2-40B4-BE49-F238E27FC236}">
+                <a16:creationId xmlns:a16="http://schemas.microsoft.com/office/drawing/2014/main" id="{F647ECC8-9DA6-473E-8444-05DEA496FC25}"/>
+              </a:ext>
+            </a:extLst>
+          </p:cNvPr>
+          <p:cNvSpPr/>
+          <p:nvPr/>
+        </p:nvSpPr>
+        <p:spPr>
+          <a:xfrm>
+            <a:off x="4671726" y="1416541"/>
+            <a:ext cx="1968760" cy="1632857"/>
+          </a:xfrm>
+          <a:prstGeom prst="ellipse">
+            <a:avLst/>
+          </a:prstGeom>
+        </p:spPr>
+        <p:style>
+          <a:lnRef idx="2">
+            <a:schemeClr val="accent1">
+              <a:shade val="50000"/>
+            </a:schemeClr>
+          </a:lnRef>
+          <a:fillRef idx="1">
+            <a:schemeClr val="accent1"/>
+          </a:fillRef>
+          <a:effectRef idx="0">
+            <a:schemeClr val="accent1"/>
+          </a:effectRef>
+          <a:fontRef idx="minor">
+            <a:schemeClr val="lt1"/>
+          </a:fontRef>
+        </p:style>
+        <p:txBody>
+          <a:bodyPr rtlCol="0" anchor="ctr"/>
+          <a:lstStyle/>
+          <a:p>
+            <a:pPr algn="ctr"/>
+            <a:r>
+              <a:rPr lang="en-SG" dirty="0"/>
+              <a:t>Global State</a:t>
+            </a:r>
+          </a:p>
+        </p:txBody>
+      </p:sp>
+      <p:sp>
+        <p:nvSpPr>
+          <p:cNvPr id="24" name="TextBox 23">
+            <a:extLst>
+              <a:ext uri="{FF2B5EF4-FFF2-40B4-BE49-F238E27FC236}">
+                <a16:creationId xmlns:a16="http://schemas.microsoft.com/office/drawing/2014/main" id="{98A77D8A-06EF-4A6E-B314-53AE979795E8}"/>
+              </a:ext>
+            </a:extLst>
+          </p:cNvPr>
+          <p:cNvSpPr txBox="1"/>
+          <p:nvPr/>
+        </p:nvSpPr>
+        <p:spPr>
+          <a:xfrm>
+            <a:off x="4745468" y="6398124"/>
+            <a:ext cx="709233" cy="369332"/>
+          </a:xfrm>
+          <a:prstGeom prst="rect">
+            <a:avLst/>
+          </a:prstGeom>
+          <a:noFill/>
+        </p:spPr>
+        <p:txBody>
+          <a:bodyPr wrap="none" rtlCol="0">
+            <a:spAutoFit/>
+          </a:bodyPr>
+          <a:lstStyle/>
+          <a:p>
+            <a:r>
+              <a:rPr lang="en-SG" b="1" dirty="0"/>
+              <a:t>READ</a:t>
+            </a:r>
+          </a:p>
+        </p:txBody>
+      </p:sp>
+      <p:sp>
+        <p:nvSpPr>
+          <p:cNvPr id="28" name="TextBox 27">
+            <a:extLst>
+              <a:ext uri="{FF2B5EF4-FFF2-40B4-BE49-F238E27FC236}">
+                <a16:creationId xmlns:a16="http://schemas.microsoft.com/office/drawing/2014/main" id="{085AE2AF-4257-4498-A6BB-C512E69A8CA3}"/>
+              </a:ext>
+            </a:extLst>
+          </p:cNvPr>
+          <p:cNvSpPr txBox="1"/>
+          <p:nvPr/>
+        </p:nvSpPr>
+        <p:spPr>
+          <a:xfrm>
+            <a:off x="5874009" y="6398124"/>
+            <a:ext cx="811441" cy="369332"/>
+          </a:xfrm>
+          <a:prstGeom prst="rect">
+            <a:avLst/>
+          </a:prstGeom>
+          <a:noFill/>
+        </p:spPr>
+        <p:txBody>
+          <a:bodyPr wrap="none" rtlCol="0">
+            <a:spAutoFit/>
+          </a:bodyPr>
+          <a:lstStyle/>
+          <a:p>
+            <a:r>
+              <a:rPr lang="en-SG" b="1" dirty="0"/>
+              <a:t>WRITE</a:t>
+            </a:r>
+          </a:p>
+        </p:txBody>
+      </p:sp>
+    </p:spTree>
+    <p:extLst>
+      <p:ext uri="{BB962C8B-B14F-4D97-AF65-F5344CB8AC3E}">
+        <p14:creationId xmlns:p14="http://schemas.microsoft.com/office/powerpoint/2010/main" val="3962000753"/>
+      </p:ext>
+    </p:extLst>
+  </p:cSld>
+  <p:clrMapOvr>
+    <a:masterClrMapping/>
+  </p:clrMapOvr>
+</p:sld>
+</file>
+
+<file path=ppt/slides/slide24.xml><?xml version="1.0" encoding="utf-8"?>
+<p:sld xmlns:a="http://schemas.openxmlformats.org/drawingml/2006/main" xmlns:r="http://schemas.openxmlformats.org/officeDocument/2006/relationships" xmlns:p="http://schemas.openxmlformats.org/presentationml/2006/main">
+  <p:cSld>
+    <p:spTree>
+      <p:nvGrpSpPr>
+        <p:cNvPr id="1" name=""/>
+        <p:cNvGrpSpPr/>
+        <p:nvPr/>
+      </p:nvGrpSpPr>
+      <p:grpSpPr>
+        <a:xfrm>
+          <a:off x="0" y="0"/>
+          <a:ext cx="0" cy="0"/>
+          <a:chOff x="0" y="0"/>
+          <a:chExt cx="0" cy="0"/>
+        </a:xfrm>
+      </p:grpSpPr>
+      <p:sp>
+        <p:nvSpPr>
+          <p:cNvPr id="2" name="Title 1">
+            <a:extLst>
+              <a:ext uri="{FF2B5EF4-FFF2-40B4-BE49-F238E27FC236}">
+                <a16:creationId xmlns:a16="http://schemas.microsoft.com/office/drawing/2014/main" id="{A54EDE97-F1CC-42F4-A89B-DB8919C8C5AB}"/>
+              </a:ext>
+            </a:extLst>
+          </p:cNvPr>
+          <p:cNvSpPr>
+            <a:spLocks noGrp="1"/>
+          </p:cNvSpPr>
+          <p:nvPr>
+            <p:ph type="title"/>
+          </p:nvPr>
+        </p:nvSpPr>
+        <p:spPr/>
+        <p:txBody>
+          <a:bodyPr/>
+          <a:lstStyle/>
+          <a:p>
+            <a:r>
+              <a:rPr lang="en-US" dirty="0"/>
+              <a:t>Redux with </a:t>
+            </a:r>
+            <a:r>
+              <a:rPr lang="en-US" dirty="0" err="1"/>
+              <a:t>ngrx</a:t>
+            </a:r>
+            <a:r>
+              <a:rPr lang="en-US" dirty="0"/>
+              <a:t> store</a:t>
+            </a:r>
+            <a:endParaRPr lang="en-SG" dirty="0"/>
+          </a:p>
+        </p:txBody>
+      </p:sp>
+      <p:sp>
+        <p:nvSpPr>
+          <p:cNvPr id="7" name="Rectangle 6">
+            <a:extLst>
+              <a:ext uri="{FF2B5EF4-FFF2-40B4-BE49-F238E27FC236}">
+                <a16:creationId xmlns:a16="http://schemas.microsoft.com/office/drawing/2014/main" id="{AD16B56C-D73C-4622-B309-052CC56F4D75}"/>
+              </a:ext>
+            </a:extLst>
+          </p:cNvPr>
+          <p:cNvSpPr/>
+          <p:nvPr/>
+        </p:nvSpPr>
+        <p:spPr>
+          <a:xfrm>
+            <a:off x="878330" y="5606364"/>
+            <a:ext cx="1694576" cy="855677"/>
+          </a:xfrm>
+          <a:prstGeom prst="rect">
+            <a:avLst/>
+          </a:prstGeom>
+        </p:spPr>
+        <p:style>
+          <a:lnRef idx="2">
+            <a:schemeClr val="accent1">
+              <a:shade val="50000"/>
+            </a:schemeClr>
+          </a:lnRef>
+          <a:fillRef idx="1">
+            <a:schemeClr val="accent1"/>
+          </a:fillRef>
+          <a:effectRef idx="0">
+            <a:schemeClr val="accent1"/>
+          </a:effectRef>
+          <a:fontRef idx="minor">
+            <a:schemeClr val="lt1"/>
+          </a:fontRef>
+        </p:style>
+        <p:txBody>
+          <a:bodyPr rtlCol="0" anchor="ctr"/>
+          <a:lstStyle/>
+          <a:p>
+            <a:pPr algn="ctr"/>
+            <a:r>
+              <a:rPr lang="en-SG" dirty="0"/>
+              <a:t>Component</a:t>
+            </a:r>
+          </a:p>
+        </p:txBody>
+      </p:sp>
+      <p:sp>
+        <p:nvSpPr>
+          <p:cNvPr id="11" name="Rectangle 10">
+            <a:extLst>
+              <a:ext uri="{FF2B5EF4-FFF2-40B4-BE49-F238E27FC236}">
+                <a16:creationId xmlns:a16="http://schemas.microsoft.com/office/drawing/2014/main" id="{34315048-B98E-4B36-9EFB-80C5D4E2136C}"/>
+              </a:ext>
+            </a:extLst>
+          </p:cNvPr>
+          <p:cNvSpPr/>
+          <p:nvPr/>
+        </p:nvSpPr>
+        <p:spPr>
+          <a:xfrm>
+            <a:off x="2913319" y="5629012"/>
+            <a:ext cx="1694576" cy="855677"/>
+          </a:xfrm>
+          <a:prstGeom prst="rect">
+            <a:avLst/>
+          </a:prstGeom>
+        </p:spPr>
+        <p:style>
+          <a:lnRef idx="2">
+            <a:schemeClr val="accent1">
+              <a:shade val="50000"/>
+            </a:schemeClr>
+          </a:lnRef>
+          <a:fillRef idx="1">
+            <a:schemeClr val="accent1"/>
+          </a:fillRef>
+          <a:effectRef idx="0">
+            <a:schemeClr val="accent1"/>
+          </a:effectRef>
+          <a:fontRef idx="minor">
+            <a:schemeClr val="lt1"/>
+          </a:fontRef>
+        </p:style>
+        <p:txBody>
+          <a:bodyPr rtlCol="0" anchor="ctr"/>
+          <a:lstStyle/>
+          <a:p>
+            <a:pPr algn="ctr"/>
+            <a:r>
+              <a:rPr lang="en-SG" dirty="0"/>
+              <a:t>Component</a:t>
+            </a:r>
+          </a:p>
+        </p:txBody>
+      </p:sp>
+      <p:cxnSp>
+        <p:nvCxnSpPr>
+          <p:cNvPr id="13" name="Straight Arrow Connector 12">
+            <a:extLst>
+              <a:ext uri="{FF2B5EF4-FFF2-40B4-BE49-F238E27FC236}">
+                <a16:creationId xmlns:a16="http://schemas.microsoft.com/office/drawing/2014/main" id="{C932641E-CFE0-42DA-8237-0D255451AE1C}"/>
+              </a:ext>
+            </a:extLst>
+          </p:cNvPr>
+          <p:cNvCxnSpPr>
+            <a:cxnSpLocks/>
+          </p:cNvCxnSpPr>
+          <p:nvPr/>
+        </p:nvCxnSpPr>
+        <p:spPr>
+          <a:xfrm flipH="1">
+            <a:off x="4001723" y="3022078"/>
+            <a:ext cx="1007694" cy="2413988"/>
+          </a:xfrm>
+          <a:prstGeom prst="straightConnector1">
+            <a:avLst/>
+          </a:prstGeom>
+          <a:ln>
+            <a:tailEnd type="triangle"/>
+          </a:ln>
+        </p:spPr>
+        <p:style>
+          <a:lnRef idx="1">
+            <a:schemeClr val="accent1"/>
+          </a:lnRef>
+          <a:fillRef idx="0">
+            <a:schemeClr val="accent1"/>
+          </a:fillRef>
+          <a:effectRef idx="0">
+            <a:schemeClr val="accent1"/>
+          </a:effectRef>
+          <a:fontRef idx="minor">
+            <a:schemeClr val="tx1"/>
+          </a:fontRef>
+        </p:style>
+      </p:cxnSp>
+      <p:cxnSp>
+        <p:nvCxnSpPr>
+          <p:cNvPr id="15" name="Straight Arrow Connector 14">
+            <a:extLst>
+              <a:ext uri="{FF2B5EF4-FFF2-40B4-BE49-F238E27FC236}">
+                <a16:creationId xmlns:a16="http://schemas.microsoft.com/office/drawing/2014/main" id="{0E3C3D48-5BC2-4E04-A469-B474BD3E8B18}"/>
+              </a:ext>
+            </a:extLst>
+          </p:cNvPr>
+          <p:cNvCxnSpPr>
+            <a:cxnSpLocks/>
+          </p:cNvCxnSpPr>
+          <p:nvPr/>
+        </p:nvCxnSpPr>
+        <p:spPr>
+          <a:xfrm flipH="1">
+            <a:off x="1921079" y="2774811"/>
+            <a:ext cx="2709188" cy="2661255"/>
+          </a:xfrm>
+          <a:prstGeom prst="straightConnector1">
+            <a:avLst/>
+          </a:prstGeom>
+          <a:ln>
+            <a:tailEnd type="triangle"/>
+          </a:ln>
+        </p:spPr>
+        <p:style>
+          <a:lnRef idx="1">
+            <a:schemeClr val="accent1"/>
+          </a:lnRef>
+          <a:fillRef idx="0">
+            <a:schemeClr val="accent1"/>
+          </a:fillRef>
+          <a:effectRef idx="0">
+            <a:schemeClr val="accent1"/>
+          </a:effectRef>
+          <a:fontRef idx="minor">
+            <a:schemeClr val="tx1"/>
+          </a:fontRef>
+        </p:style>
+      </p:cxnSp>
+      <p:sp>
+        <p:nvSpPr>
+          <p:cNvPr id="16" name="TextBox 15">
+            <a:extLst>
+              <a:ext uri="{FF2B5EF4-FFF2-40B4-BE49-F238E27FC236}">
+                <a16:creationId xmlns:a16="http://schemas.microsoft.com/office/drawing/2014/main" id="{10BF77A2-09AB-4273-B901-B470BC2095A5}"/>
+              </a:ext>
+            </a:extLst>
+          </p:cNvPr>
+          <p:cNvSpPr txBox="1"/>
+          <p:nvPr/>
+        </p:nvSpPr>
+        <p:spPr>
+          <a:xfrm>
+            <a:off x="1541929" y="3385694"/>
+            <a:ext cx="2157450" cy="369332"/>
+          </a:xfrm>
+          <a:prstGeom prst="rect">
+            <a:avLst/>
+          </a:prstGeom>
+          <a:noFill/>
+        </p:spPr>
+        <p:txBody>
+          <a:bodyPr wrap="none" rtlCol="0">
+            <a:spAutoFit/>
+          </a:bodyPr>
+          <a:lstStyle/>
+          <a:p>
+            <a:r>
+              <a:rPr lang="en-SG" dirty="0"/>
+              <a:t>Subscribe to changes</a:t>
+            </a:r>
+          </a:p>
+        </p:txBody>
+      </p:sp>
+      <p:sp>
+        <p:nvSpPr>
+          <p:cNvPr id="18" name="Rectangle 17">
+            <a:extLst>
+              <a:ext uri="{FF2B5EF4-FFF2-40B4-BE49-F238E27FC236}">
+                <a16:creationId xmlns:a16="http://schemas.microsoft.com/office/drawing/2014/main" id="{00E96D8F-F836-4232-A3C2-5D63A5AAE434}"/>
+              </a:ext>
+            </a:extLst>
+          </p:cNvPr>
+          <p:cNvSpPr/>
+          <p:nvPr/>
+        </p:nvSpPr>
+        <p:spPr>
+          <a:xfrm>
+            <a:off x="7714794" y="5575165"/>
+            <a:ext cx="1940653" cy="963369"/>
+          </a:xfrm>
+          <a:prstGeom prst="rect">
+            <a:avLst/>
+          </a:prstGeom>
+        </p:spPr>
+        <p:style>
+          <a:lnRef idx="2">
+            <a:schemeClr val="accent2">
+              <a:shade val="50000"/>
+            </a:schemeClr>
+          </a:lnRef>
+          <a:fillRef idx="1">
+            <a:schemeClr val="accent2"/>
+          </a:fillRef>
+          <a:effectRef idx="0">
+            <a:schemeClr val="accent2"/>
+          </a:effectRef>
+          <a:fontRef idx="minor">
+            <a:schemeClr val="lt1"/>
+          </a:fontRef>
+        </p:style>
+        <p:txBody>
+          <a:bodyPr rtlCol="0" anchor="ctr"/>
+          <a:lstStyle/>
+          <a:p>
+            <a:pPr algn="ctr"/>
+            <a:r>
+              <a:rPr lang="en-SG" dirty="0"/>
+              <a:t>Container</a:t>
+            </a:r>
+          </a:p>
+        </p:txBody>
+      </p:sp>
+      <p:sp>
+        <p:nvSpPr>
+          <p:cNvPr id="19" name="Rectangle 18">
+            <a:extLst>
+              <a:ext uri="{FF2B5EF4-FFF2-40B4-BE49-F238E27FC236}">
+                <a16:creationId xmlns:a16="http://schemas.microsoft.com/office/drawing/2014/main" id="{A4C2D97A-84B0-4F23-B238-1E190189CA2C}"/>
+              </a:ext>
+            </a:extLst>
+          </p:cNvPr>
+          <p:cNvSpPr/>
+          <p:nvPr/>
+        </p:nvSpPr>
+        <p:spPr>
+          <a:xfrm>
+            <a:off x="9055417" y="1570884"/>
+            <a:ext cx="1990047" cy="1075264"/>
+          </a:xfrm>
+          <a:prstGeom prst="rect">
+            <a:avLst/>
+          </a:prstGeom>
+        </p:spPr>
+        <p:style>
+          <a:lnRef idx="2">
+            <a:schemeClr val="accent2">
+              <a:shade val="50000"/>
+            </a:schemeClr>
+          </a:lnRef>
+          <a:fillRef idx="1">
+            <a:schemeClr val="accent2"/>
+          </a:fillRef>
+          <a:effectRef idx="0">
+            <a:schemeClr val="accent2"/>
+          </a:effectRef>
+          <a:fontRef idx="minor">
+            <a:schemeClr val="lt1"/>
+          </a:fontRef>
+        </p:style>
+        <p:txBody>
+          <a:bodyPr rtlCol="0" anchor="ctr"/>
+          <a:lstStyle/>
+          <a:p>
+            <a:pPr algn="ctr"/>
+            <a:r>
+              <a:rPr lang="en-SG" dirty="0"/>
+              <a:t>Effects</a:t>
+            </a:r>
+          </a:p>
+        </p:txBody>
+      </p:sp>
+      <p:sp>
+        <p:nvSpPr>
+          <p:cNvPr id="20" name="Flowchart: Magnetic Disk 19">
+            <a:extLst>
+              <a:ext uri="{FF2B5EF4-FFF2-40B4-BE49-F238E27FC236}">
+                <a16:creationId xmlns:a16="http://schemas.microsoft.com/office/drawing/2014/main" id="{B3F7B1DE-F898-4E36-AA75-1ADCD1616055}"/>
+              </a:ext>
+            </a:extLst>
+          </p:cNvPr>
+          <p:cNvSpPr/>
+          <p:nvPr/>
+        </p:nvSpPr>
+        <p:spPr>
+          <a:xfrm>
+            <a:off x="7246443" y="3549617"/>
+            <a:ext cx="534664" cy="855677"/>
+          </a:xfrm>
+          <a:prstGeom prst="flowChartMagneticDisk">
+            <a:avLst/>
+          </a:prstGeom>
+        </p:spPr>
+        <p:style>
+          <a:lnRef idx="2">
+            <a:schemeClr val="accent1">
+              <a:shade val="50000"/>
+            </a:schemeClr>
+          </a:lnRef>
+          <a:fillRef idx="1">
+            <a:schemeClr val="accent1"/>
+          </a:fillRef>
+          <a:effectRef idx="0">
+            <a:schemeClr val="accent1"/>
+          </a:effectRef>
+          <a:fontRef idx="minor">
+            <a:schemeClr val="lt1"/>
+          </a:fontRef>
+        </p:style>
+        <p:txBody>
+          <a:bodyPr rtlCol="0" anchor="ctr"/>
+          <a:lstStyle/>
+          <a:p>
+            <a:pPr algn="ctr"/>
+            <a:endParaRPr lang="en-SG" dirty="0"/>
+          </a:p>
+        </p:txBody>
+      </p:sp>
+      <p:sp>
+        <p:nvSpPr>
+          <p:cNvPr id="21" name="TextBox 20">
+            <a:extLst>
+              <a:ext uri="{FF2B5EF4-FFF2-40B4-BE49-F238E27FC236}">
+                <a16:creationId xmlns:a16="http://schemas.microsoft.com/office/drawing/2014/main" id="{F1043EBE-FD28-4A12-8468-50F4DF72DBC1}"/>
+              </a:ext>
+            </a:extLst>
+          </p:cNvPr>
+          <p:cNvSpPr txBox="1"/>
+          <p:nvPr/>
+        </p:nvSpPr>
+        <p:spPr>
+          <a:xfrm>
+            <a:off x="7910818" y="3736106"/>
+            <a:ext cx="878767" cy="369332"/>
+          </a:xfrm>
+          <a:prstGeom prst="rect">
+            <a:avLst/>
+          </a:prstGeom>
+          <a:noFill/>
+        </p:spPr>
+        <p:txBody>
+          <a:bodyPr wrap="none" rtlCol="0">
+            <a:spAutoFit/>
+          </a:bodyPr>
+          <a:lstStyle/>
+          <a:p>
+            <a:r>
+              <a:rPr lang="en-SG" dirty="0"/>
+              <a:t>Actions</a:t>
+            </a:r>
+          </a:p>
+        </p:txBody>
+      </p:sp>
+      <p:cxnSp>
+        <p:nvCxnSpPr>
+          <p:cNvPr id="23" name="Straight Arrow Connector 22">
+            <a:extLst>
+              <a:ext uri="{FF2B5EF4-FFF2-40B4-BE49-F238E27FC236}">
+                <a16:creationId xmlns:a16="http://schemas.microsoft.com/office/drawing/2014/main" id="{A4D47A94-F210-45D3-BA7F-5EC56A94F360}"/>
+              </a:ext>
+            </a:extLst>
+          </p:cNvPr>
+          <p:cNvCxnSpPr>
+            <a:cxnSpLocks/>
+          </p:cNvCxnSpPr>
+          <p:nvPr/>
+        </p:nvCxnSpPr>
+        <p:spPr>
+          <a:xfrm flipH="1" flipV="1">
+            <a:off x="7513775" y="4521412"/>
+            <a:ext cx="397043" cy="753897"/>
+          </a:xfrm>
+          <a:prstGeom prst="straightConnector1">
+            <a:avLst/>
+          </a:prstGeom>
+          <a:ln>
+            <a:tailEnd type="triangle"/>
+          </a:ln>
+        </p:spPr>
+        <p:style>
+          <a:lnRef idx="1">
+            <a:schemeClr val="accent1"/>
+          </a:lnRef>
+          <a:fillRef idx="0">
+            <a:schemeClr val="accent1"/>
+          </a:fillRef>
+          <a:effectRef idx="0">
+            <a:schemeClr val="accent1"/>
+          </a:effectRef>
+          <a:fontRef idx="minor">
+            <a:schemeClr val="tx1"/>
+          </a:fontRef>
+        </p:style>
+      </p:cxnSp>
+      <p:cxnSp>
+        <p:nvCxnSpPr>
+          <p:cNvPr id="25" name="Straight Arrow Connector 24">
+            <a:extLst>
+              <a:ext uri="{FF2B5EF4-FFF2-40B4-BE49-F238E27FC236}">
+                <a16:creationId xmlns:a16="http://schemas.microsoft.com/office/drawing/2014/main" id="{7F96647E-2757-4E0A-9C69-E12F5E4282B9}"/>
+              </a:ext>
+            </a:extLst>
+          </p:cNvPr>
+          <p:cNvCxnSpPr>
+            <a:cxnSpLocks/>
+          </p:cNvCxnSpPr>
+          <p:nvPr/>
+        </p:nvCxnSpPr>
+        <p:spPr>
+          <a:xfrm flipH="1" flipV="1">
+            <a:off x="6518247" y="2801924"/>
+            <a:ext cx="728196" cy="747693"/>
+          </a:xfrm>
+          <a:prstGeom prst="straightConnector1">
+            <a:avLst/>
+          </a:prstGeom>
+          <a:ln>
+            <a:tailEnd type="triangle"/>
+          </a:ln>
+        </p:spPr>
+        <p:style>
+          <a:lnRef idx="1">
+            <a:schemeClr val="accent1"/>
+          </a:lnRef>
+          <a:fillRef idx="0">
+            <a:schemeClr val="accent1"/>
+          </a:fillRef>
+          <a:effectRef idx="0">
+            <a:schemeClr val="accent1"/>
+          </a:effectRef>
+          <a:fontRef idx="minor">
+            <a:schemeClr val="tx1"/>
+          </a:fontRef>
+        </p:style>
+      </p:cxnSp>
+      <p:cxnSp>
+        <p:nvCxnSpPr>
+          <p:cNvPr id="27" name="Straight Arrow Connector 26">
+            <a:extLst>
+              <a:ext uri="{FF2B5EF4-FFF2-40B4-BE49-F238E27FC236}">
+                <a16:creationId xmlns:a16="http://schemas.microsoft.com/office/drawing/2014/main" id="{4FB83757-4E00-4B7C-92BB-BD2498F6EC5C}"/>
+              </a:ext>
+            </a:extLst>
+          </p:cNvPr>
+          <p:cNvCxnSpPr>
+            <a:cxnSpLocks/>
+          </p:cNvCxnSpPr>
+          <p:nvPr/>
+        </p:nvCxnSpPr>
+        <p:spPr>
+          <a:xfrm flipV="1">
+            <a:off x="7910818" y="2801924"/>
+            <a:ext cx="878767" cy="810074"/>
+          </a:xfrm>
+          <a:prstGeom prst="straightConnector1">
+            <a:avLst/>
+          </a:prstGeom>
+          <a:ln>
+            <a:headEnd type="arrow" w="med" len="med"/>
+            <a:tailEnd type="arrow" w="med" len="med"/>
+          </a:ln>
+        </p:spPr>
+        <p:style>
+          <a:lnRef idx="3">
+            <a:schemeClr val="accent5"/>
+          </a:lnRef>
+          <a:fillRef idx="0">
+            <a:schemeClr val="accent5"/>
+          </a:fillRef>
+          <a:effectRef idx="2">
+            <a:schemeClr val="accent5"/>
+          </a:effectRef>
+          <a:fontRef idx="minor">
+            <a:schemeClr val="tx1"/>
+          </a:fontRef>
+        </p:style>
+      </p:cxnSp>
+      <p:cxnSp>
+        <p:nvCxnSpPr>
+          <p:cNvPr id="22" name="Straight Connector 21">
+            <a:extLst>
+              <a:ext uri="{FF2B5EF4-FFF2-40B4-BE49-F238E27FC236}">
+                <a16:creationId xmlns:a16="http://schemas.microsoft.com/office/drawing/2014/main" id="{492D3A4D-CA79-447B-97CC-8CC5946D6EE6}"/>
+              </a:ext>
+            </a:extLst>
+          </p:cNvPr>
+          <p:cNvCxnSpPr/>
+          <p:nvPr/>
+        </p:nvCxnSpPr>
+        <p:spPr>
+          <a:xfrm>
+            <a:off x="5656106" y="1300294"/>
+            <a:ext cx="0" cy="5327009"/>
+          </a:xfrm>
+          <a:prstGeom prst="line">
+            <a:avLst/>
+          </a:prstGeom>
+          <a:ln w="9525" cap="flat" cmpd="sng" algn="ctr">
+            <a:solidFill>
+              <a:schemeClr val="dk1"/>
+            </a:solidFill>
+            <a:prstDash val="dash"/>
+            <a:round/>
+            <a:headEnd type="none" w="med" len="med"/>
+            <a:tailEnd type="none" w="med" len="med"/>
+          </a:ln>
+        </p:spPr>
+        <p:style>
+          <a:lnRef idx="0">
+            <a:scrgbClr r="0" g="0" b="0"/>
+          </a:lnRef>
+          <a:fillRef idx="0">
+            <a:scrgbClr r="0" g="0" b="0"/>
+          </a:fillRef>
+          <a:effectRef idx="0">
+            <a:scrgbClr r="0" g="0" b="0"/>
+          </a:effectRef>
+          <a:fontRef idx="minor">
+            <a:schemeClr val="tx1"/>
+          </a:fontRef>
+        </p:style>
+      </p:cxnSp>
+      <p:sp>
+        <p:nvSpPr>
+          <p:cNvPr id="26" name="Oval 25">
+            <a:extLst>
+              <a:ext uri="{FF2B5EF4-FFF2-40B4-BE49-F238E27FC236}">
+                <a16:creationId xmlns:a16="http://schemas.microsoft.com/office/drawing/2014/main" id="{F647ECC8-9DA6-473E-8444-05DEA496FC25}"/>
+              </a:ext>
+            </a:extLst>
+          </p:cNvPr>
+          <p:cNvSpPr/>
+          <p:nvPr/>
+        </p:nvSpPr>
+        <p:spPr>
+          <a:xfrm>
+            <a:off x="4671726" y="1416541"/>
+            <a:ext cx="1968760" cy="1632857"/>
+          </a:xfrm>
+          <a:prstGeom prst="ellipse">
+            <a:avLst/>
+          </a:prstGeom>
+        </p:spPr>
+        <p:style>
+          <a:lnRef idx="2">
+            <a:schemeClr val="accent1">
+              <a:shade val="50000"/>
+            </a:schemeClr>
+          </a:lnRef>
+          <a:fillRef idx="1">
+            <a:schemeClr val="accent1"/>
+          </a:fillRef>
+          <a:effectRef idx="0">
+            <a:schemeClr val="accent1"/>
+          </a:effectRef>
+          <a:fontRef idx="minor">
+            <a:schemeClr val="lt1"/>
+          </a:fontRef>
+        </p:style>
+        <p:txBody>
+          <a:bodyPr rtlCol="0" anchor="ctr"/>
+          <a:lstStyle/>
+          <a:p>
+            <a:pPr algn="ctr"/>
+            <a:r>
+              <a:rPr lang="en-SG" dirty="0"/>
+              <a:t>Global State</a:t>
+            </a:r>
+          </a:p>
+        </p:txBody>
+      </p:sp>
+      <p:sp>
+        <p:nvSpPr>
+          <p:cNvPr id="24" name="TextBox 23">
+            <a:extLst>
+              <a:ext uri="{FF2B5EF4-FFF2-40B4-BE49-F238E27FC236}">
+                <a16:creationId xmlns:a16="http://schemas.microsoft.com/office/drawing/2014/main" id="{98A77D8A-06EF-4A6E-B314-53AE979795E8}"/>
+              </a:ext>
+            </a:extLst>
+          </p:cNvPr>
+          <p:cNvSpPr txBox="1"/>
+          <p:nvPr/>
+        </p:nvSpPr>
+        <p:spPr>
+          <a:xfrm>
+            <a:off x="4745468" y="6398124"/>
+            <a:ext cx="709233" cy="369332"/>
+          </a:xfrm>
+          <a:prstGeom prst="rect">
+            <a:avLst/>
+          </a:prstGeom>
+          <a:noFill/>
+        </p:spPr>
+        <p:txBody>
+          <a:bodyPr wrap="none" rtlCol="0">
+            <a:spAutoFit/>
+          </a:bodyPr>
+          <a:lstStyle/>
+          <a:p>
+            <a:r>
+              <a:rPr lang="en-SG" b="1" dirty="0"/>
+              <a:t>READ</a:t>
+            </a:r>
+          </a:p>
+        </p:txBody>
+      </p:sp>
+      <p:sp>
+        <p:nvSpPr>
+          <p:cNvPr id="28" name="TextBox 27">
+            <a:extLst>
+              <a:ext uri="{FF2B5EF4-FFF2-40B4-BE49-F238E27FC236}">
+                <a16:creationId xmlns:a16="http://schemas.microsoft.com/office/drawing/2014/main" id="{085AE2AF-4257-4498-A6BB-C512E69A8CA3}"/>
+              </a:ext>
+            </a:extLst>
+          </p:cNvPr>
+          <p:cNvSpPr txBox="1"/>
+          <p:nvPr/>
+        </p:nvSpPr>
+        <p:spPr>
+          <a:xfrm>
+            <a:off x="5874009" y="6398124"/>
+            <a:ext cx="811441" cy="369332"/>
+          </a:xfrm>
+          <a:prstGeom prst="rect">
+            <a:avLst/>
+          </a:prstGeom>
+          <a:noFill/>
+        </p:spPr>
+        <p:txBody>
+          <a:bodyPr wrap="none" rtlCol="0">
+            <a:spAutoFit/>
+          </a:bodyPr>
+          <a:lstStyle/>
+          <a:p>
+            <a:r>
+              <a:rPr lang="en-SG" b="1" dirty="0"/>
+              <a:t>WRITE</a:t>
+            </a:r>
+          </a:p>
+        </p:txBody>
+      </p:sp>
+      <p:pic>
+        <p:nvPicPr>
+          <p:cNvPr id="29" name="Picture 28">
+            <a:extLst>
+              <a:ext uri="{FF2B5EF4-FFF2-40B4-BE49-F238E27FC236}">
+                <a16:creationId xmlns:a16="http://schemas.microsoft.com/office/drawing/2014/main" id="{FFD281FD-2378-4677-B1D0-5E2E02592B16}"/>
+              </a:ext>
+            </a:extLst>
+          </p:cNvPr>
+          <p:cNvPicPr>
+            <a:picLocks noChangeAspect="1"/>
+          </p:cNvPicPr>
+          <p:nvPr/>
+        </p:nvPicPr>
+        <p:blipFill>
+          <a:blip r:embed="rId2"/>
+          <a:stretch>
+            <a:fillRect/>
+          </a:stretch>
+        </p:blipFill>
+        <p:spPr>
+          <a:xfrm>
+            <a:off x="4759978" y="1354351"/>
+            <a:ext cx="2105642" cy="1791163"/>
+          </a:xfrm>
+          <a:prstGeom prst="rect">
+            <a:avLst/>
+          </a:prstGeom>
+        </p:spPr>
+      </p:pic>
+      <p:pic>
+        <p:nvPicPr>
+          <p:cNvPr id="30" name="Picture 29">
+            <a:extLst>
+              <a:ext uri="{FF2B5EF4-FFF2-40B4-BE49-F238E27FC236}">
+                <a16:creationId xmlns:a16="http://schemas.microsoft.com/office/drawing/2014/main" id="{B5578186-73FD-4C57-B3F9-1846501BF251}"/>
+              </a:ext>
+            </a:extLst>
+          </p:cNvPr>
+          <p:cNvPicPr>
+            <a:picLocks noChangeAspect="1"/>
+          </p:cNvPicPr>
+          <p:nvPr/>
+        </p:nvPicPr>
+        <p:blipFill>
+          <a:blip r:embed="rId3"/>
+          <a:stretch>
+            <a:fillRect/>
+          </a:stretch>
+        </p:blipFill>
+        <p:spPr>
+          <a:xfrm>
+            <a:off x="8007315" y="965033"/>
+            <a:ext cx="4086249" cy="1681115"/>
+          </a:xfrm>
+          <a:prstGeom prst="rect">
+            <a:avLst/>
+          </a:prstGeom>
+        </p:spPr>
+      </p:pic>
+      <p:pic>
+        <p:nvPicPr>
+          <p:cNvPr id="31" name="Picture 30">
+            <a:extLst>
+              <a:ext uri="{FF2B5EF4-FFF2-40B4-BE49-F238E27FC236}">
+                <a16:creationId xmlns:a16="http://schemas.microsoft.com/office/drawing/2014/main" id="{D4A37840-640E-45B1-AE55-9095B63494A7}"/>
+              </a:ext>
+            </a:extLst>
+          </p:cNvPr>
+          <p:cNvPicPr>
+            <a:picLocks noChangeAspect="1"/>
+          </p:cNvPicPr>
+          <p:nvPr/>
+        </p:nvPicPr>
+        <p:blipFill>
+          <a:blip r:embed="rId4"/>
+          <a:stretch>
+            <a:fillRect/>
+          </a:stretch>
+        </p:blipFill>
+        <p:spPr>
+          <a:xfrm>
+            <a:off x="882948" y="3920774"/>
+            <a:ext cx="5015055" cy="920028"/>
+          </a:xfrm>
+          <a:prstGeom prst="rect">
+            <a:avLst/>
+          </a:prstGeom>
+        </p:spPr>
+      </p:pic>
+      <p:pic>
+        <p:nvPicPr>
+          <p:cNvPr id="32" name="Picture 31">
+            <a:extLst>
+              <a:ext uri="{FF2B5EF4-FFF2-40B4-BE49-F238E27FC236}">
+                <a16:creationId xmlns:a16="http://schemas.microsoft.com/office/drawing/2014/main" id="{F85099AF-43B5-40E6-87B1-9E193D26B631}"/>
+              </a:ext>
+            </a:extLst>
+          </p:cNvPr>
+          <p:cNvPicPr>
+            <a:picLocks noChangeAspect="1"/>
+          </p:cNvPicPr>
+          <p:nvPr/>
+        </p:nvPicPr>
+        <p:blipFill>
+          <a:blip r:embed="rId5"/>
+          <a:stretch>
+            <a:fillRect/>
+          </a:stretch>
+        </p:blipFill>
+        <p:spPr>
+          <a:xfrm>
+            <a:off x="6492834" y="3468872"/>
+            <a:ext cx="2562583" cy="1485962"/>
+          </a:xfrm>
+          <a:prstGeom prst="rect">
+            <a:avLst/>
+          </a:prstGeom>
+        </p:spPr>
+      </p:pic>
+      <p:pic>
+        <p:nvPicPr>
+          <p:cNvPr id="33" name="Picture 32">
+            <a:extLst>
+              <a:ext uri="{FF2B5EF4-FFF2-40B4-BE49-F238E27FC236}">
+                <a16:creationId xmlns:a16="http://schemas.microsoft.com/office/drawing/2014/main" id="{D37A184B-C791-4274-A197-74A52E94CED0}"/>
+              </a:ext>
+            </a:extLst>
+          </p:cNvPr>
+          <p:cNvPicPr>
+            <a:picLocks noChangeAspect="1"/>
+          </p:cNvPicPr>
+          <p:nvPr/>
+        </p:nvPicPr>
+        <p:blipFill>
+          <a:blip r:embed="rId6"/>
+          <a:stretch>
+            <a:fillRect/>
+          </a:stretch>
+        </p:blipFill>
+        <p:spPr>
+          <a:xfrm>
+            <a:off x="960071" y="4831320"/>
+            <a:ext cx="4937932" cy="490576"/>
+          </a:xfrm>
+          <a:prstGeom prst="rect">
+            <a:avLst/>
+          </a:prstGeom>
+        </p:spPr>
+      </p:pic>
+      <p:pic>
+        <p:nvPicPr>
+          <p:cNvPr id="3" name="Picture 2">
+            <a:extLst>
+              <a:ext uri="{FF2B5EF4-FFF2-40B4-BE49-F238E27FC236}">
+                <a16:creationId xmlns:a16="http://schemas.microsoft.com/office/drawing/2014/main" id="{A539A3C0-E77D-4130-B073-300F5BF6FE48}"/>
+              </a:ext>
+            </a:extLst>
+          </p:cNvPr>
+          <p:cNvPicPr>
+            <a:picLocks noChangeAspect="1"/>
+          </p:cNvPicPr>
+          <p:nvPr/>
+        </p:nvPicPr>
+        <p:blipFill>
+          <a:blip r:embed="rId7"/>
+          <a:stretch>
+            <a:fillRect/>
+          </a:stretch>
+        </p:blipFill>
+        <p:spPr>
+          <a:xfrm>
+            <a:off x="1354952" y="5749170"/>
+            <a:ext cx="742421" cy="733345"/>
+          </a:xfrm>
+          <a:prstGeom prst="rect">
+            <a:avLst/>
+          </a:prstGeom>
+        </p:spPr>
+      </p:pic>
+      <p:pic>
+        <p:nvPicPr>
+          <p:cNvPr id="34" name="Picture 33">
+            <a:extLst>
+              <a:ext uri="{FF2B5EF4-FFF2-40B4-BE49-F238E27FC236}">
+                <a16:creationId xmlns:a16="http://schemas.microsoft.com/office/drawing/2014/main" id="{D33B2741-F894-4AC5-8ABD-5412C56EF54E}"/>
+              </a:ext>
+            </a:extLst>
+          </p:cNvPr>
+          <p:cNvPicPr>
+            <a:picLocks noChangeAspect="1"/>
+          </p:cNvPicPr>
+          <p:nvPr/>
+        </p:nvPicPr>
+        <p:blipFill>
+          <a:blip r:embed="rId7"/>
+          <a:stretch>
+            <a:fillRect/>
+          </a:stretch>
+        </p:blipFill>
+        <p:spPr>
+          <a:xfrm>
+            <a:off x="3377299" y="5752537"/>
+            <a:ext cx="742421" cy="733345"/>
+          </a:xfrm>
+          <a:prstGeom prst="rect">
+            <a:avLst/>
+          </a:prstGeom>
+        </p:spPr>
+      </p:pic>
+      <p:pic>
+        <p:nvPicPr>
+          <p:cNvPr id="35" name="Picture 34">
+            <a:extLst>
+              <a:ext uri="{FF2B5EF4-FFF2-40B4-BE49-F238E27FC236}">
+                <a16:creationId xmlns:a16="http://schemas.microsoft.com/office/drawing/2014/main" id="{3303EC14-1B57-4BC9-B3D2-E208C101800F}"/>
+              </a:ext>
+            </a:extLst>
+          </p:cNvPr>
+          <p:cNvPicPr>
+            <a:picLocks noChangeAspect="1"/>
+          </p:cNvPicPr>
+          <p:nvPr/>
+        </p:nvPicPr>
+        <p:blipFill>
+          <a:blip r:embed="rId7"/>
+          <a:stretch>
+            <a:fillRect/>
+          </a:stretch>
+        </p:blipFill>
+        <p:spPr>
+          <a:xfrm>
+            <a:off x="8418374" y="5777558"/>
+            <a:ext cx="742421" cy="733345"/>
+          </a:xfrm>
+          <a:prstGeom prst="rect">
+            <a:avLst/>
+          </a:prstGeom>
+        </p:spPr>
+      </p:pic>
+    </p:spTree>
+    <p:extLst>
+      <p:ext uri="{BB962C8B-B14F-4D97-AF65-F5344CB8AC3E}">
+        <p14:creationId xmlns:p14="http://schemas.microsoft.com/office/powerpoint/2010/main" val="1391668745"/>
+      </p:ext>
+    </p:extLst>
+  </p:cSld>
+  <p:clrMapOvr>
+    <a:masterClrMapping/>
+  </p:clrMapOvr>
+  <p:timing>
+    <p:tnLst>
+      <p:par>
+        <p:cTn id="1" dur="indefinite" restart="never" nodeType="tmRoot">
+          <p:childTnLst>
+            <p:seq concurrent="1" nextAc="seek">
+              <p:cTn id="2" dur="indefinite" nodeType="mainSeq">
+                <p:childTnLst>
+                  <p:par>
+                    <p:cTn id="3" fill="hold">
+                      <p:stCondLst>
+                        <p:cond delay="indefinite"/>
+                        <p:cond evt="onBegin" delay="0">
+                          <p:tn val="2"/>
+                        </p:cond>
+                      </p:stCondLst>
+                      <p:childTnLst>
+                        <p:par>
+                          <p:cTn id="4" fill="hold">
+                            <p:stCondLst>
+                              <p:cond delay="0"/>
+                            </p:stCondLst>
+                            <p:childTnLst>
+                              <p:par>
+                                <p:cTn id="5" presetID="1" presetClass="entr" presetSubtype="0" fill="hold" nodeType="withEffect">
+                                  <p:stCondLst>
+                                    <p:cond delay="0"/>
+                                  </p:stCondLst>
+                                  <p:childTnLst>
+                                    <p:set>
+                                      <p:cBhvr>
+                                        <p:cTn id="6" dur="1" fill="hold">
+                                          <p:stCondLst>
+                                            <p:cond delay="0"/>
+                                          </p:stCondLst>
+                                        </p:cTn>
+                                        <p:tgtEl>
+                                          <p:spTgt spid="32"/>
+                                        </p:tgtEl>
+                                        <p:attrNameLst>
+                                          <p:attrName>style.visibility</p:attrName>
+                                        </p:attrNameLst>
+                                      </p:cBhvr>
+                                      <p:to>
+                                        <p:strVal val="visible"/>
+                                      </p:to>
+                                    </p:set>
+                                  </p:childTnLst>
+                                </p:cTn>
+                              </p:par>
+                            </p:childTnLst>
+                          </p:cTn>
+                        </p:par>
+                      </p:childTnLst>
+                    </p:cTn>
+                  </p:par>
+                </p:childTnLst>
+              </p:cTn>
+              <p:prevCondLst>
+                <p:cond evt="onPrev" delay="0">
+                  <p:tgtEl>
+                    <p:sldTgt/>
+                  </p:tgtEl>
+                </p:cond>
+              </p:prevCondLst>
+              <p:nextCondLst>
+                <p:cond evt="onNext" delay="0">
+                  <p:tgtEl>
+                    <p:sldTgt/>
+                  </p:tgtEl>
+                </p:cond>
+              </p:nextCondLst>
+            </p:seq>
+          </p:childTnLst>
+        </p:cTn>
+      </p:par>
+    </p:tnLst>
+  </p:timing>
+</p:sld>
+</file>
+
+<file path=ppt/slides/slide25.xml><?xml version="1.0" encoding="utf-8"?>
+<p:sld xmlns:a="http://schemas.openxmlformats.org/drawingml/2006/main" xmlns:r="http://schemas.openxmlformats.org/officeDocument/2006/relationships" xmlns:p="http://schemas.openxmlformats.org/presentationml/2006/main">
+  <p:cSld>
+    <p:spTree>
+      <p:nvGrpSpPr>
+        <p:cNvPr id="1" name=""/>
+        <p:cNvGrpSpPr/>
+        <p:nvPr/>
+      </p:nvGrpSpPr>
+      <p:grpSpPr>
+        <a:xfrm>
+          <a:off x="0" y="0"/>
+          <a:ext cx="0" cy="0"/>
+          <a:chOff x="0" y="0"/>
+          <a:chExt cx="0" cy="0"/>
+        </a:xfrm>
+      </p:grpSpPr>
+      <p:sp>
+        <p:nvSpPr>
+          <p:cNvPr id="2" name="Title 1">
+            <a:extLst>
+              <a:ext uri="{FF2B5EF4-FFF2-40B4-BE49-F238E27FC236}">
+                <a16:creationId xmlns:a16="http://schemas.microsoft.com/office/drawing/2014/main" id="{DA11B1DD-8B21-4178-AD4F-5B10180E66DA}"/>
+              </a:ext>
+            </a:extLst>
+          </p:cNvPr>
+          <p:cNvSpPr>
+            <a:spLocks noGrp="1"/>
+          </p:cNvSpPr>
+          <p:nvPr>
+            <p:ph type="title"/>
+          </p:nvPr>
+        </p:nvSpPr>
+        <p:spPr/>
+        <p:txBody>
+          <a:bodyPr/>
+          <a:lstStyle/>
+          <a:p>
+            <a:r>
+              <a:rPr lang="en-SG" dirty="0"/>
+              <a:t>Structure</a:t>
+            </a:r>
+          </a:p>
+        </p:txBody>
+      </p:sp>
+      <p:sp>
+        <p:nvSpPr>
+          <p:cNvPr id="3" name="Content Placeholder 2">
+            <a:extLst>
+              <a:ext uri="{FF2B5EF4-FFF2-40B4-BE49-F238E27FC236}">
+                <a16:creationId xmlns:a16="http://schemas.microsoft.com/office/drawing/2014/main" id="{D792663E-47C2-4188-B1E1-35F071FD1DC8}"/>
+              </a:ext>
+            </a:extLst>
+          </p:cNvPr>
+          <p:cNvSpPr>
+            <a:spLocks noGrp="1"/>
+          </p:cNvSpPr>
+          <p:nvPr>
+            <p:ph idx="1"/>
+          </p:nvPr>
+        </p:nvSpPr>
+        <p:spPr/>
+        <p:txBody>
+          <a:bodyPr/>
+          <a:lstStyle/>
+          <a:p>
+            <a:r>
+              <a:rPr lang="en-SG" dirty="0"/>
+              <a:t>Barrel </a:t>
+            </a:r>
+            <a:r>
+              <a:rPr lang="en-SG" dirty="0" err="1"/>
+              <a:t>index.ts</a:t>
+            </a:r>
+            <a:endParaRPr lang="en-SG" dirty="0"/>
+          </a:p>
+          <a:p>
+            <a:endParaRPr lang="en-SG" dirty="0"/>
+          </a:p>
+          <a:p>
+            <a:endParaRPr lang="en-SG" dirty="0"/>
+          </a:p>
+          <a:p>
+            <a:endParaRPr lang="en-SG" dirty="0"/>
+          </a:p>
+          <a:p>
+            <a:pPr marL="0" indent="0">
+              <a:buNone/>
+            </a:pPr>
+            <a:endParaRPr lang="en-SG" dirty="0"/>
+          </a:p>
+          <a:p>
+            <a:r>
+              <a:rPr lang="en-SG" dirty="0"/>
+              <a:t>Break into module only when it makes sense</a:t>
+            </a:r>
+          </a:p>
+          <a:p>
+            <a:pPr lvl="1"/>
+            <a:r>
+              <a:rPr lang="en-SG" dirty="0"/>
+              <a:t>Use barrels to organise import per sections</a:t>
+            </a:r>
+          </a:p>
+          <a:p>
+            <a:endParaRPr lang="en-SG" b="1" dirty="0"/>
+          </a:p>
+        </p:txBody>
+      </p:sp>
+      <p:pic>
+        <p:nvPicPr>
+          <p:cNvPr id="4" name="Picture 3">
+            <a:extLst>
+              <a:ext uri="{FF2B5EF4-FFF2-40B4-BE49-F238E27FC236}">
+                <a16:creationId xmlns:a16="http://schemas.microsoft.com/office/drawing/2014/main" id="{476D2851-3D34-4630-8E70-BA0BFECBD83B}"/>
+              </a:ext>
+            </a:extLst>
+          </p:cNvPr>
+          <p:cNvPicPr>
+            <a:picLocks noChangeAspect="1"/>
+          </p:cNvPicPr>
+          <p:nvPr/>
+        </p:nvPicPr>
+        <p:blipFill>
+          <a:blip r:embed="rId2"/>
+          <a:stretch>
+            <a:fillRect/>
+          </a:stretch>
+        </p:blipFill>
+        <p:spPr>
+          <a:xfrm>
+            <a:off x="3707803" y="1825625"/>
+            <a:ext cx="5150111" cy="1971998"/>
+          </a:xfrm>
+          <a:prstGeom prst="rect">
+            <a:avLst/>
+          </a:prstGeom>
+        </p:spPr>
+      </p:pic>
+      <p:pic>
+        <p:nvPicPr>
+          <p:cNvPr id="5" name="Picture 4">
+            <a:extLst>
+              <a:ext uri="{FF2B5EF4-FFF2-40B4-BE49-F238E27FC236}">
+                <a16:creationId xmlns:a16="http://schemas.microsoft.com/office/drawing/2014/main" id="{B4ECD09A-3186-43A0-A3AF-F7FDAFA8E80A}"/>
+              </a:ext>
+            </a:extLst>
+          </p:cNvPr>
+          <p:cNvPicPr>
+            <a:picLocks noChangeAspect="1"/>
+          </p:cNvPicPr>
+          <p:nvPr/>
+        </p:nvPicPr>
+        <p:blipFill>
+          <a:blip r:embed="rId3"/>
+          <a:stretch>
+            <a:fillRect/>
+          </a:stretch>
+        </p:blipFill>
+        <p:spPr>
+          <a:xfrm>
+            <a:off x="8005370" y="825500"/>
+            <a:ext cx="3905250" cy="5667375"/>
+          </a:xfrm>
+          <a:prstGeom prst="rect">
+            <a:avLst/>
+          </a:prstGeom>
+        </p:spPr>
+      </p:pic>
+      <p:sp>
+        <p:nvSpPr>
+          <p:cNvPr id="6" name="Arrow: Right 5">
+            <a:extLst>
+              <a:ext uri="{FF2B5EF4-FFF2-40B4-BE49-F238E27FC236}">
+                <a16:creationId xmlns:a16="http://schemas.microsoft.com/office/drawing/2014/main" id="{5AC26688-3D4A-4AAD-9665-F86154B7D891}"/>
+              </a:ext>
+            </a:extLst>
+          </p:cNvPr>
+          <p:cNvSpPr/>
+          <p:nvPr/>
+        </p:nvSpPr>
+        <p:spPr>
+          <a:xfrm rot="18778288">
+            <a:off x="7384012" y="1860087"/>
+            <a:ext cx="997392" cy="239461"/>
+          </a:xfrm>
+          <a:prstGeom prst="rightArrow">
+            <a:avLst/>
+          </a:prstGeom>
+        </p:spPr>
+        <p:style>
+          <a:lnRef idx="2">
+            <a:schemeClr val="accent1">
+              <a:shade val="50000"/>
+            </a:schemeClr>
+          </a:lnRef>
+          <a:fillRef idx="1">
+            <a:schemeClr val="accent1"/>
+          </a:fillRef>
+          <a:effectRef idx="0">
+            <a:schemeClr val="accent1"/>
+          </a:effectRef>
+          <a:fontRef idx="minor">
+            <a:schemeClr val="lt1"/>
+          </a:fontRef>
+        </p:style>
+        <p:txBody>
+          <a:bodyPr rtlCol="0" anchor="ctr"/>
+          <a:lstStyle/>
+          <a:p>
+            <a:pPr algn="ctr"/>
+            <a:endParaRPr lang="en-SG"/>
+          </a:p>
+        </p:txBody>
+      </p:sp>
+      <p:sp>
+        <p:nvSpPr>
+          <p:cNvPr id="7" name="Arrow: Right 6">
+            <a:extLst>
+              <a:ext uri="{FF2B5EF4-FFF2-40B4-BE49-F238E27FC236}">
+                <a16:creationId xmlns:a16="http://schemas.microsoft.com/office/drawing/2014/main" id="{51B5E9D9-A690-4DB2-89A4-6889ED24FCEF}"/>
+              </a:ext>
+            </a:extLst>
+          </p:cNvPr>
+          <p:cNvSpPr/>
+          <p:nvPr/>
+        </p:nvSpPr>
+        <p:spPr>
+          <a:xfrm rot="519397">
+            <a:off x="7729167" y="5279913"/>
+            <a:ext cx="552406" cy="239461"/>
+          </a:xfrm>
+          <a:prstGeom prst="rightArrow">
+            <a:avLst/>
+          </a:prstGeom>
+        </p:spPr>
+        <p:style>
+          <a:lnRef idx="2">
+            <a:schemeClr val="accent1">
+              <a:shade val="50000"/>
+            </a:schemeClr>
+          </a:lnRef>
+          <a:fillRef idx="1">
+            <a:schemeClr val="accent1"/>
+          </a:fillRef>
+          <a:effectRef idx="0">
+            <a:schemeClr val="accent1"/>
+          </a:effectRef>
+          <a:fontRef idx="minor">
+            <a:schemeClr val="lt1"/>
+          </a:fontRef>
+        </p:style>
+        <p:txBody>
+          <a:bodyPr rtlCol="0" anchor="ctr"/>
+          <a:lstStyle/>
+          <a:p>
+            <a:pPr algn="ctr"/>
+            <a:endParaRPr lang="en-SG"/>
+          </a:p>
+        </p:txBody>
+      </p:sp>
+    </p:spTree>
+    <p:extLst>
+      <p:ext uri="{BB962C8B-B14F-4D97-AF65-F5344CB8AC3E}">
+        <p14:creationId xmlns:p14="http://schemas.microsoft.com/office/powerpoint/2010/main" val="2283933009"/>
+      </p:ext>
+    </p:extLst>
+  </p:cSld>
+  <p:clrMapOvr>
+    <a:masterClrMapping/>
+  </p:clrMapOvr>
+  <p:timing>
+    <p:tnLst>
+      <p:par>
+        <p:cTn id="1" dur="indefinite" restart="never" nodeType="tmRoot">
+          <p:childTnLst>
+            <p:seq concurrent="1" nextAc="seek">
+              <p:cTn id="2" dur="indefinite" nodeType="mainSeq">
+                <p:childTnLst>
+                  <p:par>
+                    <p:cTn id="3" fill="hold">
+                      <p:stCondLst>
+                        <p:cond delay="indefinite"/>
+                      </p:stCondLst>
+                      <p:childTnLst>
+                        <p:par>
+                          <p:cTn id="4" fill="hold">
+                            <p:stCondLst>
+                              <p:cond delay="0"/>
+                            </p:stCondLst>
+                            <p:childTnLst>
+                              <p:par>
+                                <p:cTn id="5" presetID="1" presetClass="entr" presetSubtype="0" fill="hold" grpId="0" nodeType="clickEffect">
+                                  <p:stCondLst>
+                                    <p:cond delay="0"/>
+                                  </p:stCondLst>
+                                  <p:childTnLst>
+                                    <p:set>
+                                      <p:cBhvr>
+                                        <p:cTn id="6" dur="1" fill="hold">
+                                          <p:stCondLst>
+                                            <p:cond delay="0"/>
+                                          </p:stCondLst>
+                                        </p:cTn>
+                                        <p:tgtEl>
+                                          <p:spTgt spid="3">
+                                            <p:txEl>
+                                              <p:pRg st="0" end="0"/>
+                                            </p:txEl>
+                                          </p:spTgt>
+                                        </p:tgtEl>
+                                        <p:attrNameLst>
+                                          <p:attrName>style.visibility</p:attrName>
+                                        </p:attrNameLst>
+                                      </p:cBhvr>
+                                      <p:to>
+                                        <p:strVal val="visible"/>
+                                      </p:to>
+                                    </p:set>
+                                  </p:childTnLst>
+                                </p:cTn>
+                              </p:par>
+                              <p:par>
+                                <p:cTn id="7" presetID="1" presetClass="entr" presetSubtype="0" fill="hold" nodeType="withEffect">
+                                  <p:stCondLst>
+                                    <p:cond delay="0"/>
+                                  </p:stCondLst>
+                                  <p:childTnLst>
+                                    <p:set>
+                                      <p:cBhvr>
+                                        <p:cTn id="8" dur="1" fill="hold">
+                                          <p:stCondLst>
+                                            <p:cond delay="0"/>
+                                          </p:stCondLst>
+                                        </p:cTn>
+                                        <p:tgtEl>
+                                          <p:spTgt spid="4"/>
+                                        </p:tgtEl>
+                                        <p:attrNameLst>
+                                          <p:attrName>style.visibility</p:attrName>
+                                        </p:attrNameLst>
+                                      </p:cBhvr>
+                                      <p:to>
+                                        <p:strVal val="visible"/>
+                                      </p:to>
+                                    </p:set>
+                                  </p:childTnLst>
+                                </p:cTn>
+                              </p:par>
+                            </p:childTnLst>
+                          </p:cTn>
+                        </p:par>
+                      </p:childTnLst>
+                    </p:cTn>
+                  </p:par>
+                  <p:par>
+                    <p:cTn id="9" fill="hold">
+                      <p:stCondLst>
+                        <p:cond delay="indefinite"/>
+                      </p:stCondLst>
+                      <p:childTnLst>
+                        <p:par>
+                          <p:cTn id="10" fill="hold">
+                            <p:stCondLst>
+                              <p:cond delay="0"/>
+                            </p:stCondLst>
+                            <p:childTnLst>
+                              <p:par>
+                                <p:cTn id="11" presetID="1" presetClass="entr" presetSubtype="0" fill="hold" grpId="0" nodeType="clickEffect">
+                                  <p:stCondLst>
+                                    <p:cond delay="0"/>
+                                  </p:stCondLst>
+                                  <p:childTnLst>
+                                    <p:set>
+                                      <p:cBhvr>
+                                        <p:cTn id="12" dur="1" fill="hold">
+                                          <p:stCondLst>
+                                            <p:cond delay="0"/>
+                                          </p:stCondLst>
+                                        </p:cTn>
+                                        <p:tgtEl>
+                                          <p:spTgt spid="3">
+                                            <p:txEl>
+                                              <p:pRg st="5" end="5"/>
+                                            </p:txEl>
+                                          </p:spTgt>
+                                        </p:tgtEl>
+                                        <p:attrNameLst>
+                                          <p:attrName>style.visibility</p:attrName>
+                                        </p:attrNameLst>
+                                      </p:cBhvr>
+                                      <p:to>
+                                        <p:strVal val="visible"/>
+                                      </p:to>
+                                    </p:set>
+                                  </p:childTnLst>
+                                </p:cTn>
+                              </p:par>
+                              <p:par>
+                                <p:cTn id="13" presetID="1" presetClass="entr" presetSubtype="0" fill="hold" nodeType="withEffect">
+                                  <p:stCondLst>
+                                    <p:cond delay="0"/>
+                                  </p:stCondLst>
+                                  <p:childTnLst>
+                                    <p:set>
+                                      <p:cBhvr>
+                                        <p:cTn id="14" dur="1" fill="hold">
+                                          <p:stCondLst>
+                                            <p:cond delay="0"/>
+                                          </p:stCondLst>
+                                        </p:cTn>
+                                        <p:tgtEl>
+                                          <p:spTgt spid="5"/>
+                                        </p:tgtEl>
+                                        <p:attrNameLst>
+                                          <p:attrName>style.visibility</p:attrName>
+                                        </p:attrNameLst>
+                                      </p:cBhvr>
+                                      <p:to>
+                                        <p:strVal val="visible"/>
+                                      </p:to>
+                                    </p:set>
+                                  </p:childTnLst>
+                                </p:cTn>
+                              </p:par>
+                            </p:childTnLst>
+                          </p:cTn>
+                        </p:par>
+                      </p:childTnLst>
+                    </p:cTn>
+                  </p:par>
+                  <p:par>
+                    <p:cTn id="15" fill="hold">
+                      <p:stCondLst>
+                        <p:cond delay="indefinite"/>
+                      </p:stCondLst>
+                      <p:childTnLst>
+                        <p:par>
+                          <p:cTn id="16" fill="hold">
+                            <p:stCondLst>
+                              <p:cond delay="0"/>
+                            </p:stCondLst>
+                            <p:childTnLst>
+                              <p:par>
+                                <p:cTn id="17" presetID="1" presetClass="entr" presetSubtype="0" fill="hold" grpId="0" nodeType="clickEffect">
+                                  <p:stCondLst>
+                                    <p:cond delay="0"/>
+                                  </p:stCondLst>
+                                  <p:childTnLst>
+                                    <p:set>
+                                      <p:cBhvr>
+                                        <p:cTn id="18" dur="1" fill="hold">
+                                          <p:stCondLst>
+                                            <p:cond delay="0"/>
+                                          </p:stCondLst>
+                                        </p:cTn>
+                                        <p:tgtEl>
+                                          <p:spTgt spid="6"/>
+                                        </p:tgtEl>
+                                        <p:attrNameLst>
+                                          <p:attrName>style.visibility</p:attrName>
+                                        </p:attrNameLst>
+                                      </p:cBhvr>
+                                      <p:to>
+                                        <p:strVal val="visible"/>
+                                      </p:to>
+                                    </p:set>
+                                  </p:childTnLst>
+                                </p:cTn>
+                              </p:par>
+                              <p:par>
+                                <p:cTn id="19" presetID="1" presetClass="entr" presetSubtype="0" fill="hold" grpId="0" nodeType="withEffect">
+                                  <p:stCondLst>
+                                    <p:cond delay="0"/>
+                                  </p:stCondLst>
+                                  <p:childTnLst>
+                                    <p:set>
+                                      <p:cBhvr>
+                                        <p:cTn id="20" dur="1" fill="hold">
+                                          <p:stCondLst>
+                                            <p:cond delay="0"/>
+                                          </p:stCondLst>
+                                        </p:cTn>
+                                        <p:tgtEl>
+                                          <p:spTgt spid="7"/>
+                                        </p:tgtEl>
+                                        <p:attrNameLst>
+                                          <p:attrName>style.visibility</p:attrName>
+                                        </p:attrNameLst>
+                                      </p:cBhvr>
+                                      <p:to>
+                                        <p:strVal val="visible"/>
+                                      </p:to>
+                                    </p:set>
+                                  </p:childTnLst>
+                                </p:cTn>
+                              </p:par>
+                              <p:par>
+                                <p:cTn id="21" presetID="1" presetClass="entr" presetSubtype="0" fill="hold" nodeType="withEffect">
+                                  <p:stCondLst>
+                                    <p:cond delay="0"/>
+                                  </p:stCondLst>
+                                  <p:childTnLst>
+                                    <p:set>
+                                      <p:cBhvr>
+                                        <p:cTn id="22" dur="1" fill="hold">
+                                          <p:stCondLst>
+                                            <p:cond delay="0"/>
+                                          </p:stCondLst>
+                                        </p:cTn>
+                                        <p:tgtEl>
+                                          <p:spTgt spid="3">
+                                            <p:txEl>
+                                              <p:pRg st="6" end="6"/>
+                                            </p:txEl>
+                                          </p:spTgt>
+                                        </p:tgtEl>
+                                        <p:attrNameLst>
+                                          <p:attrName>style.visibility</p:attrName>
+                                        </p:attrNameLst>
+                                      </p:cBhvr>
+                                      <p:to>
+                                        <p:strVal val="visible"/>
+                                      </p:to>
+                                    </p:set>
+                                  </p:childTnLst>
+                                </p:cTn>
+                              </p:par>
+                            </p:childTnLst>
+                          </p:cTn>
+                        </p:par>
+                      </p:childTnLst>
+                    </p:cTn>
+                  </p:par>
+                </p:childTnLst>
+              </p:cTn>
+              <p:prevCondLst>
+                <p:cond evt="onPrev" delay="0">
+                  <p:tgtEl>
+                    <p:sldTgt/>
+                  </p:tgtEl>
+                </p:cond>
+              </p:prevCondLst>
+              <p:nextCondLst>
+                <p:cond evt="onNext" delay="0">
+                  <p:tgtEl>
+                    <p:sldTgt/>
+                  </p:tgtEl>
+                </p:cond>
+              </p:nextCondLst>
+            </p:seq>
+          </p:childTnLst>
+        </p:cTn>
+      </p:par>
+    </p:tnLst>
+    <p:bldLst>
+      <p:bldP spid="3" grpId="0" uiExpand="1" build="p"/>
+      <p:bldP spid="6" grpId="0" animBg="1"/>
+      <p:bldP spid="7" grpId="0" animBg="1"/>
+    </p:bldLst>
+  </p:timing>
+</p:sld>
+</file>
+
+<file path=ppt/slides/slide26.xml><?xml version="1.0" encoding="utf-8"?>
+<p:sld xmlns:a="http://schemas.openxmlformats.org/drawingml/2006/main" xmlns:r="http://schemas.openxmlformats.org/officeDocument/2006/relationships" xmlns:p="http://schemas.openxmlformats.org/presentationml/2006/main">
+  <p:cSld>
+    <p:spTree>
+      <p:nvGrpSpPr>
+        <p:cNvPr id="1" name=""/>
+        <p:cNvGrpSpPr/>
+        <p:nvPr/>
+      </p:nvGrpSpPr>
+      <p:grpSpPr>
+        <a:xfrm>
+          <a:off x="0" y="0"/>
+          <a:ext cx="0" cy="0"/>
+          <a:chOff x="0" y="0"/>
+          <a:chExt cx="0" cy="0"/>
+        </a:xfrm>
+      </p:grpSpPr>
+      <p:sp>
+        <p:nvSpPr>
+          <p:cNvPr id="2" name="Title 1">
+            <a:extLst>
+              <a:ext uri="{FF2B5EF4-FFF2-40B4-BE49-F238E27FC236}">
+                <a16:creationId xmlns:a16="http://schemas.microsoft.com/office/drawing/2014/main" id="{DA11B1DD-8B21-4178-AD4F-5B10180E66DA}"/>
+              </a:ext>
+            </a:extLst>
+          </p:cNvPr>
+          <p:cNvSpPr>
+            <a:spLocks noGrp="1"/>
+          </p:cNvSpPr>
+          <p:nvPr>
+            <p:ph type="title"/>
+          </p:nvPr>
+        </p:nvSpPr>
+        <p:spPr/>
+        <p:txBody>
+          <a:bodyPr/>
+          <a:lstStyle/>
+          <a:p>
+            <a:r>
+              <a:rPr lang="en-SG" dirty="0"/>
+              <a:t>Structure</a:t>
+            </a:r>
+          </a:p>
+        </p:txBody>
+      </p:sp>
+      <p:sp>
+        <p:nvSpPr>
+          <p:cNvPr id="3" name="Content Placeholder 2">
+            <a:extLst>
+              <a:ext uri="{FF2B5EF4-FFF2-40B4-BE49-F238E27FC236}">
+                <a16:creationId xmlns:a16="http://schemas.microsoft.com/office/drawing/2014/main" id="{D792663E-47C2-4188-B1E1-35F071FD1DC8}"/>
+              </a:ext>
+            </a:extLst>
+          </p:cNvPr>
+          <p:cNvSpPr>
+            <a:spLocks noGrp="1"/>
+          </p:cNvSpPr>
+          <p:nvPr>
+            <p:ph idx="1"/>
+          </p:nvPr>
+        </p:nvSpPr>
+        <p:spPr/>
+        <p:txBody>
+          <a:bodyPr/>
+          <a:lstStyle/>
+          <a:p>
+            <a:r>
+              <a:rPr lang="en-SG" u="sng" dirty="0"/>
+              <a:t>Only</a:t>
+            </a:r>
+            <a:r>
+              <a:rPr lang="en-SG" dirty="0"/>
+              <a:t> create interfaces for meaningful models</a:t>
+            </a:r>
+          </a:p>
+          <a:p>
+            <a:endParaRPr lang="en-SG" dirty="0"/>
+          </a:p>
+          <a:p>
+            <a:pPr marL="0" indent="0">
+              <a:buNone/>
+            </a:pPr>
+            <a:endParaRPr lang="en-SG" dirty="0"/>
+          </a:p>
+          <a:p>
+            <a:r>
+              <a:rPr lang="en-SG" dirty="0"/>
+              <a:t>Use inline signature for the rest</a:t>
+            </a:r>
+          </a:p>
+          <a:p>
+            <a:endParaRPr lang="en-SG" b="1" dirty="0"/>
+          </a:p>
+        </p:txBody>
+      </p:sp>
+      <p:pic>
+        <p:nvPicPr>
+          <p:cNvPr id="6" name="Picture 5">
+            <a:extLst>
+              <a:ext uri="{FF2B5EF4-FFF2-40B4-BE49-F238E27FC236}">
+                <a16:creationId xmlns:a16="http://schemas.microsoft.com/office/drawing/2014/main" id="{B6BD03E4-14BC-45CF-837F-9386AAF34A73}"/>
+              </a:ext>
+            </a:extLst>
+          </p:cNvPr>
+          <p:cNvPicPr>
+            <a:picLocks noChangeAspect="1"/>
+          </p:cNvPicPr>
+          <p:nvPr/>
+        </p:nvPicPr>
+        <p:blipFill>
+          <a:blip r:embed="rId2"/>
+          <a:stretch>
+            <a:fillRect/>
+          </a:stretch>
+        </p:blipFill>
+        <p:spPr>
+          <a:xfrm>
+            <a:off x="8172450" y="1690688"/>
+            <a:ext cx="3181350" cy="2533650"/>
+          </a:xfrm>
+          <a:prstGeom prst="rect">
+            <a:avLst/>
+          </a:prstGeom>
+        </p:spPr>
+      </p:pic>
+      <p:pic>
+        <p:nvPicPr>
+          <p:cNvPr id="7" name="Picture 6">
+            <a:extLst>
+              <a:ext uri="{FF2B5EF4-FFF2-40B4-BE49-F238E27FC236}">
+                <a16:creationId xmlns:a16="http://schemas.microsoft.com/office/drawing/2014/main" id="{9D815C01-14FD-4DB3-AA04-D2E33D807E6C}"/>
+              </a:ext>
+            </a:extLst>
+          </p:cNvPr>
+          <p:cNvPicPr>
+            <a:picLocks noChangeAspect="1"/>
+          </p:cNvPicPr>
+          <p:nvPr/>
+        </p:nvPicPr>
+        <p:blipFill>
+          <a:blip r:embed="rId3"/>
+          <a:stretch>
+            <a:fillRect/>
+          </a:stretch>
+        </p:blipFill>
+        <p:spPr>
+          <a:xfrm>
+            <a:off x="1130225" y="3993861"/>
+            <a:ext cx="5219700" cy="1019175"/>
+          </a:xfrm>
+          <a:prstGeom prst="rect">
+            <a:avLst/>
+          </a:prstGeom>
+        </p:spPr>
+      </p:pic>
+      <p:pic>
+        <p:nvPicPr>
+          <p:cNvPr id="8" name="Picture 7">
+            <a:extLst>
+              <a:ext uri="{FF2B5EF4-FFF2-40B4-BE49-F238E27FC236}">
+                <a16:creationId xmlns:a16="http://schemas.microsoft.com/office/drawing/2014/main" id="{46D59244-B6C2-4AC5-87F8-FD322E8A2A39}"/>
+              </a:ext>
+            </a:extLst>
+          </p:cNvPr>
+          <p:cNvPicPr>
+            <a:picLocks noChangeAspect="1"/>
+          </p:cNvPicPr>
+          <p:nvPr/>
+        </p:nvPicPr>
+        <p:blipFill>
+          <a:blip r:embed="rId4"/>
+          <a:stretch>
+            <a:fillRect/>
+          </a:stretch>
+        </p:blipFill>
+        <p:spPr>
+          <a:xfrm>
+            <a:off x="1130225" y="5269403"/>
+            <a:ext cx="6515100" cy="1038225"/>
+          </a:xfrm>
+          <a:prstGeom prst="rect">
+            <a:avLst/>
+          </a:prstGeom>
+        </p:spPr>
+      </p:pic>
+      <p:sp>
+        <p:nvSpPr>
+          <p:cNvPr id="9" name="Arrow: Right 8">
+            <a:extLst>
+              <a:ext uri="{FF2B5EF4-FFF2-40B4-BE49-F238E27FC236}">
+                <a16:creationId xmlns:a16="http://schemas.microsoft.com/office/drawing/2014/main" id="{AB1A0469-FA2E-43B5-855D-1743636B906A}"/>
+              </a:ext>
+            </a:extLst>
+          </p:cNvPr>
+          <p:cNvSpPr/>
+          <p:nvPr/>
+        </p:nvSpPr>
+        <p:spPr>
+          <a:xfrm rot="7045159">
+            <a:off x="5823220" y="5276418"/>
+            <a:ext cx="653493" cy="331694"/>
+          </a:xfrm>
+          <a:prstGeom prst="rightArrow">
+            <a:avLst/>
+          </a:prstGeom>
+        </p:spPr>
+        <p:style>
+          <a:lnRef idx="2">
+            <a:schemeClr val="accent1">
+              <a:shade val="50000"/>
+            </a:schemeClr>
+          </a:lnRef>
+          <a:fillRef idx="1">
+            <a:schemeClr val="accent1"/>
+          </a:fillRef>
+          <a:effectRef idx="0">
+            <a:schemeClr val="accent1"/>
+          </a:effectRef>
+          <a:fontRef idx="minor">
+            <a:schemeClr val="lt1"/>
+          </a:fontRef>
+        </p:style>
+        <p:txBody>
+          <a:bodyPr rtlCol="0" anchor="ctr"/>
+          <a:lstStyle/>
+          <a:p>
+            <a:pPr algn="ctr"/>
+            <a:endParaRPr lang="en-SG"/>
+          </a:p>
+        </p:txBody>
+      </p:sp>
+      <p:sp>
+        <p:nvSpPr>
+          <p:cNvPr id="10" name="Arrow: Right 9">
+            <a:extLst>
+              <a:ext uri="{FF2B5EF4-FFF2-40B4-BE49-F238E27FC236}">
+                <a16:creationId xmlns:a16="http://schemas.microsoft.com/office/drawing/2014/main" id="{20A7707E-7E96-4609-9D51-9E40443BBA7D}"/>
+              </a:ext>
+            </a:extLst>
+          </p:cNvPr>
+          <p:cNvSpPr/>
+          <p:nvPr/>
+        </p:nvSpPr>
+        <p:spPr>
+          <a:xfrm rot="7045159">
+            <a:off x="4397483" y="3971190"/>
+            <a:ext cx="653493" cy="331694"/>
+          </a:xfrm>
+          <a:prstGeom prst="rightArrow">
+            <a:avLst/>
+          </a:prstGeom>
+        </p:spPr>
+        <p:style>
+          <a:lnRef idx="2">
+            <a:schemeClr val="accent1">
+              <a:shade val="50000"/>
+            </a:schemeClr>
+          </a:lnRef>
+          <a:fillRef idx="1">
+            <a:schemeClr val="accent1"/>
+          </a:fillRef>
+          <a:effectRef idx="0">
+            <a:schemeClr val="accent1"/>
+          </a:effectRef>
+          <a:fontRef idx="minor">
+            <a:schemeClr val="lt1"/>
+          </a:fontRef>
+        </p:style>
+        <p:txBody>
+          <a:bodyPr rtlCol="0" anchor="ctr"/>
+          <a:lstStyle/>
+          <a:p>
+            <a:pPr algn="ctr"/>
+            <a:endParaRPr lang="en-SG"/>
+          </a:p>
+        </p:txBody>
+      </p:sp>
+    </p:spTree>
+    <p:extLst>
+      <p:ext uri="{BB962C8B-B14F-4D97-AF65-F5344CB8AC3E}">
+        <p14:creationId xmlns:p14="http://schemas.microsoft.com/office/powerpoint/2010/main" val="3417417129"/>
+      </p:ext>
+    </p:extLst>
+  </p:cSld>
+  <p:clrMapOvr>
+    <a:masterClrMapping/>
+  </p:clrMapOvr>
+  <p:timing>
+    <p:tnLst>
+      <p:par>
+        <p:cTn id="1" dur="indefinite" restart="never" nodeType="tmRoot">
+          <p:childTnLst>
+            <p:seq concurrent="1" nextAc="seek">
+              <p:cTn id="2" dur="indefinite" nodeType="mainSeq">
+                <p:childTnLst>
+                  <p:par>
+                    <p:cTn id="3" fill="hold">
+                      <p:stCondLst>
+                        <p:cond delay="indefinite"/>
+                      </p:stCondLst>
+                      <p:childTnLst>
+                        <p:par>
+                          <p:cTn id="4" fill="hold">
+                            <p:stCondLst>
+                              <p:cond delay="0"/>
+                            </p:stCondLst>
+                            <p:childTnLst>
+                              <p:par>
+                                <p:cTn id="5" presetID="1" presetClass="entr" presetSubtype="0" fill="hold" grpId="0" nodeType="clickEffect">
+                                  <p:stCondLst>
+                                    <p:cond delay="0"/>
+                                  </p:stCondLst>
+                                  <p:childTnLst>
+                                    <p:set>
+                                      <p:cBhvr>
+                                        <p:cTn id="6" dur="1" fill="hold">
+                                          <p:stCondLst>
+                                            <p:cond delay="0"/>
+                                          </p:stCondLst>
+                                        </p:cTn>
+                                        <p:tgtEl>
+                                          <p:spTgt spid="3">
+                                            <p:txEl>
+                                              <p:pRg st="0" end="0"/>
+                                            </p:txEl>
+                                          </p:spTgt>
+                                        </p:tgtEl>
+                                        <p:attrNameLst>
+                                          <p:attrName>style.visibility</p:attrName>
+                                        </p:attrNameLst>
+                                      </p:cBhvr>
+                                      <p:to>
+                                        <p:strVal val="visible"/>
+                                      </p:to>
+                                    </p:set>
+                                  </p:childTnLst>
+                                </p:cTn>
+                              </p:par>
+                              <p:par>
+                                <p:cTn id="7" presetID="1" presetClass="entr" presetSubtype="0" fill="hold" nodeType="withEffect">
+                                  <p:stCondLst>
+                                    <p:cond delay="0"/>
+                                  </p:stCondLst>
+                                  <p:childTnLst>
+                                    <p:set>
+                                      <p:cBhvr>
+                                        <p:cTn id="8" dur="1" fill="hold">
+                                          <p:stCondLst>
+                                            <p:cond delay="0"/>
+                                          </p:stCondLst>
+                                        </p:cTn>
+                                        <p:tgtEl>
+                                          <p:spTgt spid="6"/>
+                                        </p:tgtEl>
+                                        <p:attrNameLst>
+                                          <p:attrName>style.visibility</p:attrName>
+                                        </p:attrNameLst>
+                                      </p:cBhvr>
+                                      <p:to>
+                                        <p:strVal val="visible"/>
+                                      </p:to>
+                                    </p:set>
+                                  </p:childTnLst>
+                                </p:cTn>
+                              </p:par>
+                            </p:childTnLst>
+                          </p:cTn>
+                        </p:par>
+                      </p:childTnLst>
+                    </p:cTn>
+                  </p:par>
+                  <p:par>
+                    <p:cTn id="9" fill="hold">
+                      <p:stCondLst>
+                        <p:cond delay="indefinite"/>
+                      </p:stCondLst>
+                      <p:childTnLst>
+                        <p:par>
+                          <p:cTn id="10" fill="hold">
+                            <p:stCondLst>
+                              <p:cond delay="0"/>
+                            </p:stCondLst>
+                            <p:childTnLst>
+                              <p:par>
+                                <p:cTn id="11" presetID="1" presetClass="entr" presetSubtype="0" fill="hold" grpId="0" nodeType="clickEffect">
+                                  <p:stCondLst>
+                                    <p:cond delay="0"/>
+                                  </p:stCondLst>
+                                  <p:childTnLst>
+                                    <p:set>
+                                      <p:cBhvr>
+                                        <p:cTn id="12" dur="1" fill="hold">
+                                          <p:stCondLst>
+                                            <p:cond delay="0"/>
+                                          </p:stCondLst>
+                                        </p:cTn>
+                                        <p:tgtEl>
+                                          <p:spTgt spid="3">
+                                            <p:txEl>
+                                              <p:pRg st="3" end="3"/>
+                                            </p:txEl>
+                                          </p:spTgt>
+                                        </p:tgtEl>
+                                        <p:attrNameLst>
+                                          <p:attrName>style.visibility</p:attrName>
+                                        </p:attrNameLst>
+                                      </p:cBhvr>
+                                      <p:to>
+                                        <p:strVal val="visible"/>
+                                      </p:to>
+                                    </p:set>
+                                  </p:childTnLst>
+                                </p:cTn>
+                              </p:par>
+                              <p:par>
+                                <p:cTn id="13" presetID="1" presetClass="entr" presetSubtype="0" fill="hold" nodeType="withEffect">
+                                  <p:stCondLst>
+                                    <p:cond delay="0"/>
+                                  </p:stCondLst>
+                                  <p:childTnLst>
+                                    <p:set>
+                                      <p:cBhvr>
+                                        <p:cTn id="14" dur="1" fill="hold">
+                                          <p:stCondLst>
+                                            <p:cond delay="0"/>
+                                          </p:stCondLst>
+                                        </p:cTn>
+                                        <p:tgtEl>
+                                          <p:spTgt spid="7"/>
+                                        </p:tgtEl>
+                                        <p:attrNameLst>
+                                          <p:attrName>style.visibility</p:attrName>
+                                        </p:attrNameLst>
+                                      </p:cBhvr>
+                                      <p:to>
+                                        <p:strVal val="visible"/>
+                                      </p:to>
+                                    </p:set>
+                                  </p:childTnLst>
+                                </p:cTn>
+                              </p:par>
+                              <p:par>
+                                <p:cTn id="15" presetID="1" presetClass="entr" presetSubtype="0" fill="hold" nodeType="withEffect">
+                                  <p:stCondLst>
+                                    <p:cond delay="0"/>
+                                  </p:stCondLst>
+                                  <p:childTnLst>
+                                    <p:set>
+                                      <p:cBhvr>
+                                        <p:cTn id="16" dur="1" fill="hold">
+                                          <p:stCondLst>
+                                            <p:cond delay="0"/>
+                                          </p:stCondLst>
+                                        </p:cTn>
+                                        <p:tgtEl>
+                                          <p:spTgt spid="8"/>
+                                        </p:tgtEl>
+                                        <p:attrNameLst>
+                                          <p:attrName>style.visibility</p:attrName>
+                                        </p:attrNameLst>
+                                      </p:cBhvr>
+                                      <p:to>
+                                        <p:strVal val="visible"/>
+                                      </p:to>
+                                    </p:set>
+                                  </p:childTnLst>
+                                </p:cTn>
+                              </p:par>
+                            </p:childTnLst>
+                          </p:cTn>
+                        </p:par>
+                      </p:childTnLst>
+                    </p:cTn>
+                  </p:par>
+                  <p:par>
+                    <p:cTn id="17" fill="hold">
+                      <p:stCondLst>
+                        <p:cond delay="indefinite"/>
+                      </p:stCondLst>
+                      <p:childTnLst>
+                        <p:par>
+                          <p:cTn id="18" fill="hold">
+                            <p:stCondLst>
+                              <p:cond delay="0"/>
+                            </p:stCondLst>
+                            <p:childTnLst>
+                              <p:par>
+                                <p:cTn id="19" presetID="1" presetClass="entr" presetSubtype="0" fill="hold" grpId="0" nodeType="clickEffect">
+                                  <p:stCondLst>
+                                    <p:cond delay="0"/>
+                                  </p:stCondLst>
+                                  <p:childTnLst>
+                                    <p:set>
+                                      <p:cBhvr>
+                                        <p:cTn id="20" dur="1" fill="hold">
+                                          <p:stCondLst>
+                                            <p:cond delay="0"/>
+                                          </p:stCondLst>
+                                        </p:cTn>
+                                        <p:tgtEl>
+                                          <p:spTgt spid="9"/>
+                                        </p:tgtEl>
+                                        <p:attrNameLst>
+                                          <p:attrName>style.visibility</p:attrName>
+                                        </p:attrNameLst>
+                                      </p:cBhvr>
+                                      <p:to>
+                                        <p:strVal val="visible"/>
+                                      </p:to>
+                                    </p:set>
+                                  </p:childTnLst>
+                                </p:cTn>
+                              </p:par>
+                              <p:par>
+                                <p:cTn id="21" presetID="1" presetClass="entr" presetSubtype="0" fill="hold" grpId="0" nodeType="withEffect">
+                                  <p:stCondLst>
+                                    <p:cond delay="0"/>
+                                  </p:stCondLst>
+                                  <p:childTnLst>
+                                    <p:set>
+                                      <p:cBhvr>
+                                        <p:cTn id="22" dur="1" fill="hold">
+                                          <p:stCondLst>
+                                            <p:cond delay="0"/>
+                                          </p:stCondLst>
+                                        </p:cTn>
+                                        <p:tgtEl>
+                                          <p:spTgt spid="10"/>
+                                        </p:tgtEl>
+                                        <p:attrNameLst>
+                                          <p:attrName>style.visibility</p:attrName>
+                                        </p:attrNameLst>
+                                      </p:cBhvr>
+                                      <p:to>
+                                        <p:strVal val="visible"/>
+                                      </p:to>
+                                    </p:set>
+                                  </p:childTnLst>
+                                </p:cTn>
+                              </p:par>
+                            </p:childTnLst>
+                          </p:cTn>
+                        </p:par>
+                      </p:childTnLst>
+                    </p:cTn>
+                  </p:par>
+                </p:childTnLst>
+              </p:cTn>
+              <p:prevCondLst>
+                <p:cond evt="onPrev" delay="0">
+                  <p:tgtEl>
+                    <p:sldTgt/>
+                  </p:tgtEl>
+                </p:cond>
+              </p:prevCondLst>
+              <p:nextCondLst>
+                <p:cond evt="onNext" delay="0">
+                  <p:tgtEl>
+                    <p:sldTgt/>
+                  </p:tgtEl>
+                </p:cond>
+              </p:nextCondLst>
+            </p:seq>
+          </p:childTnLst>
+        </p:cTn>
+      </p:par>
+    </p:tnLst>
+    <p:bldLst>
+      <p:bldP spid="3" grpId="0" uiExpand="1" build="p"/>
+      <p:bldP spid="9" grpId="0" animBg="1"/>
+      <p:bldP spid="10" grpId="0" animBg="1"/>
+    </p:bldLst>
+  </p:timing>
+</p:sld>
+</file>
+
+<file path=ppt/slides/slide27.xml><?xml version="1.0" encoding="utf-8"?>
+<p:sld xmlns:a="http://schemas.openxmlformats.org/drawingml/2006/main" xmlns:r="http://schemas.openxmlformats.org/officeDocument/2006/relationships" xmlns:p="http://schemas.openxmlformats.org/presentationml/2006/main">
+  <p:cSld>
+    <p:spTree>
+      <p:nvGrpSpPr>
+        <p:cNvPr id="1" name=""/>
+        <p:cNvGrpSpPr/>
+        <p:nvPr/>
+      </p:nvGrpSpPr>
+      <p:grpSpPr>
+        <a:xfrm>
+          <a:off x="0" y="0"/>
+          <a:ext cx="0" cy="0"/>
+          <a:chOff x="0" y="0"/>
+          <a:chExt cx="0" cy="0"/>
+        </a:xfrm>
+      </p:grpSpPr>
+      <p:sp>
+        <p:nvSpPr>
+          <p:cNvPr id="2" name="Title 1">
+            <a:extLst>
+              <a:ext uri="{FF2B5EF4-FFF2-40B4-BE49-F238E27FC236}">
+                <a16:creationId xmlns:a16="http://schemas.microsoft.com/office/drawing/2014/main" id="{DA11B1DD-8B21-4178-AD4F-5B10180E66DA}"/>
+              </a:ext>
+            </a:extLst>
+          </p:cNvPr>
+          <p:cNvSpPr>
+            <a:spLocks noGrp="1"/>
+          </p:cNvSpPr>
+          <p:nvPr>
+            <p:ph type="title"/>
+          </p:nvPr>
+        </p:nvSpPr>
+        <p:spPr/>
+        <p:txBody>
+          <a:bodyPr/>
+          <a:lstStyle/>
+          <a:p>
+            <a:r>
+              <a:rPr lang="en-SG" dirty="0"/>
+              <a:t>Structure</a:t>
+            </a:r>
+          </a:p>
+        </p:txBody>
+      </p:sp>
+      <p:sp>
+        <p:nvSpPr>
+          <p:cNvPr id="3" name="Content Placeholder 2">
+            <a:extLst>
+              <a:ext uri="{FF2B5EF4-FFF2-40B4-BE49-F238E27FC236}">
+                <a16:creationId xmlns:a16="http://schemas.microsoft.com/office/drawing/2014/main" id="{D792663E-47C2-4188-B1E1-35F071FD1DC8}"/>
+              </a:ext>
+            </a:extLst>
+          </p:cNvPr>
+          <p:cNvSpPr>
+            <a:spLocks noGrp="1"/>
+          </p:cNvSpPr>
+          <p:nvPr>
+            <p:ph idx="1"/>
+          </p:nvPr>
+        </p:nvSpPr>
+        <p:spPr>
+          <a:xfrm>
+            <a:off x="838200" y="1825625"/>
+            <a:ext cx="5820784" cy="4351338"/>
+          </a:xfrm>
+        </p:spPr>
+        <p:txBody>
+          <a:bodyPr/>
+          <a:lstStyle/>
+          <a:p>
+            <a:r>
+              <a:rPr lang="en-SG" dirty="0"/>
+              <a:t>There is no need for prefix or postfix</a:t>
+            </a:r>
+          </a:p>
+          <a:p>
+            <a:pPr lvl="1"/>
+            <a:r>
+              <a:rPr lang="en-SG" dirty="0"/>
+              <a:t>Reuse same name under different folder</a:t>
+            </a:r>
+          </a:p>
+        </p:txBody>
+      </p:sp>
+      <p:pic>
+        <p:nvPicPr>
+          <p:cNvPr id="5" name="Picture 4">
+            <a:extLst>
+              <a:ext uri="{FF2B5EF4-FFF2-40B4-BE49-F238E27FC236}">
+                <a16:creationId xmlns:a16="http://schemas.microsoft.com/office/drawing/2014/main" id="{46A40CE0-B559-40BC-9F04-9FE7B03A56FC}"/>
+              </a:ext>
+            </a:extLst>
+          </p:cNvPr>
+          <p:cNvPicPr>
+            <a:picLocks noChangeAspect="1"/>
+          </p:cNvPicPr>
+          <p:nvPr/>
+        </p:nvPicPr>
+        <p:blipFill>
+          <a:blip r:embed="rId2"/>
+          <a:stretch>
+            <a:fillRect/>
+          </a:stretch>
+        </p:blipFill>
+        <p:spPr>
+          <a:xfrm>
+            <a:off x="6909322" y="1801019"/>
+            <a:ext cx="2095500" cy="4400550"/>
+          </a:xfrm>
+          <a:prstGeom prst="rect">
+            <a:avLst/>
+          </a:prstGeom>
+        </p:spPr>
+      </p:pic>
+      <p:sp>
+        <p:nvSpPr>
+          <p:cNvPr id="9" name="Arrow: Right 8">
+            <a:extLst>
+              <a:ext uri="{FF2B5EF4-FFF2-40B4-BE49-F238E27FC236}">
+                <a16:creationId xmlns:a16="http://schemas.microsoft.com/office/drawing/2014/main" id="{6A3AA5CE-A8C4-4AEA-999F-3AAC3ECF73EF}"/>
+              </a:ext>
+            </a:extLst>
+          </p:cNvPr>
+          <p:cNvSpPr/>
+          <p:nvPr/>
+        </p:nvSpPr>
+        <p:spPr>
+          <a:xfrm>
+            <a:off x="4896971" y="3033656"/>
+            <a:ext cx="2095500" cy="166744"/>
+          </a:xfrm>
+          <a:prstGeom prst="rightArrow">
+            <a:avLst/>
+          </a:prstGeom>
+        </p:spPr>
+        <p:style>
+          <a:lnRef idx="2">
+            <a:schemeClr val="accent1">
+              <a:shade val="50000"/>
+            </a:schemeClr>
+          </a:lnRef>
+          <a:fillRef idx="1">
+            <a:schemeClr val="accent1"/>
+          </a:fillRef>
+          <a:effectRef idx="0">
+            <a:schemeClr val="accent1"/>
+          </a:effectRef>
+          <a:fontRef idx="minor">
+            <a:schemeClr val="lt1"/>
+          </a:fontRef>
+        </p:style>
+        <p:txBody>
+          <a:bodyPr rtlCol="0" anchor="ctr"/>
+          <a:lstStyle/>
+          <a:p>
+            <a:pPr algn="ctr"/>
+            <a:endParaRPr lang="en-SG"/>
+          </a:p>
+        </p:txBody>
+      </p:sp>
+      <p:sp>
+        <p:nvSpPr>
+          <p:cNvPr id="10" name="Arrow: Right 9">
+            <a:extLst>
+              <a:ext uri="{FF2B5EF4-FFF2-40B4-BE49-F238E27FC236}">
+                <a16:creationId xmlns:a16="http://schemas.microsoft.com/office/drawing/2014/main" id="{BB4B1BDE-194D-41BF-8273-59C7B7F2B37E}"/>
+              </a:ext>
+            </a:extLst>
+          </p:cNvPr>
+          <p:cNvSpPr/>
+          <p:nvPr/>
+        </p:nvSpPr>
+        <p:spPr>
+          <a:xfrm rot="2274745">
+            <a:off x="4554745" y="4260336"/>
+            <a:ext cx="2753958" cy="139850"/>
+          </a:xfrm>
+          <a:prstGeom prst="rightArrow">
+            <a:avLst/>
+          </a:prstGeom>
+        </p:spPr>
+        <p:style>
+          <a:lnRef idx="2">
+            <a:schemeClr val="accent1">
+              <a:shade val="50000"/>
+            </a:schemeClr>
+          </a:lnRef>
+          <a:fillRef idx="1">
+            <a:schemeClr val="accent1"/>
+          </a:fillRef>
+          <a:effectRef idx="0">
+            <a:schemeClr val="accent1"/>
+          </a:effectRef>
+          <a:fontRef idx="minor">
+            <a:schemeClr val="lt1"/>
+          </a:fontRef>
+        </p:style>
+        <p:txBody>
+          <a:bodyPr rtlCol="0" anchor="ctr"/>
+          <a:lstStyle/>
+          <a:p>
+            <a:pPr algn="ctr"/>
+            <a:endParaRPr lang="en-SG"/>
+          </a:p>
+        </p:txBody>
+      </p:sp>
+    </p:spTree>
+    <p:extLst>
+      <p:ext uri="{BB962C8B-B14F-4D97-AF65-F5344CB8AC3E}">
+        <p14:creationId xmlns:p14="http://schemas.microsoft.com/office/powerpoint/2010/main" val="2217366788"/>
+      </p:ext>
+    </p:extLst>
+  </p:cSld>
+  <p:clrMapOvr>
+    <a:masterClrMapping/>
+  </p:clrMapOvr>
+  <p:timing>
+    <p:tnLst>
+      <p:par>
+        <p:cTn id="1" dur="indefinite" restart="never" nodeType="tmRoot">
+          <p:childTnLst>
+            <p:seq concurrent="1" nextAc="seek">
+              <p:cTn id="2" dur="indefinite" nodeType="mainSeq">
+                <p:childTnLst>
+                  <p:par>
+                    <p:cTn id="3" fill="hold">
+                      <p:stCondLst>
+                        <p:cond delay="indefinite"/>
+                      </p:stCondLst>
+                      <p:childTnLst>
+                        <p:par>
+                          <p:cTn id="4" fill="hold">
+                            <p:stCondLst>
+                              <p:cond delay="0"/>
+                            </p:stCondLst>
+                            <p:childTnLst>
+                              <p:par>
+                                <p:cTn id="5" presetID="1" presetClass="entr" presetSubtype="0" fill="hold" grpId="0" nodeType="clickEffect">
+                                  <p:stCondLst>
+                                    <p:cond delay="0"/>
+                                  </p:stCondLst>
+                                  <p:childTnLst>
+                                    <p:set>
+                                      <p:cBhvr>
+                                        <p:cTn id="6" dur="1" fill="hold">
+                                          <p:stCondLst>
+                                            <p:cond delay="0"/>
+                                          </p:stCondLst>
+                                        </p:cTn>
+                                        <p:tgtEl>
+                                          <p:spTgt spid="9"/>
+                                        </p:tgtEl>
+                                        <p:attrNameLst>
+                                          <p:attrName>style.visibility</p:attrName>
+                                        </p:attrNameLst>
+                                      </p:cBhvr>
+                                      <p:to>
+                                        <p:strVal val="visible"/>
+                                      </p:to>
+                                    </p:set>
+                                  </p:childTnLst>
+                                </p:cTn>
+                              </p:par>
+                              <p:par>
+                                <p:cTn id="7" presetID="1" presetClass="entr" presetSubtype="0" fill="hold" grpId="0" nodeType="withEffect">
+                                  <p:stCondLst>
+                                    <p:cond delay="0"/>
+                                  </p:stCondLst>
+                                  <p:childTnLst>
+                                    <p:set>
+                                      <p:cBhvr>
+                                        <p:cTn id="8" dur="1" fill="hold">
+                                          <p:stCondLst>
+                                            <p:cond delay="0"/>
+                                          </p:stCondLst>
+                                        </p:cTn>
+                                        <p:tgtEl>
+                                          <p:spTgt spid="10"/>
+                                        </p:tgtEl>
+                                        <p:attrNameLst>
+                                          <p:attrName>style.visibility</p:attrName>
+                                        </p:attrNameLst>
+                                      </p:cBhvr>
+                                      <p:to>
+                                        <p:strVal val="visible"/>
+                                      </p:to>
+                                    </p:set>
+                                  </p:childTnLst>
+                                </p:cTn>
+                              </p:par>
+                              <p:par>
+                                <p:cTn id="9" presetID="1" presetClass="entr" presetSubtype="0" fill="hold" grpId="0" nodeType="withEffect">
+                                  <p:stCondLst>
+                                    <p:cond delay="0"/>
+                                  </p:stCondLst>
+                                  <p:childTnLst>
+                                    <p:set>
+                                      <p:cBhvr>
+                                        <p:cTn id="10" dur="1" fill="hold">
+                                          <p:stCondLst>
+                                            <p:cond delay="0"/>
+                                          </p:stCondLst>
+                                        </p:cTn>
+                                        <p:tgtEl>
+                                          <p:spTgt spid="3">
+                                            <p:txEl>
+                                              <p:pRg st="1" end="1"/>
+                                            </p:txEl>
+                                          </p:spTgt>
+                                        </p:tgtEl>
+                                        <p:attrNameLst>
+                                          <p:attrName>style.visibility</p:attrName>
+                                        </p:attrNameLst>
+                                      </p:cBhvr>
+                                      <p:to>
+                                        <p:strVal val="visible"/>
+                                      </p:to>
+                                    </p:set>
+                                  </p:childTnLst>
+                                </p:cTn>
+                              </p:par>
+                            </p:childTnLst>
+                          </p:cTn>
+                        </p:par>
+                      </p:childTnLst>
+                    </p:cTn>
+                  </p:par>
+                </p:childTnLst>
+              </p:cTn>
+              <p:prevCondLst>
+                <p:cond evt="onPrev" delay="0">
+                  <p:tgtEl>
+                    <p:sldTgt/>
+                  </p:tgtEl>
+                </p:cond>
+              </p:prevCondLst>
+              <p:nextCondLst>
+                <p:cond evt="onNext" delay="0">
+                  <p:tgtEl>
+                    <p:sldTgt/>
+                  </p:tgtEl>
+                </p:cond>
+              </p:nextCondLst>
+            </p:seq>
+          </p:childTnLst>
+        </p:cTn>
+      </p:par>
+    </p:tnLst>
+    <p:bldLst>
+      <p:bldP spid="3" grpId="0" uiExpand="1" build="p"/>
+      <p:bldP spid="9" grpId="0" animBg="1"/>
+      <p:bldP spid="10" grpId="0" animBg="1"/>
+    </p:bldLst>
+  </p:timing>
+</p:sld>
+</file>
+
+<file path=ppt/slides/slide28.xml><?xml version="1.0" encoding="utf-8"?>
+<p:sld xmlns:a="http://schemas.openxmlformats.org/drawingml/2006/main" xmlns:r="http://schemas.openxmlformats.org/officeDocument/2006/relationships" xmlns:p="http://schemas.openxmlformats.org/presentationml/2006/main">
+  <p:cSld>
+    <p:spTree>
+      <p:nvGrpSpPr>
+        <p:cNvPr id="1" name=""/>
+        <p:cNvGrpSpPr/>
+        <p:nvPr/>
+      </p:nvGrpSpPr>
+      <p:grpSpPr>
+        <a:xfrm>
+          <a:off x="0" y="0"/>
+          <a:ext cx="0" cy="0"/>
+          <a:chOff x="0" y="0"/>
+          <a:chExt cx="0" cy="0"/>
+        </a:xfrm>
+      </p:grpSpPr>
+      <p:sp>
+        <p:nvSpPr>
+          <p:cNvPr id="2" name="Title 1">
+            <a:extLst>
+              <a:ext uri="{FF2B5EF4-FFF2-40B4-BE49-F238E27FC236}">
+                <a16:creationId xmlns:a16="http://schemas.microsoft.com/office/drawing/2014/main" id="{AB1E801A-B59A-4EB3-98E0-0C66777D183A}"/>
+              </a:ext>
+            </a:extLst>
+          </p:cNvPr>
+          <p:cNvSpPr>
+            <a:spLocks noGrp="1"/>
+          </p:cNvSpPr>
+          <p:nvPr>
+            <p:ph type="title"/>
+          </p:nvPr>
+        </p:nvSpPr>
+        <p:spPr/>
+        <p:txBody>
+          <a:bodyPr/>
+          <a:lstStyle/>
+          <a:p>
+            <a:r>
+              <a:rPr lang="en-US" dirty="0"/>
+              <a:t>Environments</a:t>
+            </a:r>
+            <a:endParaRPr lang="en-SG" dirty="0"/>
+          </a:p>
+        </p:txBody>
+      </p:sp>
+      <p:pic>
+        <p:nvPicPr>
+          <p:cNvPr id="4" name="Content Placeholder 3">
+            <a:extLst>
+              <a:ext uri="{FF2B5EF4-FFF2-40B4-BE49-F238E27FC236}">
+                <a16:creationId xmlns:a16="http://schemas.microsoft.com/office/drawing/2014/main" id="{880A4E5F-76EC-4713-B8B0-54CA4EA5B7FB}"/>
+              </a:ext>
+            </a:extLst>
+          </p:cNvPr>
+          <p:cNvPicPr>
+            <a:picLocks noGrp="1" noChangeAspect="1"/>
+          </p:cNvPicPr>
+          <p:nvPr>
+            <p:ph idx="1"/>
+          </p:nvPr>
+        </p:nvPicPr>
+        <p:blipFill>
+          <a:blip r:embed="rId2"/>
+          <a:stretch>
+            <a:fillRect/>
+          </a:stretch>
+        </p:blipFill>
+        <p:spPr>
+          <a:xfrm>
+            <a:off x="3781425" y="2420656"/>
+            <a:ext cx="2314575" cy="866775"/>
+          </a:xfrm>
+          <a:prstGeom prst="rect">
+            <a:avLst/>
+          </a:prstGeom>
+        </p:spPr>
+      </p:pic>
+      <p:pic>
+        <p:nvPicPr>
+          <p:cNvPr id="5" name="Picture 4">
+            <a:extLst>
+              <a:ext uri="{FF2B5EF4-FFF2-40B4-BE49-F238E27FC236}">
+                <a16:creationId xmlns:a16="http://schemas.microsoft.com/office/drawing/2014/main" id="{0C15CF1F-696C-4959-BAF5-6705FD46186A}"/>
+              </a:ext>
+            </a:extLst>
+          </p:cNvPr>
+          <p:cNvPicPr>
+            <a:picLocks noChangeAspect="1"/>
+          </p:cNvPicPr>
+          <p:nvPr/>
+        </p:nvPicPr>
+        <p:blipFill>
+          <a:blip r:embed="rId3"/>
+          <a:stretch>
+            <a:fillRect/>
+          </a:stretch>
+        </p:blipFill>
+        <p:spPr>
+          <a:xfrm>
+            <a:off x="6605587" y="420406"/>
+            <a:ext cx="4867275" cy="2867025"/>
+          </a:xfrm>
+          <a:prstGeom prst="rect">
+            <a:avLst/>
+          </a:prstGeom>
+        </p:spPr>
+      </p:pic>
+      <p:pic>
+        <p:nvPicPr>
+          <p:cNvPr id="6" name="Picture 5">
+            <a:extLst>
+              <a:ext uri="{FF2B5EF4-FFF2-40B4-BE49-F238E27FC236}">
+                <a16:creationId xmlns:a16="http://schemas.microsoft.com/office/drawing/2014/main" id="{A8B42694-F581-4F30-B1D5-FDE5CC5FC4FD}"/>
+              </a:ext>
+            </a:extLst>
+          </p:cNvPr>
+          <p:cNvPicPr>
+            <a:picLocks noChangeAspect="1"/>
+          </p:cNvPicPr>
+          <p:nvPr/>
+        </p:nvPicPr>
+        <p:blipFill>
+          <a:blip r:embed="rId4"/>
+          <a:stretch>
+            <a:fillRect/>
+          </a:stretch>
+        </p:blipFill>
+        <p:spPr>
+          <a:xfrm>
+            <a:off x="4938712" y="3755594"/>
+            <a:ext cx="4162425" cy="1076325"/>
+          </a:xfrm>
+          <a:prstGeom prst="rect">
+            <a:avLst/>
+          </a:prstGeom>
+        </p:spPr>
+      </p:pic>
+      <p:sp>
+        <p:nvSpPr>
+          <p:cNvPr id="8" name="Content Placeholder 2">
+            <a:extLst>
+              <a:ext uri="{FF2B5EF4-FFF2-40B4-BE49-F238E27FC236}">
+                <a16:creationId xmlns:a16="http://schemas.microsoft.com/office/drawing/2014/main" id="{1DC1842F-9EE4-4A7C-8BE9-47102AAF407B}"/>
+              </a:ext>
+            </a:extLst>
+          </p:cNvPr>
+          <p:cNvSpPr txBox="1">
+            <a:spLocks/>
+          </p:cNvSpPr>
+          <p:nvPr/>
+        </p:nvSpPr>
+        <p:spPr>
+          <a:xfrm>
+            <a:off x="838200" y="1825625"/>
+            <a:ext cx="5820784" cy="4351338"/>
+          </a:xfrm>
+          <a:prstGeom prst="rect">
+            <a:avLst/>
+          </a:prstGeom>
+        </p:spPr>
+        <p:txBody>
+          <a:bodyPr vert="horz" lIns="91440" tIns="45720" rIns="91440" bIns="45720" rtlCol="0">
+            <a:normAutofit/>
+          </a:bodyPr>
+          <a:lstStyle>
+            <a:lvl1pPr marL="228600" indent="-228600" algn="l" defTabSz="914400" rtl="0" eaLnBrk="1" latinLnBrk="0" hangingPunct="1">
+              <a:lnSpc>
+                <a:spcPct val="90000"/>
+              </a:lnSpc>
+              <a:spcBef>
+                <a:spcPts val="1000"/>
+              </a:spcBef>
+              <a:buFont typeface="Arial" panose="020B0604020202020204" pitchFamily="34" charset="0"/>
+              <a:buChar char="•"/>
+              <a:defRPr sz="2800" kern="1200">
+                <a:solidFill>
+                  <a:schemeClr val="tx1"/>
+                </a:solidFill>
+                <a:latin typeface="+mn-lt"/>
+                <a:ea typeface="+mn-ea"/>
+                <a:cs typeface="+mn-cs"/>
+              </a:defRPr>
+            </a:lvl1pPr>
+            <a:lvl2pPr marL="685800" indent="-228600" algn="l" defTabSz="914400" rtl="0" eaLnBrk="1" latinLnBrk="0" hangingPunct="1">
+              <a:lnSpc>
+                <a:spcPct val="90000"/>
+              </a:lnSpc>
+              <a:spcBef>
+                <a:spcPts val="500"/>
+              </a:spcBef>
+              <a:buFont typeface="Arial" panose="020B0604020202020204" pitchFamily="34" charset="0"/>
+              <a:buChar char="•"/>
+              <a:defRPr sz="2400" kern="1200">
+                <a:solidFill>
+                  <a:schemeClr val="tx1"/>
+                </a:solidFill>
+                <a:latin typeface="+mn-lt"/>
+                <a:ea typeface="+mn-ea"/>
+                <a:cs typeface="+mn-cs"/>
+              </a:defRPr>
+            </a:lvl2pPr>
+            <a:lvl3pPr marL="1143000" indent="-228600" algn="l" defTabSz="914400" rtl="0" eaLnBrk="1" latinLnBrk="0" hangingPunct="1">
+              <a:lnSpc>
+                <a:spcPct val="90000"/>
+              </a:lnSpc>
+              <a:spcBef>
+                <a:spcPts val="500"/>
+              </a:spcBef>
+              <a:buFont typeface="Arial" panose="020B0604020202020204" pitchFamily="34" charset="0"/>
+              <a:buChar char="•"/>
+              <a:defRPr sz="2000" kern="1200">
+                <a:solidFill>
+                  <a:schemeClr val="tx1"/>
+                </a:solidFill>
+                <a:latin typeface="+mn-lt"/>
+                <a:ea typeface="+mn-ea"/>
+                <a:cs typeface="+mn-cs"/>
+              </a:defRPr>
+            </a:lvl3pPr>
+            <a:lvl4pPr marL="1600200" indent="-228600" algn="l" defTabSz="914400" rtl="0" eaLnBrk="1" latinLnBrk="0" hangingPunct="1">
+              <a:lnSpc>
+                <a:spcPct val="90000"/>
+              </a:lnSpc>
+              <a:spcBef>
+                <a:spcPts val="500"/>
+              </a:spcBef>
+              <a:buFont typeface="Arial" panose="020B0604020202020204" pitchFamily="34" charset="0"/>
+              <a:buChar char="•"/>
+              <a:defRPr sz="1800" kern="1200">
+                <a:solidFill>
+                  <a:schemeClr val="tx1"/>
+                </a:solidFill>
+                <a:latin typeface="+mn-lt"/>
+                <a:ea typeface="+mn-ea"/>
+                <a:cs typeface="+mn-cs"/>
+              </a:defRPr>
+            </a:lvl4pPr>
+            <a:lvl5pPr marL="2057400" indent="-228600" algn="l" defTabSz="914400" rtl="0" eaLnBrk="1" latinLnBrk="0" hangingPunct="1">
+              <a:lnSpc>
+                <a:spcPct val="90000"/>
+              </a:lnSpc>
+              <a:spcBef>
+                <a:spcPts val="500"/>
+              </a:spcBef>
+              <a:buFont typeface="Arial" panose="020B0604020202020204" pitchFamily="34" charset="0"/>
+              <a:buChar char="•"/>
+              <a:defRPr sz="1800" kern="1200">
+                <a:solidFill>
+                  <a:schemeClr val="tx1"/>
+                </a:solidFill>
+                <a:latin typeface="+mn-lt"/>
+                <a:ea typeface="+mn-ea"/>
+                <a:cs typeface="+mn-cs"/>
+              </a:defRPr>
+            </a:lvl5pPr>
+            <a:lvl6pPr marL="2514600" indent="-228600" algn="l" defTabSz="914400" rtl="0" eaLnBrk="1" latinLnBrk="0" hangingPunct="1">
+              <a:lnSpc>
+                <a:spcPct val="90000"/>
+              </a:lnSpc>
+              <a:spcBef>
+                <a:spcPts val="500"/>
+              </a:spcBef>
+              <a:buFont typeface="Arial" panose="020B0604020202020204" pitchFamily="34" charset="0"/>
+              <a:buChar char="•"/>
+              <a:defRPr sz="1800" kern="1200">
+                <a:solidFill>
+                  <a:schemeClr val="tx1"/>
+                </a:solidFill>
+                <a:latin typeface="+mn-lt"/>
+                <a:ea typeface="+mn-ea"/>
+                <a:cs typeface="+mn-cs"/>
+              </a:defRPr>
+            </a:lvl6pPr>
+            <a:lvl7pPr marL="2971800" indent="-228600" algn="l" defTabSz="914400" rtl="0" eaLnBrk="1" latinLnBrk="0" hangingPunct="1">
+              <a:lnSpc>
+                <a:spcPct val="90000"/>
+              </a:lnSpc>
+              <a:spcBef>
+                <a:spcPts val="500"/>
+              </a:spcBef>
+              <a:buFont typeface="Arial" panose="020B0604020202020204" pitchFamily="34" charset="0"/>
+              <a:buChar char="•"/>
+              <a:defRPr sz="1800" kern="1200">
+                <a:solidFill>
+                  <a:schemeClr val="tx1"/>
+                </a:solidFill>
+                <a:latin typeface="+mn-lt"/>
+                <a:ea typeface="+mn-ea"/>
+                <a:cs typeface="+mn-cs"/>
+              </a:defRPr>
+            </a:lvl7pPr>
+            <a:lvl8pPr marL="3429000" indent="-228600" algn="l" defTabSz="914400" rtl="0" eaLnBrk="1" latinLnBrk="0" hangingPunct="1">
+              <a:lnSpc>
+                <a:spcPct val="90000"/>
+              </a:lnSpc>
+              <a:spcBef>
+                <a:spcPts val="500"/>
+              </a:spcBef>
+              <a:buFont typeface="Arial" panose="020B0604020202020204" pitchFamily="34" charset="0"/>
+              <a:buChar char="•"/>
+              <a:defRPr sz="1800" kern="1200">
+                <a:solidFill>
+                  <a:schemeClr val="tx1"/>
+                </a:solidFill>
+                <a:latin typeface="+mn-lt"/>
+                <a:ea typeface="+mn-ea"/>
+                <a:cs typeface="+mn-cs"/>
+              </a:defRPr>
+            </a:lvl8pPr>
+            <a:lvl9pPr marL="3886200" indent="-228600" algn="l" defTabSz="914400" rtl="0" eaLnBrk="1" latinLnBrk="0" hangingPunct="1">
+              <a:lnSpc>
+                <a:spcPct val="90000"/>
+              </a:lnSpc>
+              <a:spcBef>
+                <a:spcPts val="500"/>
+              </a:spcBef>
+              <a:buFont typeface="Arial" panose="020B0604020202020204" pitchFamily="34" charset="0"/>
+              <a:buChar char="•"/>
+              <a:defRPr sz="1800" kern="1200">
+                <a:solidFill>
+                  <a:schemeClr val="tx1"/>
+                </a:solidFill>
+                <a:latin typeface="+mn-lt"/>
+                <a:ea typeface="+mn-ea"/>
+                <a:cs typeface="+mn-cs"/>
+              </a:defRPr>
+            </a:lvl9pPr>
+          </a:lstStyle>
+          <a:p>
+            <a:r>
+              <a:rPr lang="en-SG" dirty="0"/>
+              <a:t>Setup multiple environments</a:t>
+            </a:r>
+          </a:p>
+          <a:p>
+            <a:pPr lvl="1"/>
+            <a:r>
+              <a:rPr lang="en-SG" dirty="0"/>
+              <a:t>Development</a:t>
+            </a:r>
+          </a:p>
+          <a:p>
+            <a:pPr lvl="1"/>
+            <a:r>
+              <a:rPr lang="en-SG" dirty="0"/>
+              <a:t>Integration</a:t>
+            </a:r>
+          </a:p>
+          <a:p>
+            <a:pPr lvl="1"/>
+            <a:r>
+              <a:rPr lang="en-SG" dirty="0"/>
+              <a:t>Production</a:t>
+            </a:r>
+          </a:p>
+          <a:p>
+            <a:pPr lvl="1"/>
+            <a:endParaRPr lang="en-SG" dirty="0"/>
+          </a:p>
+          <a:p>
+            <a:r>
+              <a:rPr lang="en-SG" dirty="0"/>
+              <a:t>Configure Angular CLI</a:t>
+            </a:r>
+          </a:p>
+          <a:p>
+            <a:endParaRPr lang="en-SG" dirty="0"/>
+          </a:p>
+          <a:p>
+            <a:r>
+              <a:rPr lang="en-SG" dirty="0"/>
+              <a:t>Serve with a configuration</a:t>
+            </a:r>
+          </a:p>
+        </p:txBody>
+      </p:sp>
+      <p:pic>
+        <p:nvPicPr>
+          <p:cNvPr id="9" name="Picture 8">
+            <a:extLst>
+              <a:ext uri="{FF2B5EF4-FFF2-40B4-BE49-F238E27FC236}">
+                <a16:creationId xmlns:a16="http://schemas.microsoft.com/office/drawing/2014/main" id="{63224CDC-C2CC-40BA-9BFC-302043351348}"/>
+              </a:ext>
+            </a:extLst>
+          </p:cNvPr>
+          <p:cNvPicPr>
+            <a:picLocks noChangeAspect="1"/>
+          </p:cNvPicPr>
+          <p:nvPr/>
+        </p:nvPicPr>
+        <p:blipFill>
+          <a:blip r:embed="rId5"/>
+          <a:stretch>
+            <a:fillRect/>
+          </a:stretch>
+        </p:blipFill>
+        <p:spPr>
+          <a:xfrm>
+            <a:off x="1226035" y="5488809"/>
+            <a:ext cx="2876550" cy="161925"/>
+          </a:xfrm>
+          <a:prstGeom prst="rect">
+            <a:avLst/>
+          </a:prstGeom>
+        </p:spPr>
+      </p:pic>
+      <p:sp>
+        <p:nvSpPr>
+          <p:cNvPr id="10" name="Arrow: Right 9">
+            <a:extLst>
+              <a:ext uri="{FF2B5EF4-FFF2-40B4-BE49-F238E27FC236}">
+                <a16:creationId xmlns:a16="http://schemas.microsoft.com/office/drawing/2014/main" id="{15C38536-F23B-4047-B6E1-9738C819BC24}"/>
+              </a:ext>
+            </a:extLst>
+          </p:cNvPr>
+          <p:cNvSpPr/>
+          <p:nvPr/>
+        </p:nvSpPr>
+        <p:spPr>
+          <a:xfrm>
+            <a:off x="5665694" y="2716306"/>
+            <a:ext cx="1183341" cy="322729"/>
+          </a:xfrm>
+          <a:prstGeom prst="rightArrow">
+            <a:avLst/>
+          </a:prstGeom>
+        </p:spPr>
+        <p:style>
+          <a:lnRef idx="2">
+            <a:schemeClr val="accent1">
+              <a:shade val="50000"/>
+            </a:schemeClr>
+          </a:lnRef>
+          <a:fillRef idx="1">
+            <a:schemeClr val="accent1"/>
+          </a:fillRef>
+          <a:effectRef idx="0">
+            <a:schemeClr val="accent1"/>
+          </a:effectRef>
+          <a:fontRef idx="minor">
+            <a:schemeClr val="lt1"/>
+          </a:fontRef>
+        </p:style>
+        <p:txBody>
+          <a:bodyPr rtlCol="0" anchor="ctr"/>
+          <a:lstStyle/>
+          <a:p>
+            <a:pPr algn="ctr"/>
+            <a:endParaRPr lang="en-SG"/>
+          </a:p>
+        </p:txBody>
+      </p:sp>
+    </p:spTree>
+    <p:extLst>
+      <p:ext uri="{BB962C8B-B14F-4D97-AF65-F5344CB8AC3E}">
+        <p14:creationId xmlns:p14="http://schemas.microsoft.com/office/powerpoint/2010/main" val="4294603303"/>
+      </p:ext>
+    </p:extLst>
+  </p:cSld>
+  <p:clrMapOvr>
+    <a:masterClrMapping/>
+  </p:clrMapOvr>
+  <p:timing>
+    <p:tnLst>
+      <p:par>
+        <p:cTn id="1" dur="indefinite" restart="never" nodeType="tmRoot">
+          <p:childTnLst>
+            <p:seq concurrent="1" nextAc="seek">
+              <p:cTn id="2" dur="indefinite" nodeType="mainSeq">
+                <p:childTnLst>
+                  <p:par>
+                    <p:cTn id="3" fill="hold">
+                      <p:stCondLst>
+                        <p:cond delay="indefinite"/>
+                      </p:stCondLst>
+                      <p:childTnLst>
+                        <p:par>
+                          <p:cTn id="4" fill="hold">
+                            <p:stCondLst>
+                              <p:cond delay="0"/>
+                            </p:stCondLst>
+                            <p:childTnLst>
+                              <p:par>
+                                <p:cTn id="5" presetID="1" presetClass="entr" presetSubtype="0" fill="hold" grpId="0" nodeType="clickEffect">
+                                  <p:stCondLst>
+                                    <p:cond delay="0"/>
+                                  </p:stCondLst>
+                                  <p:childTnLst>
+                                    <p:set>
+                                      <p:cBhvr>
+                                        <p:cTn id="6" dur="1" fill="hold">
+                                          <p:stCondLst>
+                                            <p:cond delay="0"/>
+                                          </p:stCondLst>
+                                        </p:cTn>
+                                        <p:tgtEl>
+                                          <p:spTgt spid="8"/>
+                                        </p:tgtEl>
+                                        <p:attrNameLst>
+                                          <p:attrName>style.visibility</p:attrName>
+                                        </p:attrNameLst>
+                                      </p:cBhvr>
+                                      <p:to>
+                                        <p:strVal val="visible"/>
+                                      </p:to>
+                                    </p:set>
+                                  </p:childTnLst>
+                                </p:cTn>
+                              </p:par>
+                            </p:childTnLst>
+                          </p:cTn>
+                        </p:par>
+                      </p:childTnLst>
+                    </p:cTn>
+                  </p:par>
+                  <p:par>
+                    <p:cTn id="7" fill="hold">
+                      <p:stCondLst>
+                        <p:cond delay="indefinite"/>
+                      </p:stCondLst>
+                      <p:childTnLst>
+                        <p:par>
+                          <p:cTn id="8" fill="hold">
+                            <p:stCondLst>
+                              <p:cond delay="0"/>
+                            </p:stCondLst>
+                            <p:childTnLst>
+                              <p:par>
+                                <p:cTn id="9" presetID="1" presetClass="entr" presetSubtype="0" fill="hold" nodeType="clickEffect">
+                                  <p:stCondLst>
+                                    <p:cond delay="0"/>
+                                  </p:stCondLst>
+                                  <p:childTnLst>
+                                    <p:set>
+                                      <p:cBhvr>
+                                        <p:cTn id="10" dur="1" fill="hold">
+                                          <p:stCondLst>
+                                            <p:cond delay="0"/>
+                                          </p:stCondLst>
+                                        </p:cTn>
+                                        <p:tgtEl>
+                                          <p:spTgt spid="8">
+                                            <p:txEl>
+                                              <p:pRg st="1" end="1"/>
+                                            </p:txEl>
+                                          </p:spTgt>
+                                        </p:tgtEl>
+                                        <p:attrNameLst>
+                                          <p:attrName>style.visibility</p:attrName>
+                                        </p:attrNameLst>
+                                      </p:cBhvr>
+                                      <p:to>
+                                        <p:strVal val="visible"/>
+                                      </p:to>
+                                    </p:set>
+                                  </p:childTnLst>
+                                </p:cTn>
+                              </p:par>
+                              <p:par>
+                                <p:cTn id="11" presetID="1" presetClass="entr" presetSubtype="0" fill="hold" nodeType="withEffect">
+                                  <p:stCondLst>
+                                    <p:cond delay="0"/>
+                                  </p:stCondLst>
+                                  <p:childTnLst>
+                                    <p:set>
+                                      <p:cBhvr>
+                                        <p:cTn id="12" dur="1" fill="hold">
+                                          <p:stCondLst>
+                                            <p:cond delay="0"/>
+                                          </p:stCondLst>
+                                        </p:cTn>
+                                        <p:tgtEl>
+                                          <p:spTgt spid="8">
+                                            <p:txEl>
+                                              <p:pRg st="2" end="2"/>
+                                            </p:txEl>
+                                          </p:spTgt>
+                                        </p:tgtEl>
+                                        <p:attrNameLst>
+                                          <p:attrName>style.visibility</p:attrName>
+                                        </p:attrNameLst>
+                                      </p:cBhvr>
+                                      <p:to>
+                                        <p:strVal val="visible"/>
+                                      </p:to>
+                                    </p:set>
+                                  </p:childTnLst>
+                                </p:cTn>
+                              </p:par>
+                              <p:par>
+                                <p:cTn id="13" presetID="1" presetClass="entr" presetSubtype="0" fill="hold" nodeType="withEffect">
+                                  <p:stCondLst>
+                                    <p:cond delay="0"/>
+                                  </p:stCondLst>
+                                  <p:childTnLst>
+                                    <p:set>
+                                      <p:cBhvr>
+                                        <p:cTn id="14" dur="1" fill="hold">
+                                          <p:stCondLst>
+                                            <p:cond delay="0"/>
+                                          </p:stCondLst>
+                                        </p:cTn>
+                                        <p:tgtEl>
+                                          <p:spTgt spid="8">
+                                            <p:txEl>
+                                              <p:pRg st="3" end="3"/>
+                                            </p:txEl>
+                                          </p:spTgt>
+                                        </p:tgtEl>
+                                        <p:attrNameLst>
+                                          <p:attrName>style.visibility</p:attrName>
+                                        </p:attrNameLst>
+                                      </p:cBhvr>
+                                      <p:to>
+                                        <p:strVal val="visible"/>
+                                      </p:to>
+                                    </p:set>
+                                  </p:childTnLst>
+                                </p:cTn>
+                              </p:par>
+                              <p:par>
+                                <p:cTn id="15" presetID="1" presetClass="entr" presetSubtype="0" fill="hold" nodeType="withEffect">
+                                  <p:stCondLst>
+                                    <p:cond delay="0"/>
+                                  </p:stCondLst>
+                                  <p:childTnLst>
+                                    <p:set>
+                                      <p:cBhvr>
+                                        <p:cTn id="16" dur="1" fill="hold">
+                                          <p:stCondLst>
+                                            <p:cond delay="0"/>
+                                          </p:stCondLst>
+                                        </p:cTn>
+                                        <p:tgtEl>
+                                          <p:spTgt spid="4"/>
+                                        </p:tgtEl>
+                                        <p:attrNameLst>
+                                          <p:attrName>style.visibility</p:attrName>
+                                        </p:attrNameLst>
+                                      </p:cBhvr>
+                                      <p:to>
+                                        <p:strVal val="visible"/>
+                                      </p:to>
+                                    </p:set>
+                                  </p:childTnLst>
+                                </p:cTn>
+                              </p:par>
+                            </p:childTnLst>
+                          </p:cTn>
+                        </p:par>
+                      </p:childTnLst>
+                    </p:cTn>
+                  </p:par>
+                  <p:par>
+                    <p:cTn id="17" fill="hold">
+                      <p:stCondLst>
+                        <p:cond delay="indefinite"/>
+                      </p:stCondLst>
+                      <p:childTnLst>
+                        <p:par>
+                          <p:cTn id="18" fill="hold">
+                            <p:stCondLst>
+                              <p:cond delay="0"/>
+                            </p:stCondLst>
+                            <p:childTnLst>
+                              <p:par>
+                                <p:cTn id="19" presetID="1" presetClass="entr" presetSubtype="0" fill="hold" nodeType="clickEffect">
+                                  <p:stCondLst>
+                                    <p:cond delay="0"/>
+                                  </p:stCondLst>
+                                  <p:childTnLst>
+                                    <p:set>
+                                      <p:cBhvr>
+                                        <p:cTn id="20" dur="1" fill="hold">
+                                          <p:stCondLst>
+                                            <p:cond delay="0"/>
+                                          </p:stCondLst>
+                                        </p:cTn>
+                                        <p:tgtEl>
+                                          <p:spTgt spid="5"/>
+                                        </p:tgtEl>
+                                        <p:attrNameLst>
+                                          <p:attrName>style.visibility</p:attrName>
+                                        </p:attrNameLst>
+                                      </p:cBhvr>
+                                      <p:to>
+                                        <p:strVal val="visible"/>
+                                      </p:to>
+                                    </p:set>
+                                  </p:childTnLst>
+                                </p:cTn>
+                              </p:par>
+                              <p:par>
+                                <p:cTn id="21" presetID="1" presetClass="entr" presetSubtype="0" fill="hold" grpId="0" nodeType="withEffect">
+                                  <p:stCondLst>
+                                    <p:cond delay="0"/>
+                                  </p:stCondLst>
+                                  <p:childTnLst>
+                                    <p:set>
+                                      <p:cBhvr>
+                                        <p:cTn id="22" dur="1" fill="hold">
+                                          <p:stCondLst>
+                                            <p:cond delay="0"/>
+                                          </p:stCondLst>
+                                        </p:cTn>
+                                        <p:tgtEl>
+                                          <p:spTgt spid="10"/>
+                                        </p:tgtEl>
+                                        <p:attrNameLst>
+                                          <p:attrName>style.visibility</p:attrName>
+                                        </p:attrNameLst>
+                                      </p:cBhvr>
+                                      <p:to>
+                                        <p:strVal val="visible"/>
+                                      </p:to>
+                                    </p:set>
+                                  </p:childTnLst>
+                                </p:cTn>
+                              </p:par>
+                            </p:childTnLst>
+                          </p:cTn>
+                        </p:par>
+                      </p:childTnLst>
+                    </p:cTn>
+                  </p:par>
+                  <p:par>
+                    <p:cTn id="23" fill="hold">
+                      <p:stCondLst>
+                        <p:cond delay="indefinite"/>
+                      </p:stCondLst>
+                      <p:childTnLst>
+                        <p:par>
+                          <p:cTn id="24" fill="hold">
+                            <p:stCondLst>
+                              <p:cond delay="0"/>
+                            </p:stCondLst>
+                            <p:childTnLst>
+                              <p:par>
+                                <p:cTn id="25" presetID="1" presetClass="entr" presetSubtype="0" fill="hold" nodeType="clickEffect">
+                                  <p:stCondLst>
+                                    <p:cond delay="0"/>
+                                  </p:stCondLst>
+                                  <p:childTnLst>
+                                    <p:set>
+                                      <p:cBhvr>
+                                        <p:cTn id="26" dur="1" fill="hold">
+                                          <p:stCondLst>
+                                            <p:cond delay="0"/>
+                                          </p:stCondLst>
+                                        </p:cTn>
+                                        <p:tgtEl>
+                                          <p:spTgt spid="8">
+                                            <p:txEl>
+                                              <p:pRg st="5" end="5"/>
+                                            </p:txEl>
+                                          </p:spTgt>
+                                        </p:tgtEl>
+                                        <p:attrNameLst>
+                                          <p:attrName>style.visibility</p:attrName>
+                                        </p:attrNameLst>
+                                      </p:cBhvr>
+                                      <p:to>
+                                        <p:strVal val="visible"/>
+                                      </p:to>
+                                    </p:set>
+                                  </p:childTnLst>
+                                </p:cTn>
+                              </p:par>
+                              <p:par>
+                                <p:cTn id="27" presetID="1" presetClass="entr" presetSubtype="0" fill="hold" nodeType="withEffect">
+                                  <p:stCondLst>
+                                    <p:cond delay="0"/>
+                                  </p:stCondLst>
+                                  <p:childTnLst>
+                                    <p:set>
+                                      <p:cBhvr>
+                                        <p:cTn id="28" dur="1" fill="hold">
+                                          <p:stCondLst>
+                                            <p:cond delay="0"/>
+                                          </p:stCondLst>
+                                        </p:cTn>
+                                        <p:tgtEl>
+                                          <p:spTgt spid="6"/>
+                                        </p:tgtEl>
+                                        <p:attrNameLst>
+                                          <p:attrName>style.visibility</p:attrName>
+                                        </p:attrNameLst>
+                                      </p:cBhvr>
+                                      <p:to>
+                                        <p:strVal val="visible"/>
+                                      </p:to>
+                                    </p:set>
+                                  </p:childTnLst>
+                                </p:cTn>
+                              </p:par>
+                            </p:childTnLst>
+                          </p:cTn>
+                        </p:par>
+                      </p:childTnLst>
+                    </p:cTn>
+                  </p:par>
+                  <p:par>
+                    <p:cTn id="29" fill="hold">
+                      <p:stCondLst>
+                        <p:cond delay="indefinite"/>
+                      </p:stCondLst>
+                      <p:childTnLst>
+                        <p:par>
+                          <p:cTn id="30" fill="hold">
+                            <p:stCondLst>
+                              <p:cond delay="0"/>
+                            </p:stCondLst>
+                            <p:childTnLst>
+                              <p:par>
+                                <p:cTn id="31" presetID="1" presetClass="entr" presetSubtype="0" fill="hold" nodeType="clickEffect">
+                                  <p:stCondLst>
+                                    <p:cond delay="0"/>
+                                  </p:stCondLst>
+                                  <p:childTnLst>
+                                    <p:set>
+                                      <p:cBhvr>
+                                        <p:cTn id="32" dur="1" fill="hold">
+                                          <p:stCondLst>
+                                            <p:cond delay="0"/>
+                                          </p:stCondLst>
+                                        </p:cTn>
+                                        <p:tgtEl>
+                                          <p:spTgt spid="8">
+                                            <p:txEl>
+                                              <p:pRg st="7" end="7"/>
+                                            </p:txEl>
+                                          </p:spTgt>
+                                        </p:tgtEl>
+                                        <p:attrNameLst>
+                                          <p:attrName>style.visibility</p:attrName>
+                                        </p:attrNameLst>
+                                      </p:cBhvr>
+                                      <p:to>
+                                        <p:strVal val="visible"/>
+                                      </p:to>
+                                    </p:set>
+                                  </p:childTnLst>
+                                </p:cTn>
+                              </p:par>
+                              <p:par>
+                                <p:cTn id="33" presetID="1" presetClass="entr" presetSubtype="0" fill="hold" nodeType="withEffect">
+                                  <p:stCondLst>
+                                    <p:cond delay="0"/>
+                                  </p:stCondLst>
+                                  <p:childTnLst>
+                                    <p:set>
+                                      <p:cBhvr>
+                                        <p:cTn id="34" dur="1" fill="hold">
+                                          <p:stCondLst>
+                                            <p:cond delay="0"/>
+                                          </p:stCondLst>
+                                        </p:cTn>
+                                        <p:tgtEl>
+                                          <p:spTgt spid="9"/>
+                                        </p:tgtEl>
+                                        <p:attrNameLst>
+                                          <p:attrName>style.visibility</p:attrName>
+                                        </p:attrNameLst>
+                                      </p:cBhvr>
+                                      <p:to>
+                                        <p:strVal val="visible"/>
+                                      </p:to>
+                                    </p:set>
+                                  </p:childTnLst>
+                                </p:cTn>
+                              </p:par>
+                            </p:childTnLst>
+                          </p:cTn>
+                        </p:par>
+                      </p:childTnLst>
+                    </p:cTn>
+                  </p:par>
+                </p:childTnLst>
+              </p:cTn>
+              <p:prevCondLst>
+                <p:cond evt="onPrev" delay="0">
+                  <p:tgtEl>
+                    <p:sldTgt/>
+                  </p:tgtEl>
+                </p:cond>
+              </p:prevCondLst>
+              <p:nextCondLst>
+                <p:cond evt="onNext" delay="0">
+                  <p:tgtEl>
+                    <p:sldTgt/>
+                  </p:tgtEl>
+                </p:cond>
+              </p:nextCondLst>
+            </p:seq>
+          </p:childTnLst>
+        </p:cTn>
+      </p:par>
+    </p:tnLst>
+    <p:bldLst>
+      <p:bldP spid="8" grpId="0"/>
+      <p:bldP spid="10" grpId="0" animBg="1"/>
+    </p:bldLst>
+  </p:timing>
+</p:sld>
+</file>
+
+<file path=ppt/slides/slide29.xml><?xml version="1.0" encoding="utf-8"?>
+<p:sld xmlns:a="http://schemas.openxmlformats.org/drawingml/2006/main" xmlns:r="http://schemas.openxmlformats.org/officeDocument/2006/relationships" xmlns:p="http://schemas.openxmlformats.org/presentationml/2006/main">
+  <p:cSld>
+    <p:spTree>
+      <p:nvGrpSpPr>
+        <p:cNvPr id="1" name=""/>
+        <p:cNvGrpSpPr/>
+        <p:nvPr/>
+      </p:nvGrpSpPr>
+      <p:grpSpPr>
+        <a:xfrm>
+          <a:off x="0" y="0"/>
+          <a:ext cx="0" cy="0"/>
+          <a:chOff x="0" y="0"/>
+          <a:chExt cx="0" cy="0"/>
+        </a:xfrm>
+      </p:grpSpPr>
+      <p:sp>
+        <p:nvSpPr>
+          <p:cNvPr id="2" name="Title 1">
+            <a:extLst>
+              <a:ext uri="{FF2B5EF4-FFF2-40B4-BE49-F238E27FC236}">
+                <a16:creationId xmlns:a16="http://schemas.microsoft.com/office/drawing/2014/main" id="{A668B408-496B-4E2F-90C3-18F3B2361CD0}"/>
+              </a:ext>
+            </a:extLst>
+          </p:cNvPr>
+          <p:cNvSpPr>
+            <a:spLocks noGrp="1"/>
+          </p:cNvSpPr>
+          <p:nvPr>
+            <p:ph type="title"/>
+          </p:nvPr>
+        </p:nvSpPr>
+        <p:spPr/>
+        <p:txBody>
+          <a:bodyPr/>
+          <a:lstStyle/>
+          <a:p>
+            <a:r>
+              <a:rPr lang="en-SG" dirty="0"/>
+              <a:t>Publishing</a:t>
+            </a:r>
+          </a:p>
+        </p:txBody>
+      </p:sp>
+      <p:pic>
+        <p:nvPicPr>
+          <p:cNvPr id="4" name="Content Placeholder 3">
+            <a:extLst>
+              <a:ext uri="{FF2B5EF4-FFF2-40B4-BE49-F238E27FC236}">
+                <a16:creationId xmlns:a16="http://schemas.microsoft.com/office/drawing/2014/main" id="{CFC74D48-16DC-485A-AD99-A14C83242E34}"/>
+              </a:ext>
+            </a:extLst>
+          </p:cNvPr>
+          <p:cNvPicPr>
+            <a:picLocks noGrp="1" noChangeAspect="1"/>
+          </p:cNvPicPr>
+          <p:nvPr>
+            <p:ph idx="1"/>
+          </p:nvPr>
+        </p:nvPicPr>
+        <p:blipFill>
+          <a:blip r:embed="rId2"/>
+          <a:stretch>
+            <a:fillRect/>
+          </a:stretch>
+        </p:blipFill>
+        <p:spPr>
+          <a:xfrm>
+            <a:off x="838200" y="1690688"/>
+            <a:ext cx="2209800" cy="1362075"/>
+          </a:xfrm>
+          <a:prstGeom prst="rect">
+            <a:avLst/>
+          </a:prstGeom>
+        </p:spPr>
+      </p:pic>
+      <p:pic>
+        <p:nvPicPr>
+          <p:cNvPr id="6" name="Picture 5">
+            <a:extLst>
+              <a:ext uri="{FF2B5EF4-FFF2-40B4-BE49-F238E27FC236}">
+                <a16:creationId xmlns:a16="http://schemas.microsoft.com/office/drawing/2014/main" id="{13CEBAEF-D492-4293-BCCF-9325AF8B0564}"/>
+              </a:ext>
+            </a:extLst>
+          </p:cNvPr>
+          <p:cNvPicPr>
+            <a:picLocks noChangeAspect="1"/>
+          </p:cNvPicPr>
+          <p:nvPr/>
+        </p:nvPicPr>
+        <p:blipFill>
+          <a:blip r:embed="rId3"/>
+          <a:stretch>
+            <a:fillRect/>
+          </a:stretch>
+        </p:blipFill>
+        <p:spPr>
+          <a:xfrm>
+            <a:off x="838200" y="3523018"/>
+            <a:ext cx="3038475" cy="1724025"/>
+          </a:xfrm>
+          <a:prstGeom prst="rect">
+            <a:avLst/>
+          </a:prstGeom>
+        </p:spPr>
+      </p:pic>
+      <p:pic>
+        <p:nvPicPr>
+          <p:cNvPr id="7" name="Picture 6">
+            <a:extLst>
+              <a:ext uri="{FF2B5EF4-FFF2-40B4-BE49-F238E27FC236}">
+                <a16:creationId xmlns:a16="http://schemas.microsoft.com/office/drawing/2014/main" id="{79D77503-85CA-4421-8013-754901AE88B9}"/>
+              </a:ext>
+            </a:extLst>
+          </p:cNvPr>
+          <p:cNvPicPr>
+            <a:picLocks noChangeAspect="1"/>
+          </p:cNvPicPr>
+          <p:nvPr/>
+        </p:nvPicPr>
+        <p:blipFill>
+          <a:blip r:embed="rId4"/>
+          <a:stretch>
+            <a:fillRect/>
+          </a:stretch>
+        </p:blipFill>
+        <p:spPr>
+          <a:xfrm>
+            <a:off x="838200" y="5741895"/>
+            <a:ext cx="4048125" cy="904875"/>
+          </a:xfrm>
+          <a:prstGeom prst="rect">
+            <a:avLst/>
+          </a:prstGeom>
+        </p:spPr>
+      </p:pic>
+      <p:pic>
+        <p:nvPicPr>
+          <p:cNvPr id="8" name="Picture 7">
+            <a:extLst>
+              <a:ext uri="{FF2B5EF4-FFF2-40B4-BE49-F238E27FC236}">
+                <a16:creationId xmlns:a16="http://schemas.microsoft.com/office/drawing/2014/main" id="{57E4E0E7-55DA-46DB-BA93-6529B8362015}"/>
+              </a:ext>
+            </a:extLst>
+          </p:cNvPr>
+          <p:cNvPicPr>
+            <a:picLocks noChangeAspect="1"/>
+          </p:cNvPicPr>
+          <p:nvPr/>
+        </p:nvPicPr>
+        <p:blipFill>
+          <a:blip r:embed="rId5"/>
+          <a:stretch>
+            <a:fillRect/>
+          </a:stretch>
+        </p:blipFill>
+        <p:spPr>
+          <a:xfrm>
+            <a:off x="1362635" y="5327780"/>
+            <a:ext cx="3533775" cy="257175"/>
+          </a:xfrm>
+          <a:prstGeom prst="rect">
+            <a:avLst/>
+          </a:prstGeom>
+        </p:spPr>
+      </p:pic>
+    </p:spTree>
+    <p:extLst>
+      <p:ext uri="{BB962C8B-B14F-4D97-AF65-F5344CB8AC3E}">
+        <p14:creationId xmlns:p14="http://schemas.microsoft.com/office/powerpoint/2010/main" val="3829486065"/>
+      </p:ext>
+    </p:extLst>
+  </p:cSld>
+  <p:clrMapOvr>
+    <a:masterClrMapping/>
+  </p:clrMapOvr>
 </p:sld>
 </file>
 

--- a/angular/Frontend.pptx
+++ b/angular/Frontend.pptx
@@ -34,6 +34,7 @@
     <p:sldId id="285" r:id="rId28"/>
     <p:sldId id="283" r:id="rId29"/>
     <p:sldId id="284" r:id="rId30"/>
+    <p:sldId id="286" r:id="rId31"/>
   </p:sldIdLst>
   <p:sldSz cx="12192000" cy="6858000"/>
   <p:notesSz cx="6858000" cy="9144000"/>
@@ -8079,7 +8080,12 @@
             <p:ph type="title"/>
           </p:nvPr>
         </p:nvSpPr>
-        <p:spPr/>
+        <p:spPr>
+          <a:xfrm>
+            <a:off x="838200" y="365125"/>
+            <a:ext cx="10515600" cy="1325563"/>
+          </a:xfrm>
+        </p:spPr>
         <p:txBody>
           <a:bodyPr/>
           <a:lstStyle/>
@@ -10928,9 +10934,6 @@
                     <p:cTn id="3" fill="hold">
                       <p:stCondLst>
                         <p:cond delay="indefinite"/>
-                        <p:cond evt="onBegin" delay="0">
-                          <p:tn val="2"/>
-                        </p:cond>
                       </p:stCondLst>
                       <p:childTnLst>
                         <p:par>
@@ -10940,7 +10943,7 @@
                             </p:stCondLst>
                             <p:childTnLst>
                               <p:par>
-                                <p:cTn id="5" presetID="1" presetClass="entr" presetSubtype="0" fill="hold" nodeType="withEffect">
+                                <p:cTn id="5" presetID="1" presetClass="entr" presetSubtype="0" fill="hold" nodeType="clickEffect">
                                   <p:stCondLst>
                                     <p:cond delay="0"/>
                                   </p:stCondLst>
@@ -10953,7 +10956,286 @@
                                           </p:stCondLst>
                                         </p:cTn>
                                         <p:tgtEl>
+                                          <p:spTgt spid="29"/>
+                                        </p:tgtEl>
+                                        <p:attrNameLst>
+                                          <p:attrName>style.visibility</p:attrName>
+                                        </p:attrNameLst>
+                                      </p:cBhvr>
+                                      <p:to>
+                                        <p:strVal val="visible"/>
+                                      </p:to>
+                                    </p:set>
+                                  </p:childTnLst>
+                                </p:cTn>
+                              </p:par>
+                            </p:childTnLst>
+                          </p:cTn>
+                        </p:par>
+                      </p:childTnLst>
+                    </p:cTn>
+                  </p:par>
+                  <p:par>
+                    <p:cTn id="7" fill="hold">
+                      <p:stCondLst>
+                        <p:cond delay="indefinite"/>
+                      </p:stCondLst>
+                      <p:childTnLst>
+                        <p:par>
+                          <p:cTn id="8" fill="hold">
+                            <p:stCondLst>
+                              <p:cond delay="0"/>
+                            </p:stCondLst>
+                            <p:childTnLst>
+                              <p:par>
+                                <p:cTn id="9" presetID="1" presetClass="entr" presetSubtype="0" fill="hold" nodeType="clickEffect">
+                                  <p:stCondLst>
+                                    <p:cond delay="0"/>
+                                  </p:stCondLst>
+                                  <p:childTnLst>
+                                    <p:set>
+                                      <p:cBhvr>
+                                        <p:cTn id="10" dur="1" fill="hold">
+                                          <p:stCondLst>
+                                            <p:cond delay="0"/>
+                                          </p:stCondLst>
+                                        </p:cTn>
+                                        <p:tgtEl>
+                                          <p:spTgt spid="31"/>
+                                        </p:tgtEl>
+                                        <p:attrNameLst>
+                                          <p:attrName>style.visibility</p:attrName>
+                                        </p:attrNameLst>
+                                      </p:cBhvr>
+                                      <p:to>
+                                        <p:strVal val="visible"/>
+                                      </p:to>
+                                    </p:set>
+                                  </p:childTnLst>
+                                </p:cTn>
+                              </p:par>
+                              <p:par>
+                                <p:cTn id="11" presetID="1" presetClass="entr" presetSubtype="0" fill="hold" nodeType="withEffect">
+                                  <p:stCondLst>
+                                    <p:cond delay="0"/>
+                                  </p:stCondLst>
+                                  <p:childTnLst>
+                                    <p:set>
+                                      <p:cBhvr>
+                                        <p:cTn id="12" dur="1" fill="hold">
+                                          <p:stCondLst>
+                                            <p:cond delay="0"/>
+                                          </p:stCondLst>
+                                        </p:cTn>
+                                        <p:tgtEl>
+                                          <p:spTgt spid="33"/>
+                                        </p:tgtEl>
+                                        <p:attrNameLst>
+                                          <p:attrName>style.visibility</p:attrName>
+                                        </p:attrNameLst>
+                                      </p:cBhvr>
+                                      <p:to>
+                                        <p:strVal val="visible"/>
+                                      </p:to>
+                                    </p:set>
+                                  </p:childTnLst>
+                                </p:cTn>
+                              </p:par>
+                            </p:childTnLst>
+                          </p:cTn>
+                        </p:par>
+                      </p:childTnLst>
+                    </p:cTn>
+                  </p:par>
+                  <p:par>
+                    <p:cTn id="13" fill="hold">
+                      <p:stCondLst>
+                        <p:cond delay="indefinite"/>
+                      </p:stCondLst>
+                      <p:childTnLst>
+                        <p:par>
+                          <p:cTn id="14" fill="hold">
+                            <p:stCondLst>
+                              <p:cond delay="0"/>
+                            </p:stCondLst>
+                            <p:childTnLst>
+                              <p:par>
+                                <p:cTn id="15" presetID="1" presetClass="entr" presetSubtype="0" fill="hold" nodeType="clickEffect">
+                                  <p:stCondLst>
+                                    <p:cond delay="0"/>
+                                  </p:stCondLst>
+                                  <p:childTnLst>
+                                    <p:set>
+                                      <p:cBhvr>
+                                        <p:cTn id="16" dur="1" fill="hold">
+                                          <p:stCondLst>
+                                            <p:cond delay="0"/>
+                                          </p:stCondLst>
+                                        </p:cTn>
+                                        <p:tgtEl>
+                                          <p:spTgt spid="3"/>
+                                        </p:tgtEl>
+                                        <p:attrNameLst>
+                                          <p:attrName>style.visibility</p:attrName>
+                                        </p:attrNameLst>
+                                      </p:cBhvr>
+                                      <p:to>
+                                        <p:strVal val="visible"/>
+                                      </p:to>
+                                    </p:set>
+                                  </p:childTnLst>
+                                </p:cTn>
+                              </p:par>
+                              <p:par>
+                                <p:cTn id="17" presetID="1" presetClass="entr" presetSubtype="0" fill="hold" nodeType="withEffect">
+                                  <p:stCondLst>
+                                    <p:cond delay="0"/>
+                                  </p:stCondLst>
+                                  <p:childTnLst>
+                                    <p:set>
+                                      <p:cBhvr>
+                                        <p:cTn id="18" dur="1" fill="hold">
+                                          <p:stCondLst>
+                                            <p:cond delay="0"/>
+                                          </p:stCondLst>
+                                        </p:cTn>
+                                        <p:tgtEl>
+                                          <p:spTgt spid="34"/>
+                                        </p:tgtEl>
+                                        <p:attrNameLst>
+                                          <p:attrName>style.visibility</p:attrName>
+                                        </p:attrNameLst>
+                                      </p:cBhvr>
+                                      <p:to>
+                                        <p:strVal val="visible"/>
+                                      </p:to>
+                                    </p:set>
+                                  </p:childTnLst>
+                                </p:cTn>
+                              </p:par>
+                            </p:childTnLst>
+                          </p:cTn>
+                        </p:par>
+                      </p:childTnLst>
+                    </p:cTn>
+                  </p:par>
+                  <p:par>
+                    <p:cTn id="19" fill="hold">
+                      <p:stCondLst>
+                        <p:cond delay="indefinite"/>
+                      </p:stCondLst>
+                      <p:childTnLst>
+                        <p:par>
+                          <p:cTn id="20" fill="hold">
+                            <p:stCondLst>
+                              <p:cond delay="0"/>
+                            </p:stCondLst>
+                            <p:childTnLst>
+                              <p:par>
+                                <p:cTn id="21" presetID="1" presetClass="entr" presetSubtype="0" fill="hold" nodeType="clickEffect">
+                                  <p:stCondLst>
+                                    <p:cond delay="0"/>
+                                  </p:stCondLst>
+                                  <p:childTnLst>
+                                    <p:set>
+                                      <p:cBhvr>
+                                        <p:cTn id="22" dur="1" fill="hold">
+                                          <p:stCondLst>
+                                            <p:cond delay="0"/>
+                                          </p:stCondLst>
+                                        </p:cTn>
+                                        <p:tgtEl>
+                                          <p:spTgt spid="35"/>
+                                        </p:tgtEl>
+                                        <p:attrNameLst>
+                                          <p:attrName>style.visibility</p:attrName>
+                                        </p:attrNameLst>
+                                      </p:cBhvr>
+                                      <p:to>
+                                        <p:strVal val="visible"/>
+                                      </p:to>
+                                    </p:set>
+                                  </p:childTnLst>
+                                </p:cTn>
+                              </p:par>
+                            </p:childTnLst>
+                          </p:cTn>
+                        </p:par>
+                      </p:childTnLst>
+                    </p:cTn>
+                  </p:par>
+                  <p:par>
+                    <p:cTn id="23" fill="hold">
+                      <p:stCondLst>
+                        <p:cond delay="indefinite"/>
+                      </p:stCondLst>
+                      <p:childTnLst>
+                        <p:par>
+                          <p:cTn id="24" fill="hold">
+                            <p:stCondLst>
+                              <p:cond delay="0"/>
+                            </p:stCondLst>
+                            <p:childTnLst>
+                              <p:par>
+                                <p:cTn id="25" presetID="1" presetClass="entr" presetSubtype="0" fill="hold" nodeType="clickEffect">
+                                  <p:stCondLst>
+                                    <p:cond delay="0"/>
+                                  </p:stCondLst>
+                                  <p:childTnLst>
+                                    <p:set>
+                                      <p:cBhvr>
+                                        <p:cTn id="26" dur="1" fill="hold">
+                                          <p:stCondLst>
+                                            <p:cond delay="0"/>
+                                          </p:stCondLst>
+                                        </p:cTn>
+                                        <p:tgtEl>
                                           <p:spTgt spid="32"/>
+                                        </p:tgtEl>
+                                        <p:attrNameLst>
+                                          <p:attrName>style.visibility</p:attrName>
+                                        </p:attrNameLst>
+                                      </p:cBhvr>
+                                      <p:to>
+                                        <p:strVal val="visible"/>
+                                      </p:to>
+                                    </p:set>
+                                  </p:childTnLst>
+                                </p:cTn>
+                              </p:par>
+                            </p:childTnLst>
+                          </p:cTn>
+                        </p:par>
+                      </p:childTnLst>
+                    </p:cTn>
+                  </p:par>
+                  <p:par>
+                    <p:cTn id="27" fill="hold">
+                      <p:stCondLst>
+                        <p:cond delay="indefinite"/>
+                      </p:stCondLst>
+                      <p:childTnLst>
+                        <p:par>
+                          <p:cTn id="28" fill="hold">
+                            <p:stCondLst>
+                              <p:cond delay="0"/>
+                            </p:stCondLst>
+                            <p:childTnLst>
+                              <p:par>
+                                <p:cTn id="29" presetID="1" presetClass="entr" presetSubtype="0" fill="hold" nodeType="clickEffect">
+                                  <p:stCondLst>
+                                    <p:cond delay="0"/>
+                                  </p:stCondLst>
+                                  <p:childTnLst>
+                                    <p:set>
+                                      <p:cBhvr>
+                                        <p:cTn id="30" dur="1" fill="hold">
+                                          <p:stCondLst>
+                                            <p:cond delay="0"/>
+                                          </p:stCondLst>
+                                        </p:cTn>
+                                        <p:tgtEl>
+                                          <p:spTgt spid="30"/>
                                         </p:tgtEl>
                                         <p:attrNameLst>
                                           <p:attrName>style.visibility</p:attrName>
@@ -13471,7 +13753,7 @@
         </p:blipFill>
         <p:spPr>
           <a:xfrm>
-            <a:off x="838200" y="1690688"/>
+            <a:off x="887834" y="2764729"/>
             <a:ext cx="2209800" cy="1362075"/>
           </a:xfrm>
           <a:prstGeom prst="rect">
@@ -13501,7 +13783,7 @@
         </p:blipFill>
         <p:spPr>
           <a:xfrm>
-            <a:off x="838200" y="3523018"/>
+            <a:off x="3057525" y="2728869"/>
             <a:ext cx="3038475" cy="1724025"/>
           </a:xfrm>
           <a:prstGeom prst="rect">
@@ -13531,7 +13813,7 @@
         </p:blipFill>
         <p:spPr>
           <a:xfrm>
-            <a:off x="838200" y="5741895"/>
+            <a:off x="6503894" y="2624401"/>
             <a:ext cx="4048125" cy="904875"/>
           </a:xfrm>
           <a:prstGeom prst="rect">
@@ -13561,7 +13843,7 @@
         </p:blipFill>
         <p:spPr>
           <a:xfrm>
-            <a:off x="1362635" y="5327780"/>
+            <a:off x="1042987" y="5281785"/>
             <a:ext cx="3533775" cy="257175"/>
           </a:xfrm>
           <a:prstGeom prst="rect">
@@ -13569,6 +13851,231 @@
           </a:prstGeom>
         </p:spPr>
       </p:pic>
+      <p:sp>
+        <p:nvSpPr>
+          <p:cNvPr id="9" name="Content Placeholder 2">
+            <a:extLst>
+              <a:ext uri="{FF2B5EF4-FFF2-40B4-BE49-F238E27FC236}">
+                <a16:creationId xmlns:a16="http://schemas.microsoft.com/office/drawing/2014/main" id="{A1E2A3EF-D72D-4AB4-8DED-3C48AB97EC9B}"/>
+              </a:ext>
+            </a:extLst>
+          </p:cNvPr>
+          <p:cNvSpPr txBox="1">
+            <a:spLocks/>
+          </p:cNvSpPr>
+          <p:nvPr/>
+        </p:nvSpPr>
+        <p:spPr>
+          <a:xfrm>
+            <a:off x="1095373" y="1825625"/>
+            <a:ext cx="8622367" cy="4351338"/>
+          </a:xfrm>
+          <a:prstGeom prst="rect">
+            <a:avLst/>
+          </a:prstGeom>
+        </p:spPr>
+        <p:txBody>
+          <a:bodyPr vert="horz" lIns="91440" tIns="45720" rIns="91440" bIns="45720" rtlCol="0">
+            <a:normAutofit/>
+          </a:bodyPr>
+          <a:lstStyle>
+            <a:lvl1pPr marL="228600" indent="-228600" algn="l" defTabSz="914400" rtl="0" eaLnBrk="1" latinLnBrk="0" hangingPunct="1">
+              <a:lnSpc>
+                <a:spcPct val="90000"/>
+              </a:lnSpc>
+              <a:spcBef>
+                <a:spcPts val="1000"/>
+              </a:spcBef>
+              <a:buFont typeface="Arial" panose="020B0604020202020204" pitchFamily="34" charset="0"/>
+              <a:buChar char="•"/>
+              <a:defRPr sz="2800" kern="1200">
+                <a:solidFill>
+                  <a:schemeClr val="tx1"/>
+                </a:solidFill>
+                <a:latin typeface="+mn-lt"/>
+                <a:ea typeface="+mn-ea"/>
+                <a:cs typeface="+mn-cs"/>
+              </a:defRPr>
+            </a:lvl1pPr>
+            <a:lvl2pPr marL="685800" indent="-228600" algn="l" defTabSz="914400" rtl="0" eaLnBrk="1" latinLnBrk="0" hangingPunct="1">
+              <a:lnSpc>
+                <a:spcPct val="90000"/>
+              </a:lnSpc>
+              <a:spcBef>
+                <a:spcPts val="500"/>
+              </a:spcBef>
+              <a:buFont typeface="Arial" panose="020B0604020202020204" pitchFamily="34" charset="0"/>
+              <a:buChar char="•"/>
+              <a:defRPr sz="2400" kern="1200">
+                <a:solidFill>
+                  <a:schemeClr val="tx1"/>
+                </a:solidFill>
+                <a:latin typeface="+mn-lt"/>
+                <a:ea typeface="+mn-ea"/>
+                <a:cs typeface="+mn-cs"/>
+              </a:defRPr>
+            </a:lvl2pPr>
+            <a:lvl3pPr marL="1143000" indent="-228600" algn="l" defTabSz="914400" rtl="0" eaLnBrk="1" latinLnBrk="0" hangingPunct="1">
+              <a:lnSpc>
+                <a:spcPct val="90000"/>
+              </a:lnSpc>
+              <a:spcBef>
+                <a:spcPts val="500"/>
+              </a:spcBef>
+              <a:buFont typeface="Arial" panose="020B0604020202020204" pitchFamily="34" charset="0"/>
+              <a:buChar char="•"/>
+              <a:defRPr sz="2000" kern="1200">
+                <a:solidFill>
+                  <a:schemeClr val="tx1"/>
+                </a:solidFill>
+                <a:latin typeface="+mn-lt"/>
+                <a:ea typeface="+mn-ea"/>
+                <a:cs typeface="+mn-cs"/>
+              </a:defRPr>
+            </a:lvl3pPr>
+            <a:lvl4pPr marL="1600200" indent="-228600" algn="l" defTabSz="914400" rtl="0" eaLnBrk="1" latinLnBrk="0" hangingPunct="1">
+              <a:lnSpc>
+                <a:spcPct val="90000"/>
+              </a:lnSpc>
+              <a:spcBef>
+                <a:spcPts val="500"/>
+              </a:spcBef>
+              <a:buFont typeface="Arial" panose="020B0604020202020204" pitchFamily="34" charset="0"/>
+              <a:buChar char="•"/>
+              <a:defRPr sz="1800" kern="1200">
+                <a:solidFill>
+                  <a:schemeClr val="tx1"/>
+                </a:solidFill>
+                <a:latin typeface="+mn-lt"/>
+                <a:ea typeface="+mn-ea"/>
+                <a:cs typeface="+mn-cs"/>
+              </a:defRPr>
+            </a:lvl4pPr>
+            <a:lvl5pPr marL="2057400" indent="-228600" algn="l" defTabSz="914400" rtl="0" eaLnBrk="1" latinLnBrk="0" hangingPunct="1">
+              <a:lnSpc>
+                <a:spcPct val="90000"/>
+              </a:lnSpc>
+              <a:spcBef>
+                <a:spcPts val="500"/>
+              </a:spcBef>
+              <a:buFont typeface="Arial" panose="020B0604020202020204" pitchFamily="34" charset="0"/>
+              <a:buChar char="•"/>
+              <a:defRPr sz="1800" kern="1200">
+                <a:solidFill>
+                  <a:schemeClr val="tx1"/>
+                </a:solidFill>
+                <a:latin typeface="+mn-lt"/>
+                <a:ea typeface="+mn-ea"/>
+                <a:cs typeface="+mn-cs"/>
+              </a:defRPr>
+            </a:lvl5pPr>
+            <a:lvl6pPr marL="2514600" indent="-228600" algn="l" defTabSz="914400" rtl="0" eaLnBrk="1" latinLnBrk="0" hangingPunct="1">
+              <a:lnSpc>
+                <a:spcPct val="90000"/>
+              </a:lnSpc>
+              <a:spcBef>
+                <a:spcPts val="500"/>
+              </a:spcBef>
+              <a:buFont typeface="Arial" panose="020B0604020202020204" pitchFamily="34" charset="0"/>
+              <a:buChar char="•"/>
+              <a:defRPr sz="1800" kern="1200">
+                <a:solidFill>
+                  <a:schemeClr val="tx1"/>
+                </a:solidFill>
+                <a:latin typeface="+mn-lt"/>
+                <a:ea typeface="+mn-ea"/>
+                <a:cs typeface="+mn-cs"/>
+              </a:defRPr>
+            </a:lvl6pPr>
+            <a:lvl7pPr marL="2971800" indent="-228600" algn="l" defTabSz="914400" rtl="0" eaLnBrk="1" latinLnBrk="0" hangingPunct="1">
+              <a:lnSpc>
+                <a:spcPct val="90000"/>
+              </a:lnSpc>
+              <a:spcBef>
+                <a:spcPts val="500"/>
+              </a:spcBef>
+              <a:buFont typeface="Arial" panose="020B0604020202020204" pitchFamily="34" charset="0"/>
+              <a:buChar char="•"/>
+              <a:defRPr sz="1800" kern="1200">
+                <a:solidFill>
+                  <a:schemeClr val="tx1"/>
+                </a:solidFill>
+                <a:latin typeface="+mn-lt"/>
+                <a:ea typeface="+mn-ea"/>
+                <a:cs typeface="+mn-cs"/>
+              </a:defRPr>
+            </a:lvl7pPr>
+            <a:lvl8pPr marL="3429000" indent="-228600" algn="l" defTabSz="914400" rtl="0" eaLnBrk="1" latinLnBrk="0" hangingPunct="1">
+              <a:lnSpc>
+                <a:spcPct val="90000"/>
+              </a:lnSpc>
+              <a:spcBef>
+                <a:spcPts val="500"/>
+              </a:spcBef>
+              <a:buFont typeface="Arial" panose="020B0604020202020204" pitchFamily="34" charset="0"/>
+              <a:buChar char="•"/>
+              <a:defRPr sz="1800" kern="1200">
+                <a:solidFill>
+                  <a:schemeClr val="tx1"/>
+                </a:solidFill>
+                <a:latin typeface="+mn-lt"/>
+                <a:ea typeface="+mn-ea"/>
+                <a:cs typeface="+mn-cs"/>
+              </a:defRPr>
+            </a:lvl8pPr>
+            <a:lvl9pPr marL="3886200" indent="-228600" algn="l" defTabSz="914400" rtl="0" eaLnBrk="1" latinLnBrk="0" hangingPunct="1">
+              <a:lnSpc>
+                <a:spcPct val="90000"/>
+              </a:lnSpc>
+              <a:spcBef>
+                <a:spcPts val="500"/>
+              </a:spcBef>
+              <a:buFont typeface="Arial" panose="020B0604020202020204" pitchFamily="34" charset="0"/>
+              <a:buChar char="•"/>
+              <a:defRPr sz="1800" kern="1200">
+                <a:solidFill>
+                  <a:schemeClr val="tx1"/>
+                </a:solidFill>
+                <a:latin typeface="+mn-lt"/>
+                <a:ea typeface="+mn-ea"/>
+                <a:cs typeface="+mn-cs"/>
+              </a:defRPr>
+            </a:lvl9pPr>
+          </a:lstStyle>
+          <a:p>
+            <a:r>
+              <a:rPr lang="en-SG" dirty="0"/>
+              <a:t>Host with ASP Net Core</a:t>
+            </a:r>
+          </a:p>
+          <a:p>
+            <a:pPr lvl="1"/>
+            <a:r>
+              <a:rPr lang="en-SG" dirty="0"/>
+              <a:t>Serve static files</a:t>
+            </a:r>
+          </a:p>
+          <a:p>
+            <a:pPr lvl="1"/>
+            <a:endParaRPr lang="en-SG" dirty="0"/>
+          </a:p>
+          <a:p>
+            <a:endParaRPr lang="en-SG" dirty="0"/>
+          </a:p>
+          <a:p>
+            <a:endParaRPr lang="en-SG" dirty="0"/>
+          </a:p>
+          <a:p>
+            <a:endParaRPr lang="en-SG" dirty="0"/>
+          </a:p>
+          <a:p>
+            <a:r>
+              <a:rPr lang="en-SG" dirty="0"/>
+              <a:t>Build NG app for a particular environment</a:t>
+            </a:r>
+          </a:p>
+        </p:txBody>
+      </p:sp>
     </p:spTree>
     <p:extLst>
       <p:ext uri="{BB962C8B-B14F-4D97-AF65-F5344CB8AC3E}">
@@ -13579,6 +14086,308 @@
   <p:clrMapOvr>
     <a:masterClrMapping/>
   </p:clrMapOvr>
+  <p:timing>
+    <p:tnLst>
+      <p:par>
+        <p:cTn id="1" dur="indefinite" restart="never" nodeType="tmRoot">
+          <p:childTnLst>
+            <p:seq concurrent="1" nextAc="seek">
+              <p:cTn id="2" dur="indefinite" nodeType="mainSeq">
+                <p:childTnLst>
+                  <p:par>
+                    <p:cTn id="3" fill="hold">
+                      <p:stCondLst>
+                        <p:cond delay="indefinite"/>
+                      </p:stCondLst>
+                      <p:childTnLst>
+                        <p:par>
+                          <p:cTn id="4" fill="hold">
+                            <p:stCondLst>
+                              <p:cond delay="0"/>
+                            </p:stCondLst>
+                            <p:childTnLst>
+                              <p:par>
+                                <p:cTn id="5" presetID="1" presetClass="entr" presetSubtype="0" fill="hold" grpId="0" nodeType="clickEffect">
+                                  <p:stCondLst>
+                                    <p:cond delay="0"/>
+                                  </p:stCondLst>
+                                  <p:childTnLst>
+                                    <p:set>
+                                      <p:cBhvr>
+                                        <p:cTn id="6" dur="1" fill="hold">
+                                          <p:stCondLst>
+                                            <p:cond delay="0"/>
+                                          </p:stCondLst>
+                                        </p:cTn>
+                                        <p:tgtEl>
+                                          <p:spTgt spid="9"/>
+                                        </p:tgtEl>
+                                        <p:attrNameLst>
+                                          <p:attrName>style.visibility</p:attrName>
+                                        </p:attrNameLst>
+                                      </p:cBhvr>
+                                      <p:to>
+                                        <p:strVal val="visible"/>
+                                      </p:to>
+                                    </p:set>
+                                  </p:childTnLst>
+                                </p:cTn>
+                              </p:par>
+                            </p:childTnLst>
+                          </p:cTn>
+                        </p:par>
+                      </p:childTnLst>
+                    </p:cTn>
+                  </p:par>
+                  <p:par>
+                    <p:cTn id="7" fill="hold">
+                      <p:stCondLst>
+                        <p:cond delay="indefinite"/>
+                      </p:stCondLst>
+                      <p:childTnLst>
+                        <p:par>
+                          <p:cTn id="8" fill="hold">
+                            <p:stCondLst>
+                              <p:cond delay="0"/>
+                            </p:stCondLst>
+                            <p:childTnLst>
+                              <p:par>
+                                <p:cTn id="9" presetID="1" presetClass="entr" presetSubtype="0" fill="hold" nodeType="clickEffect">
+                                  <p:stCondLst>
+                                    <p:cond delay="0"/>
+                                  </p:stCondLst>
+                                  <p:childTnLst>
+                                    <p:set>
+                                      <p:cBhvr>
+                                        <p:cTn id="10" dur="1" fill="hold">
+                                          <p:stCondLst>
+                                            <p:cond delay="0"/>
+                                          </p:stCondLst>
+                                        </p:cTn>
+                                        <p:tgtEl>
+                                          <p:spTgt spid="4"/>
+                                        </p:tgtEl>
+                                        <p:attrNameLst>
+                                          <p:attrName>style.visibility</p:attrName>
+                                        </p:attrNameLst>
+                                      </p:cBhvr>
+                                      <p:to>
+                                        <p:strVal val="visible"/>
+                                      </p:to>
+                                    </p:set>
+                                  </p:childTnLst>
+                                </p:cTn>
+                              </p:par>
+                              <p:par>
+                                <p:cTn id="11" presetID="1" presetClass="entr" presetSubtype="0" fill="hold" nodeType="withEffect">
+                                  <p:stCondLst>
+                                    <p:cond delay="0"/>
+                                  </p:stCondLst>
+                                  <p:childTnLst>
+                                    <p:set>
+                                      <p:cBhvr>
+                                        <p:cTn id="12" dur="1" fill="hold">
+                                          <p:stCondLst>
+                                            <p:cond delay="0"/>
+                                          </p:stCondLst>
+                                        </p:cTn>
+                                        <p:tgtEl>
+                                          <p:spTgt spid="6"/>
+                                        </p:tgtEl>
+                                        <p:attrNameLst>
+                                          <p:attrName>style.visibility</p:attrName>
+                                        </p:attrNameLst>
+                                      </p:cBhvr>
+                                      <p:to>
+                                        <p:strVal val="visible"/>
+                                      </p:to>
+                                    </p:set>
+                                  </p:childTnLst>
+                                </p:cTn>
+                              </p:par>
+                            </p:childTnLst>
+                          </p:cTn>
+                        </p:par>
+                      </p:childTnLst>
+                    </p:cTn>
+                  </p:par>
+                  <p:par>
+                    <p:cTn id="13" fill="hold">
+                      <p:stCondLst>
+                        <p:cond delay="indefinite"/>
+                      </p:stCondLst>
+                      <p:childTnLst>
+                        <p:par>
+                          <p:cTn id="14" fill="hold">
+                            <p:stCondLst>
+                              <p:cond delay="0"/>
+                            </p:stCondLst>
+                            <p:childTnLst>
+                              <p:par>
+                                <p:cTn id="15" presetID="1" presetClass="entr" presetSubtype="0" fill="hold" nodeType="clickEffect">
+                                  <p:stCondLst>
+                                    <p:cond delay="0"/>
+                                  </p:stCondLst>
+                                  <p:childTnLst>
+                                    <p:set>
+                                      <p:cBhvr>
+                                        <p:cTn id="16" dur="1" fill="hold">
+                                          <p:stCondLst>
+                                            <p:cond delay="0"/>
+                                          </p:stCondLst>
+                                        </p:cTn>
+                                        <p:tgtEl>
+                                          <p:spTgt spid="9">
+                                            <p:txEl>
+                                              <p:pRg st="1" end="1"/>
+                                            </p:txEl>
+                                          </p:spTgt>
+                                        </p:tgtEl>
+                                        <p:attrNameLst>
+                                          <p:attrName>style.visibility</p:attrName>
+                                        </p:attrNameLst>
+                                      </p:cBhvr>
+                                      <p:to>
+                                        <p:strVal val="visible"/>
+                                      </p:to>
+                                    </p:set>
+                                  </p:childTnLst>
+                                </p:cTn>
+                              </p:par>
+                              <p:par>
+                                <p:cTn id="17" presetID="1" presetClass="entr" presetSubtype="0" fill="hold" nodeType="withEffect">
+                                  <p:stCondLst>
+                                    <p:cond delay="0"/>
+                                  </p:stCondLst>
+                                  <p:childTnLst>
+                                    <p:set>
+                                      <p:cBhvr>
+                                        <p:cTn id="18" dur="1" fill="hold">
+                                          <p:stCondLst>
+                                            <p:cond delay="0"/>
+                                          </p:stCondLst>
+                                        </p:cTn>
+                                        <p:tgtEl>
+                                          <p:spTgt spid="7"/>
+                                        </p:tgtEl>
+                                        <p:attrNameLst>
+                                          <p:attrName>style.visibility</p:attrName>
+                                        </p:attrNameLst>
+                                      </p:cBhvr>
+                                      <p:to>
+                                        <p:strVal val="visible"/>
+                                      </p:to>
+                                    </p:set>
+                                  </p:childTnLst>
+                                </p:cTn>
+                              </p:par>
+                            </p:childTnLst>
+                          </p:cTn>
+                        </p:par>
+                      </p:childTnLst>
+                    </p:cTn>
+                  </p:par>
+                  <p:par>
+                    <p:cTn id="19" fill="hold">
+                      <p:stCondLst>
+                        <p:cond delay="indefinite"/>
+                      </p:stCondLst>
+                      <p:childTnLst>
+                        <p:par>
+                          <p:cTn id="20" fill="hold">
+                            <p:stCondLst>
+                              <p:cond delay="0"/>
+                            </p:stCondLst>
+                            <p:childTnLst>
+                              <p:par>
+                                <p:cTn id="21" presetID="1" presetClass="entr" presetSubtype="0" fill="hold" nodeType="clickEffect">
+                                  <p:stCondLst>
+                                    <p:cond delay="0"/>
+                                  </p:stCondLst>
+                                  <p:childTnLst>
+                                    <p:set>
+                                      <p:cBhvr>
+                                        <p:cTn id="22" dur="1" fill="hold">
+                                          <p:stCondLst>
+                                            <p:cond delay="0"/>
+                                          </p:stCondLst>
+                                        </p:cTn>
+                                        <p:tgtEl>
+                                          <p:spTgt spid="9">
+                                            <p:txEl>
+                                              <p:pRg st="6" end="6"/>
+                                            </p:txEl>
+                                          </p:spTgt>
+                                        </p:tgtEl>
+                                        <p:attrNameLst>
+                                          <p:attrName>style.visibility</p:attrName>
+                                        </p:attrNameLst>
+                                      </p:cBhvr>
+                                      <p:to>
+                                        <p:strVal val="visible"/>
+                                      </p:to>
+                                    </p:set>
+                                  </p:childTnLst>
+                                </p:cTn>
+                              </p:par>
+                              <p:par>
+                                <p:cTn id="23" presetID="1" presetClass="entr" presetSubtype="0" fill="hold" nodeType="withEffect">
+                                  <p:stCondLst>
+                                    <p:cond delay="0"/>
+                                  </p:stCondLst>
+                                  <p:childTnLst>
+                                    <p:set>
+                                      <p:cBhvr>
+                                        <p:cTn id="24" dur="1" fill="hold">
+                                          <p:stCondLst>
+                                            <p:cond delay="0"/>
+                                          </p:stCondLst>
+                                        </p:cTn>
+                                        <p:tgtEl>
+                                          <p:spTgt spid="8"/>
+                                        </p:tgtEl>
+                                        <p:attrNameLst>
+                                          <p:attrName>style.visibility</p:attrName>
+                                        </p:attrNameLst>
+                                      </p:cBhvr>
+                                      <p:to>
+                                        <p:strVal val="visible"/>
+                                      </p:to>
+                                    </p:set>
+                                  </p:childTnLst>
+                                </p:cTn>
+                              </p:par>
+                            </p:childTnLst>
+                          </p:cTn>
+                        </p:par>
+                      </p:childTnLst>
+                    </p:cTn>
+                  </p:par>
+                </p:childTnLst>
+              </p:cTn>
+              <p:prevCondLst>
+                <p:cond evt="onPrev" delay="0">
+                  <p:tgtEl>
+                    <p:sldTgt/>
+                  </p:tgtEl>
+                </p:cond>
+              </p:prevCondLst>
+              <p:nextCondLst>
+                <p:cond evt="onNext" delay="0">
+                  <p:tgtEl>
+                    <p:sldTgt/>
+                  </p:tgtEl>
+                </p:cond>
+              </p:nextCondLst>
+            </p:seq>
+          </p:childTnLst>
+        </p:cTn>
+      </p:par>
+    </p:tnLst>
+    <p:bldLst>
+      <p:bldP spid="9" grpId="0"/>
+    </p:bldLst>
+  </p:timing>
 </p:sld>
 </file>
 
@@ -13876,6 +14685,118 @@
       <p:bldP spid="3" grpId="0" build="p"/>
     </p:bldLst>
   </p:timing>
+</p:sld>
+</file>
+
+<file path=ppt/slides/slide30.xml><?xml version="1.0" encoding="utf-8"?>
+<p:sld xmlns:a="http://schemas.openxmlformats.org/drawingml/2006/main" xmlns:r="http://schemas.openxmlformats.org/officeDocument/2006/relationships" xmlns:p="http://schemas.openxmlformats.org/presentationml/2006/main">
+  <p:cSld>
+    <p:spTree>
+      <p:nvGrpSpPr>
+        <p:cNvPr id="1" name=""/>
+        <p:cNvGrpSpPr/>
+        <p:nvPr/>
+      </p:nvGrpSpPr>
+      <p:grpSpPr>
+        <a:xfrm>
+          <a:off x="0" y="0"/>
+          <a:ext cx="0" cy="0"/>
+          <a:chOff x="0" y="0"/>
+          <a:chExt cx="0" cy="0"/>
+        </a:xfrm>
+      </p:grpSpPr>
+      <p:sp>
+        <p:nvSpPr>
+          <p:cNvPr id="2" name="Title 1">
+            <a:extLst>
+              <a:ext uri="{FF2B5EF4-FFF2-40B4-BE49-F238E27FC236}">
+                <a16:creationId xmlns:a16="http://schemas.microsoft.com/office/drawing/2014/main" id="{BDDC1E33-7C55-40FA-9ED2-F3CD5E35F604}"/>
+              </a:ext>
+            </a:extLst>
+          </p:cNvPr>
+          <p:cNvSpPr>
+            <a:spLocks noGrp="1"/>
+          </p:cNvSpPr>
+          <p:nvPr>
+            <p:ph type="title"/>
+          </p:nvPr>
+        </p:nvSpPr>
+        <p:spPr/>
+        <p:txBody>
+          <a:bodyPr/>
+          <a:lstStyle/>
+          <a:p>
+            <a:r>
+              <a:rPr lang="en-SG" dirty="0"/>
+              <a:t>Conclusion</a:t>
+            </a:r>
+          </a:p>
+        </p:txBody>
+      </p:sp>
+      <p:sp>
+        <p:nvSpPr>
+          <p:cNvPr id="3" name="Content Placeholder 2">
+            <a:extLst>
+              <a:ext uri="{FF2B5EF4-FFF2-40B4-BE49-F238E27FC236}">
+                <a16:creationId xmlns:a16="http://schemas.microsoft.com/office/drawing/2014/main" id="{7C44F881-85D3-4DA2-BA9D-C72EAB9B7F62}"/>
+              </a:ext>
+            </a:extLst>
+          </p:cNvPr>
+          <p:cNvSpPr>
+            <a:spLocks noGrp="1"/>
+          </p:cNvSpPr>
+          <p:nvPr>
+            <p:ph idx="1"/>
+          </p:nvPr>
+        </p:nvSpPr>
+        <p:spPr/>
+        <p:txBody>
+          <a:bodyPr/>
+          <a:lstStyle/>
+          <a:p>
+            <a:r>
+              <a:rPr lang="en-SG" dirty="0"/>
+              <a:t>Modular application</a:t>
+            </a:r>
+          </a:p>
+          <a:p>
+            <a:r>
+              <a:rPr lang="en-SG" dirty="0"/>
+              <a:t>Reactive model</a:t>
+            </a:r>
+          </a:p>
+          <a:p>
+            <a:r>
+              <a:rPr lang="en-SG" dirty="0"/>
+              <a:t>Folder and file convention</a:t>
+            </a:r>
+          </a:p>
+          <a:p>
+            <a:r>
+              <a:rPr lang="en-SG" dirty="0"/>
+              <a:t>Environment </a:t>
+            </a:r>
+            <a:r>
+              <a:rPr lang="en-SG"/>
+              <a:t>and publishing</a:t>
+            </a:r>
+            <a:endParaRPr lang="en-SG" dirty="0"/>
+          </a:p>
+          <a:p>
+            <a:endParaRPr lang="en-SG" dirty="0"/>
+          </a:p>
+        </p:txBody>
+      </p:sp>
+    </p:spTree>
+    <p:extLst>
+      <p:ext uri="{BB962C8B-B14F-4D97-AF65-F5344CB8AC3E}">
+        <p14:creationId xmlns:p14="http://schemas.microsoft.com/office/powerpoint/2010/main" val="559399356"/>
+      </p:ext>
+    </p:extLst>
+  </p:cSld>
+  <p:clrMapOvr>
+    <a:masterClrMapping/>
+  </p:clrMapOvr>
 </p:sld>
 </file>
 
